--- a/Ocean - NFC Slide Show.pptx
+++ b/Ocean - NFC Slide Show.pptx
@@ -9,7 +9,9 @@
     <p:sldId id="257" r:id="rId3"/>
     <p:sldId id="258" r:id="rId4"/>
     <p:sldId id="259" r:id="rId5"/>
-    <p:sldId id="260" r:id="rId6"/>
+    <p:sldId id="261" r:id="rId6"/>
+    <p:sldId id="262" r:id="rId7"/>
+    <p:sldId id="260" r:id="rId8"/>
   </p:sldIdLst>
   <p:sldSz cx="12192000" cy="6858000"/>
   <p:notesSz cx="6858000" cy="9144000"/>
@@ -108,6 +110,11 @@
       </a:defRPr>
     </a:lvl9pPr>
   </p:defaultTextStyle>
+  <p:extLst>
+    <p:ext uri="{EFAFB233-063F-42B5-8137-9DF3F51BA10A}">
+      <p15:sldGuideLst xmlns:p15="http://schemas.microsoft.com/office/powerpoint/2012/main"/>
+    </p:ext>
+  </p:extLst>
 </p:presentation>
 </file>
 
@@ -161,7 +168,7 @@
           <a:noFill/>
           <a:extLst>
             <a:ext uri="{909E8E84-426E-40dd-AFC4-6F175D3DCCD1}">
-              <a14:hiddenFill xmlns:a14="http://schemas.microsoft.com/office/drawing/2010/main" xmlns="">
+              <a14:hiddenFill xmlns="" xmlns:a14="http://schemas.microsoft.com/office/drawing/2010/main">
                 <a:solidFill>
                   <a:srgbClr val="FFFFFF"/>
                 </a:solidFill>
@@ -221,7 +228,7 @@
             </a:ln>
             <a:extLst>
               <a:ext uri="{91240B29-F687-4f45-9708-019B960494DF}">
-                <a14:hiddenLine xmlns:a14="http://schemas.microsoft.com/office/drawing/2010/main" xmlns="" w="9525">
+                <a14:hiddenLine xmlns="" xmlns:a14="http://schemas.microsoft.com/office/drawing/2010/main" w="9525">
                   <a:solidFill>
                     <a:srgbClr val="000000"/>
                   </a:solidFill>
@@ -311,7 +318,7 @@
             </a:ln>
             <a:extLst>
               <a:ext uri="{91240B29-F687-4f45-9708-019B960494DF}">
-                <a14:hiddenLine xmlns:a14="http://schemas.microsoft.com/office/drawing/2010/main" xmlns="" w="9525">
+                <a14:hiddenLine xmlns="" xmlns:a14="http://schemas.microsoft.com/office/drawing/2010/main" w="9525">
                   <a:solidFill>
                     <a:srgbClr val="000000"/>
                   </a:solidFill>
@@ -401,7 +408,7 @@
             </a:ln>
             <a:extLst>
               <a:ext uri="{91240B29-F687-4f45-9708-019B960494DF}">
-                <a14:hiddenLine xmlns:a14="http://schemas.microsoft.com/office/drawing/2010/main" xmlns="" w="9525">
+                <a14:hiddenLine xmlns="" xmlns:a14="http://schemas.microsoft.com/office/drawing/2010/main" w="9525">
                   <a:solidFill>
                     <a:srgbClr val="000000"/>
                   </a:solidFill>
@@ -435,7 +442,7 @@
             </a:ln>
             <a:extLst>
               <a:ext uri="{91240B29-F687-4f45-9708-019B960494DF}">
-                <a14:hiddenLine xmlns:a14="http://schemas.microsoft.com/office/drawing/2010/main" xmlns="" w="9525">
+                <a14:hiddenLine xmlns="" xmlns:a14="http://schemas.microsoft.com/office/drawing/2010/main" w="9525">
                   <a:solidFill>
                     <a:srgbClr val="000000"/>
                   </a:solidFill>
@@ -525,7 +532,7 @@
             </a:ln>
             <a:extLst>
               <a:ext uri="{91240B29-F687-4f45-9708-019B960494DF}">
-                <a14:hiddenLine xmlns:a14="http://schemas.microsoft.com/office/drawing/2010/main" xmlns="" w="9525">
+                <a14:hiddenLine xmlns="" xmlns:a14="http://schemas.microsoft.com/office/drawing/2010/main" w="9525">
                   <a:solidFill>
                     <a:srgbClr val="000000"/>
                   </a:solidFill>
@@ -587,7 +594,7 @@
             </a:ln>
             <a:extLst>
               <a:ext uri="{91240B29-F687-4f45-9708-019B960494DF}">
-                <a14:hiddenLine xmlns:a14="http://schemas.microsoft.com/office/drawing/2010/main" xmlns="" w="9525">
+                <a14:hiddenLine xmlns="" xmlns:a14="http://schemas.microsoft.com/office/drawing/2010/main" w="9525">
                   <a:solidFill>
                     <a:srgbClr val="000000"/>
                   </a:solidFill>
@@ -649,7 +656,7 @@
             </a:ln>
             <a:extLst>
               <a:ext uri="{91240B29-F687-4f45-9708-019B960494DF}">
-                <a14:hiddenLine xmlns:a14="http://schemas.microsoft.com/office/drawing/2010/main" xmlns="" w="9525">
+                <a14:hiddenLine xmlns="" xmlns:a14="http://schemas.microsoft.com/office/drawing/2010/main" w="9525">
                   <a:solidFill>
                     <a:srgbClr val="000000"/>
                   </a:solidFill>
@@ -739,7 +746,7 @@
             </a:ln>
             <a:extLst>
               <a:ext uri="{91240B29-F687-4f45-9708-019B960494DF}">
-                <a14:hiddenLine xmlns:a14="http://schemas.microsoft.com/office/drawing/2010/main" xmlns="" w="9525">
+                <a14:hiddenLine xmlns="" xmlns:a14="http://schemas.microsoft.com/office/drawing/2010/main" w="9525">
                   <a:solidFill>
                     <a:srgbClr val="000000"/>
                   </a:solidFill>
@@ -801,7 +808,7 @@
             </a:ln>
             <a:extLst>
               <a:ext uri="{91240B29-F687-4f45-9708-019B960494DF}">
-                <a14:hiddenLine xmlns:a14="http://schemas.microsoft.com/office/drawing/2010/main" xmlns="" w="9525">
+                <a14:hiddenLine xmlns="" xmlns:a14="http://schemas.microsoft.com/office/drawing/2010/main" w="9525">
                   <a:solidFill>
                     <a:srgbClr val="000000"/>
                   </a:solidFill>
@@ -863,7 +870,7 @@
             </a:ln>
             <a:extLst>
               <a:ext uri="{91240B29-F687-4f45-9708-019B960494DF}">
-                <a14:hiddenLine xmlns:a14="http://schemas.microsoft.com/office/drawing/2010/main" xmlns="" w="9525">
+                <a14:hiddenLine xmlns="" xmlns:a14="http://schemas.microsoft.com/office/drawing/2010/main" w="9525">
                   <a:solidFill>
                     <a:srgbClr val="000000"/>
                   </a:solidFill>
@@ -953,7 +960,7 @@
             </a:ln>
             <a:extLst>
               <a:ext uri="{91240B29-F687-4f45-9708-019B960494DF}">
-                <a14:hiddenLine xmlns:a14="http://schemas.microsoft.com/office/drawing/2010/main" xmlns="" w="9525">
+                <a14:hiddenLine xmlns="" xmlns:a14="http://schemas.microsoft.com/office/drawing/2010/main" w="9525">
                   <a:solidFill>
                     <a:srgbClr val="000000"/>
                   </a:solidFill>
@@ -1043,7 +1050,7 @@
             </a:ln>
             <a:extLst>
               <a:ext uri="{91240B29-F687-4f45-9708-019B960494DF}">
-                <a14:hiddenLine xmlns:a14="http://schemas.microsoft.com/office/drawing/2010/main" xmlns="" w="9525">
+                <a14:hiddenLine xmlns="" xmlns:a14="http://schemas.microsoft.com/office/drawing/2010/main" w="9525">
                   <a:solidFill>
                     <a:srgbClr val="000000"/>
                   </a:solidFill>
@@ -1105,7 +1112,7 @@
             </a:ln>
             <a:extLst>
               <a:ext uri="{91240B29-F687-4f45-9708-019B960494DF}">
-                <a14:hiddenLine xmlns:a14="http://schemas.microsoft.com/office/drawing/2010/main" xmlns="" w="9525">
+                <a14:hiddenLine xmlns="" xmlns:a14="http://schemas.microsoft.com/office/drawing/2010/main" w="9525">
                   <a:solidFill>
                     <a:srgbClr val="000000"/>
                   </a:solidFill>
@@ -1215,7 +1222,7 @@
             </a:ln>
             <a:extLst>
               <a:ext uri="{91240B29-F687-4f45-9708-019B960494DF}">
-                <a14:hiddenLine xmlns:a14="http://schemas.microsoft.com/office/drawing/2010/main" xmlns="" w="9525">
+                <a14:hiddenLine xmlns="" xmlns:a14="http://schemas.microsoft.com/office/drawing/2010/main" w="9525">
                   <a:solidFill>
                     <a:srgbClr val="000000"/>
                   </a:solidFill>
@@ -1277,7 +1284,7 @@
             </a:ln>
             <a:extLst>
               <a:ext uri="{91240B29-F687-4f45-9708-019B960494DF}">
-                <a14:hiddenLine xmlns:a14="http://schemas.microsoft.com/office/drawing/2010/main" xmlns="" w="9525">
+                <a14:hiddenLine xmlns="" xmlns:a14="http://schemas.microsoft.com/office/drawing/2010/main" w="9525">
                   <a:solidFill>
                     <a:srgbClr val="000000"/>
                   </a:solidFill>
@@ -1367,7 +1374,7 @@
             </a:ln>
             <a:extLst>
               <a:ext uri="{91240B29-F687-4f45-9708-019B960494DF}">
-                <a14:hiddenLine xmlns:a14="http://schemas.microsoft.com/office/drawing/2010/main" xmlns="" w="9525">
+                <a14:hiddenLine xmlns="" xmlns:a14="http://schemas.microsoft.com/office/drawing/2010/main" w="9525">
                   <a:solidFill>
                     <a:srgbClr val="000000"/>
                   </a:solidFill>
@@ -1457,7 +1464,7 @@
             </a:ln>
             <a:extLst>
               <a:ext uri="{91240B29-F687-4f45-9708-019B960494DF}">
-                <a14:hiddenLine xmlns:a14="http://schemas.microsoft.com/office/drawing/2010/main" xmlns="" w="9525">
+                <a14:hiddenLine xmlns="" xmlns:a14="http://schemas.microsoft.com/office/drawing/2010/main" w="9525">
                   <a:solidFill>
                     <a:srgbClr val="000000"/>
                   </a:solidFill>
@@ -1519,7 +1526,7 @@
             </a:ln>
             <a:extLst>
               <a:ext uri="{91240B29-F687-4f45-9708-019B960494DF}">
-                <a14:hiddenLine xmlns:a14="http://schemas.microsoft.com/office/drawing/2010/main" xmlns="" w="9525">
+                <a14:hiddenLine xmlns="" xmlns:a14="http://schemas.microsoft.com/office/drawing/2010/main" w="9525">
                   <a:solidFill>
                     <a:srgbClr val="000000"/>
                   </a:solidFill>
@@ -1609,7 +1616,7 @@
             </a:ln>
             <a:extLst>
               <a:ext uri="{91240B29-F687-4f45-9708-019B960494DF}">
-                <a14:hiddenLine xmlns:a14="http://schemas.microsoft.com/office/drawing/2010/main" xmlns="" w="9525">
+                <a14:hiddenLine xmlns="" xmlns:a14="http://schemas.microsoft.com/office/drawing/2010/main" w="9525">
                   <a:solidFill>
                     <a:srgbClr val="000000"/>
                   </a:solidFill>
@@ -1699,7 +1706,7 @@
             </a:ln>
             <a:extLst>
               <a:ext uri="{91240B29-F687-4f45-9708-019B960494DF}">
-                <a14:hiddenLine xmlns:a14="http://schemas.microsoft.com/office/drawing/2010/main" xmlns="" w="9525">
+                <a14:hiddenLine xmlns="" xmlns:a14="http://schemas.microsoft.com/office/drawing/2010/main" w="9525">
                   <a:solidFill>
                     <a:srgbClr val="000000"/>
                   </a:solidFill>
@@ -1755,7 +1762,7 @@
             </a:ln>
             <a:extLst>
               <a:ext uri="{91240B29-F687-4f45-9708-019B960494DF}">
-                <a14:hiddenLine xmlns:a14="http://schemas.microsoft.com/office/drawing/2010/main" xmlns="" w="9525">
+                <a14:hiddenLine xmlns="" xmlns:a14="http://schemas.microsoft.com/office/drawing/2010/main" w="9525">
                   <a:solidFill>
                     <a:srgbClr val="000000"/>
                   </a:solidFill>
@@ -1845,7 +1852,7 @@
             </a:ln>
             <a:extLst>
               <a:ext uri="{91240B29-F687-4f45-9708-019B960494DF}">
-                <a14:hiddenLine xmlns:a14="http://schemas.microsoft.com/office/drawing/2010/main" xmlns="" w="9525">
+                <a14:hiddenLine xmlns="" xmlns:a14="http://schemas.microsoft.com/office/drawing/2010/main" w="9525">
                   <a:solidFill>
                     <a:srgbClr val="000000"/>
                   </a:solidFill>
@@ -1901,7 +1908,7 @@
             </a:ln>
             <a:extLst>
               <a:ext uri="{91240B29-F687-4f45-9708-019B960494DF}">
-                <a14:hiddenLine xmlns:a14="http://schemas.microsoft.com/office/drawing/2010/main" xmlns="" w="9525">
+                <a14:hiddenLine xmlns="" xmlns:a14="http://schemas.microsoft.com/office/drawing/2010/main" w="9525">
                   <a:solidFill>
                     <a:srgbClr val="000000"/>
                   </a:solidFill>
@@ -1991,7 +1998,7 @@
             </a:ln>
             <a:extLst>
               <a:ext uri="{91240B29-F687-4f45-9708-019B960494DF}">
-                <a14:hiddenLine xmlns:a14="http://schemas.microsoft.com/office/drawing/2010/main" xmlns="" w="9525">
+                <a14:hiddenLine xmlns="" xmlns:a14="http://schemas.microsoft.com/office/drawing/2010/main" w="9525">
                   <a:solidFill>
                     <a:srgbClr val="000000"/>
                   </a:solidFill>
@@ -2059,7 +2066,7 @@
             </a:ln>
             <a:extLst>
               <a:ext uri="{91240B29-F687-4f45-9708-019B960494DF}">
-                <a14:hiddenLine xmlns:a14="http://schemas.microsoft.com/office/drawing/2010/main" xmlns="" w="9525">
+                <a14:hiddenLine xmlns="" xmlns:a14="http://schemas.microsoft.com/office/drawing/2010/main" w="9525">
                   <a:solidFill>
                     <a:srgbClr val="000000"/>
                   </a:solidFill>
@@ -2149,7 +2156,7 @@
             </a:ln>
             <a:extLst>
               <a:ext uri="{91240B29-F687-4f45-9708-019B960494DF}">
-                <a14:hiddenLine xmlns:a14="http://schemas.microsoft.com/office/drawing/2010/main" xmlns="" w="9525">
+                <a14:hiddenLine xmlns="" xmlns:a14="http://schemas.microsoft.com/office/drawing/2010/main" w="9525">
                   <a:solidFill>
                     <a:srgbClr val="000000"/>
                   </a:solidFill>
@@ -2217,7 +2224,7 @@
             </a:ln>
             <a:extLst>
               <a:ext uri="{91240B29-F687-4f45-9708-019B960494DF}">
-                <a14:hiddenLine xmlns:a14="http://schemas.microsoft.com/office/drawing/2010/main" xmlns="" w="9525">
+                <a14:hiddenLine xmlns="" xmlns:a14="http://schemas.microsoft.com/office/drawing/2010/main" w="9525">
                   <a:solidFill>
                     <a:srgbClr val="000000"/>
                   </a:solidFill>
@@ -2307,7 +2314,7 @@
             </a:ln>
             <a:extLst>
               <a:ext uri="{91240B29-F687-4f45-9708-019B960494DF}">
-                <a14:hiddenLine xmlns:a14="http://schemas.microsoft.com/office/drawing/2010/main" xmlns="" w="9525">
+                <a14:hiddenLine xmlns="" xmlns:a14="http://schemas.microsoft.com/office/drawing/2010/main" w="9525">
                   <a:solidFill>
                     <a:srgbClr val="000000"/>
                   </a:solidFill>
@@ -2341,7 +2348,7 @@
             </a:ln>
             <a:extLst>
               <a:ext uri="{91240B29-F687-4f45-9708-019B960494DF}">
-                <a14:hiddenLine xmlns:a14="http://schemas.microsoft.com/office/drawing/2010/main" xmlns="" w="9525">
+                <a14:hiddenLine xmlns="" xmlns:a14="http://schemas.microsoft.com/office/drawing/2010/main" w="9525">
                   <a:solidFill>
                     <a:srgbClr val="000000"/>
                   </a:solidFill>
@@ -2431,7 +2438,7 @@
             </a:ln>
             <a:extLst>
               <a:ext uri="{91240B29-F687-4f45-9708-019B960494DF}">
-                <a14:hiddenLine xmlns:a14="http://schemas.microsoft.com/office/drawing/2010/main" xmlns="" w="9525">
+                <a14:hiddenLine xmlns="" xmlns:a14="http://schemas.microsoft.com/office/drawing/2010/main" w="9525">
                   <a:solidFill>
                     <a:srgbClr val="000000"/>
                   </a:solidFill>
@@ -2493,7 +2500,7 @@
             </a:ln>
             <a:extLst>
               <a:ext uri="{91240B29-F687-4f45-9708-019B960494DF}">
-                <a14:hiddenLine xmlns:a14="http://schemas.microsoft.com/office/drawing/2010/main" xmlns="" w="9525">
+                <a14:hiddenLine xmlns="" xmlns:a14="http://schemas.microsoft.com/office/drawing/2010/main" w="9525">
                   <a:solidFill>
                     <a:srgbClr val="000000"/>
                   </a:solidFill>
@@ -2555,7 +2562,7 @@
             </a:ln>
             <a:extLst>
               <a:ext uri="{91240B29-F687-4f45-9708-019B960494DF}">
-                <a14:hiddenLine xmlns:a14="http://schemas.microsoft.com/office/drawing/2010/main" xmlns="" w="9525">
+                <a14:hiddenLine xmlns="" xmlns:a14="http://schemas.microsoft.com/office/drawing/2010/main" w="9525">
                   <a:solidFill>
                     <a:srgbClr val="000000"/>
                   </a:solidFill>
@@ -2645,7 +2652,7 @@
             </a:ln>
             <a:extLst>
               <a:ext uri="{91240B29-F687-4f45-9708-019B960494DF}">
-                <a14:hiddenLine xmlns:a14="http://schemas.microsoft.com/office/drawing/2010/main" xmlns="" w="9525">
+                <a14:hiddenLine xmlns="" xmlns:a14="http://schemas.microsoft.com/office/drawing/2010/main" w="9525">
                   <a:solidFill>
                     <a:srgbClr val="000000"/>
                   </a:solidFill>
@@ -2713,7 +2720,7 @@
             </a:ln>
             <a:extLst>
               <a:ext uri="{91240B29-F687-4f45-9708-019B960494DF}">
-                <a14:hiddenLine xmlns:a14="http://schemas.microsoft.com/office/drawing/2010/main" xmlns="" w="9525">
+                <a14:hiddenLine xmlns="" xmlns:a14="http://schemas.microsoft.com/office/drawing/2010/main" w="9525">
                   <a:solidFill>
                     <a:srgbClr val="000000"/>
                   </a:solidFill>
@@ -2775,7 +2782,7 @@
             </a:ln>
             <a:extLst>
               <a:ext uri="{91240B29-F687-4f45-9708-019B960494DF}">
-                <a14:hiddenLine xmlns:a14="http://schemas.microsoft.com/office/drawing/2010/main" xmlns="" w="9525">
+                <a14:hiddenLine xmlns="" xmlns:a14="http://schemas.microsoft.com/office/drawing/2010/main" w="9525">
                   <a:solidFill>
                     <a:srgbClr val="000000"/>
                   </a:solidFill>
@@ -2865,7 +2872,7 @@
             </a:ln>
             <a:extLst>
               <a:ext uri="{91240B29-F687-4f45-9708-019B960494DF}">
-                <a14:hiddenLine xmlns:a14="http://schemas.microsoft.com/office/drawing/2010/main" xmlns="" w="9525">
+                <a14:hiddenLine xmlns="" xmlns:a14="http://schemas.microsoft.com/office/drawing/2010/main" w="9525">
                   <a:solidFill>
                     <a:srgbClr val="000000"/>
                   </a:solidFill>
@@ -2927,7 +2934,7 @@
             </a:ln>
             <a:extLst>
               <a:ext uri="{91240B29-F687-4f45-9708-019B960494DF}">
-                <a14:hiddenLine xmlns:a14="http://schemas.microsoft.com/office/drawing/2010/main" xmlns="" w="9525">
+                <a14:hiddenLine xmlns="" xmlns:a14="http://schemas.microsoft.com/office/drawing/2010/main" w="9525">
                   <a:solidFill>
                     <a:srgbClr val="000000"/>
                   </a:solidFill>
@@ -3017,7 +3024,7 @@
             </a:ln>
             <a:extLst>
               <a:ext uri="{91240B29-F687-4f45-9708-019B960494DF}">
-                <a14:hiddenLine xmlns:a14="http://schemas.microsoft.com/office/drawing/2010/main" xmlns="" w="9525">
+                <a14:hiddenLine xmlns="" xmlns:a14="http://schemas.microsoft.com/office/drawing/2010/main" w="9525">
                   <a:solidFill>
                     <a:srgbClr val="000000"/>
                   </a:solidFill>
@@ -3079,7 +3086,7 @@
             </a:ln>
             <a:extLst>
               <a:ext uri="{91240B29-F687-4f45-9708-019B960494DF}">
-                <a14:hiddenLine xmlns:a14="http://schemas.microsoft.com/office/drawing/2010/main" xmlns="" w="9525">
+                <a14:hiddenLine xmlns="" xmlns:a14="http://schemas.microsoft.com/office/drawing/2010/main" w="9525">
                   <a:solidFill>
                     <a:srgbClr val="000000"/>
                   </a:solidFill>
@@ -3169,7 +3176,7 @@
             </a:ln>
             <a:extLst>
               <a:ext uri="{91240B29-F687-4f45-9708-019B960494DF}">
-                <a14:hiddenLine xmlns:a14="http://schemas.microsoft.com/office/drawing/2010/main" xmlns="" w="9525">
+                <a14:hiddenLine xmlns="" xmlns:a14="http://schemas.microsoft.com/office/drawing/2010/main" w="9525">
                   <a:solidFill>
                     <a:srgbClr val="000000"/>
                   </a:solidFill>
@@ -3203,7 +3210,7 @@
             </a:ln>
             <a:extLst>
               <a:ext uri="{91240B29-F687-4f45-9708-019B960494DF}">
-                <a14:hiddenLine xmlns:a14="http://schemas.microsoft.com/office/drawing/2010/main" xmlns="" w="9525">
+                <a14:hiddenLine xmlns="" xmlns:a14="http://schemas.microsoft.com/office/drawing/2010/main" w="9525">
                   <a:solidFill>
                     <a:srgbClr val="000000"/>
                   </a:solidFill>
@@ -3268,7 +3275,7 @@
             </a:ln>
             <a:extLst>
               <a:ext uri="{91240B29-F687-4f45-9708-019B960494DF}">
-                <a14:hiddenLine xmlns:a14="http://schemas.microsoft.com/office/drawing/2010/main" xmlns="" w="9525">
+                <a14:hiddenLine xmlns="" xmlns:a14="http://schemas.microsoft.com/office/drawing/2010/main" w="9525">
                   <a:solidFill>
                     <a:srgbClr val="000000"/>
                   </a:solidFill>
@@ -3358,7 +3365,7 @@
             </a:ln>
             <a:extLst>
               <a:ext uri="{91240B29-F687-4f45-9708-019B960494DF}">
-                <a14:hiddenLine xmlns:a14="http://schemas.microsoft.com/office/drawing/2010/main" xmlns="" w="9525">
+                <a14:hiddenLine xmlns="" xmlns:a14="http://schemas.microsoft.com/office/drawing/2010/main" w="9525">
                   <a:solidFill>
                     <a:srgbClr val="000000"/>
                   </a:solidFill>
@@ -3420,7 +3427,7 @@
             </a:ln>
             <a:extLst>
               <a:ext uri="{91240B29-F687-4f45-9708-019B960494DF}">
-                <a14:hiddenLine xmlns:a14="http://schemas.microsoft.com/office/drawing/2010/main" xmlns="" w="9525">
+                <a14:hiddenLine xmlns="" xmlns:a14="http://schemas.microsoft.com/office/drawing/2010/main" w="9525">
                   <a:solidFill>
                     <a:srgbClr val="000000"/>
                   </a:solidFill>
@@ -3510,7 +3517,7 @@
             </a:ln>
             <a:extLst>
               <a:ext uri="{91240B29-F687-4f45-9708-019B960494DF}">
-                <a14:hiddenLine xmlns:a14="http://schemas.microsoft.com/office/drawing/2010/main" xmlns="" w="9525">
+                <a14:hiddenLine xmlns="" xmlns:a14="http://schemas.microsoft.com/office/drawing/2010/main" w="9525">
                   <a:solidFill>
                     <a:srgbClr val="000000"/>
                   </a:solidFill>
@@ -3600,7 +3607,7 @@
             </a:ln>
             <a:extLst>
               <a:ext uri="{91240B29-F687-4f45-9708-019B960494DF}">
-                <a14:hiddenLine xmlns:a14="http://schemas.microsoft.com/office/drawing/2010/main" xmlns="" w="9525">
+                <a14:hiddenLine xmlns="" xmlns:a14="http://schemas.microsoft.com/office/drawing/2010/main" w="9525">
                   <a:solidFill>
                     <a:srgbClr val="000000"/>
                   </a:solidFill>
@@ -3665,7 +3672,7 @@
             </a:ln>
             <a:extLst>
               <a:ext uri="{91240B29-F687-4f45-9708-019B960494DF}">
-                <a14:hiddenLine xmlns:a14="http://schemas.microsoft.com/office/drawing/2010/main" xmlns="" w="9525">
+                <a14:hiddenLine xmlns="" xmlns:a14="http://schemas.microsoft.com/office/drawing/2010/main" w="9525">
                   <a:solidFill>
                     <a:srgbClr val="000000"/>
                   </a:solidFill>
@@ -3727,7 +3734,7 @@
             </a:ln>
             <a:extLst>
               <a:ext uri="{91240B29-F687-4f45-9708-019B960494DF}">
-                <a14:hiddenLine xmlns:a14="http://schemas.microsoft.com/office/drawing/2010/main" xmlns="" w="9525">
+                <a14:hiddenLine xmlns="" xmlns:a14="http://schemas.microsoft.com/office/drawing/2010/main" w="9525">
                   <a:solidFill>
                     <a:srgbClr val="000000"/>
                   </a:solidFill>
@@ -3817,7 +3824,7 @@
             </a:ln>
             <a:extLst>
               <a:ext uri="{91240B29-F687-4f45-9708-019B960494DF}">
-                <a14:hiddenLine xmlns:a14="http://schemas.microsoft.com/office/drawing/2010/main" xmlns="" w="9525">
+                <a14:hiddenLine xmlns="" xmlns:a14="http://schemas.microsoft.com/office/drawing/2010/main" w="9525">
                   <a:solidFill>
                     <a:srgbClr val="000000"/>
                   </a:solidFill>
@@ -3907,7 +3914,7 @@
             </a:ln>
             <a:extLst>
               <a:ext uri="{91240B29-F687-4f45-9708-019B960494DF}">
-                <a14:hiddenLine xmlns:a14="http://schemas.microsoft.com/office/drawing/2010/main" xmlns="" w="9525">
+                <a14:hiddenLine xmlns="" xmlns:a14="http://schemas.microsoft.com/office/drawing/2010/main" w="9525">
                   <a:solidFill>
                     <a:srgbClr val="000000"/>
                   </a:solidFill>
@@ -3969,7 +3976,7 @@
             </a:ln>
             <a:extLst>
               <a:ext uri="{91240B29-F687-4f45-9708-019B960494DF}">
-                <a14:hiddenLine xmlns:a14="http://schemas.microsoft.com/office/drawing/2010/main" xmlns="" w="9525">
+                <a14:hiddenLine xmlns="" xmlns:a14="http://schemas.microsoft.com/office/drawing/2010/main" w="9525">
                   <a:solidFill>
                     <a:srgbClr val="000000"/>
                   </a:solidFill>
@@ -4089,7 +4096,7 @@
             </a:ln>
             <a:extLst>
               <a:ext uri="{91240B29-F687-4f45-9708-019B960494DF}">
-                <a14:hiddenLine xmlns:a14="http://schemas.microsoft.com/office/drawing/2010/main" xmlns="" w="9525">
+                <a14:hiddenLine xmlns="" xmlns:a14="http://schemas.microsoft.com/office/drawing/2010/main" w="9525">
                   <a:solidFill>
                     <a:srgbClr val="000000"/>
                   </a:solidFill>
@@ -4157,7 +4164,7 @@
             </a:ln>
             <a:extLst>
               <a:ext uri="{91240B29-F687-4f45-9708-019B960494DF}">
-                <a14:hiddenLine xmlns:a14="http://schemas.microsoft.com/office/drawing/2010/main" xmlns="" w="9525">
+                <a14:hiddenLine xmlns="" xmlns:a14="http://schemas.microsoft.com/office/drawing/2010/main" w="9525">
                   <a:solidFill>
                     <a:srgbClr val="000000"/>
                   </a:solidFill>
@@ -4247,7 +4254,7 @@
             </a:ln>
             <a:extLst>
               <a:ext uri="{91240B29-F687-4f45-9708-019B960494DF}">
-                <a14:hiddenLine xmlns:a14="http://schemas.microsoft.com/office/drawing/2010/main" xmlns="" w="9525">
+                <a14:hiddenLine xmlns="" xmlns:a14="http://schemas.microsoft.com/office/drawing/2010/main" w="9525">
                   <a:solidFill>
                     <a:srgbClr val="000000"/>
                   </a:solidFill>
@@ -4287,7 +4294,7 @@
           </a:lstStyle>
           <a:p>
             <a:r>
-              <a:rPr lang="en-US" smtClean="0"/>
+              <a:rPr lang="en-US"/>
               <a:t>Click to edit Master title style</a:t>
             </a:r>
             <a:endParaRPr lang="en-US" dirty="0"/>
@@ -4358,7 +4365,7 @@
           </a:lstStyle>
           <a:p>
             <a:r>
-              <a:rPr lang="en-US" smtClean="0"/>
+              <a:rPr lang="en-US"/>
               <a:t>Click to edit Master subtitle style</a:t>
             </a:r>
             <a:endParaRPr lang="en-US" dirty="0"/>
@@ -4387,7 +4394,7 @@
           <a:p>
             <a:fld id="{D2706670-3FAE-4A2D-AC2F-75631C2905EF}" type="datetimeFigureOut">
               <a:rPr lang="en-ZA" smtClean="0"/>
-              <a:t>2019-03-14</a:t>
+              <a:t>2019/03/15</a:t>
             </a:fld>
             <a:endParaRPr lang="en-ZA"/>
           </a:p>
@@ -4502,7 +4509,7 @@
           </a:lstStyle>
           <a:p>
             <a:r>
-              <a:rPr lang="en-US" smtClean="0"/>
+              <a:rPr lang="en-US"/>
               <a:t>Click to edit Master title style</a:t>
             </a:r>
             <a:endParaRPr lang="en-US" dirty="0"/>
@@ -4563,7 +4570,7 @@
               <a:buNone/>
             </a:pPr>
             <a:r>
-              <a:rPr lang="en-US" smtClean="0"/>
+              <a:rPr lang="en-US"/>
               <a:t>Click icon to add picture</a:t>
             </a:r>
             <a:endParaRPr lang="en-US" dirty="0"/>
@@ -4631,7 +4638,7 @@
           <a:p>
             <a:pPr lvl="0"/>
             <a:r>
-              <a:rPr lang="en-US" smtClean="0"/>
+              <a:rPr lang="en-US"/>
               <a:t>Click to edit Master text styles</a:t>
             </a:r>
           </a:p>
@@ -4654,7 +4661,7 @@
           <a:p>
             <a:fld id="{D2706670-3FAE-4A2D-AC2F-75631C2905EF}" type="datetimeFigureOut">
               <a:rPr lang="en-ZA" smtClean="0"/>
-              <a:t>2019-03-14</a:t>
+              <a:t>2019/03/15</a:t>
             </a:fld>
             <a:endParaRPr lang="en-ZA"/>
           </a:p>
@@ -4759,7 +4766,7 @@
           </a:lstStyle>
           <a:p>
             <a:r>
-              <a:rPr lang="en-US" smtClean="0"/>
+              <a:rPr lang="en-US"/>
               <a:t>Click to edit Master title style</a:t>
             </a:r>
             <a:endParaRPr lang="en-US" dirty="0"/>
@@ -4827,7 +4834,7 @@
           <a:p>
             <a:pPr lvl="0"/>
             <a:r>
-              <a:rPr lang="en-US" smtClean="0"/>
+              <a:rPr lang="en-US"/>
               <a:t>Click to edit Master text styles</a:t>
             </a:r>
           </a:p>
@@ -4850,7 +4857,7 @@
           <a:p>
             <a:fld id="{D2706670-3FAE-4A2D-AC2F-75631C2905EF}" type="datetimeFigureOut">
               <a:rPr lang="en-ZA" smtClean="0"/>
-              <a:t>2019-03-14</a:t>
+              <a:t>2019/03/15</a:t>
             </a:fld>
             <a:endParaRPr lang="en-ZA"/>
           </a:p>
@@ -4955,7 +4962,7 @@
           </a:lstStyle>
           <a:p>
             <a:r>
-              <a:rPr lang="en-US" smtClean="0"/>
+              <a:rPr lang="en-US"/>
               <a:t>Click to edit Master title style</a:t>
             </a:r>
             <a:endParaRPr lang="en-US" dirty="0"/>
@@ -5023,7 +5030,7 @@
           <a:p>
             <a:pPr lvl="0"/>
             <a:r>
-              <a:rPr lang="en-US" smtClean="0"/>
+              <a:rPr lang="en-US"/>
               <a:t>Click to edit Master text styles</a:t>
             </a:r>
           </a:p>
@@ -5090,7 +5097,7 @@
           <a:p>
             <a:pPr lvl="0"/>
             <a:r>
-              <a:rPr lang="en-US" smtClean="0"/>
+              <a:rPr lang="en-US"/>
               <a:t>Click to edit Master text styles</a:t>
             </a:r>
           </a:p>
@@ -5113,7 +5120,7 @@
           <a:p>
             <a:fld id="{D2706670-3FAE-4A2D-AC2F-75631C2905EF}" type="datetimeFigureOut">
               <a:rPr lang="en-ZA" smtClean="0"/>
-              <a:t>2019-03-14</a:t>
+              <a:t>2019/03/15</a:t>
             </a:fld>
             <a:endParaRPr lang="en-ZA"/>
           </a:p>
@@ -5456,7 +5463,7 @@
           </a:lstStyle>
           <a:p>
             <a:r>
-              <a:rPr lang="en-US" smtClean="0"/>
+              <a:rPr lang="en-US"/>
               <a:t>Click to edit Master title style</a:t>
             </a:r>
             <a:endParaRPr lang="en-US" dirty="0"/>
@@ -5524,7 +5531,7 @@
           <a:p>
             <a:pPr lvl="0"/>
             <a:r>
-              <a:rPr lang="en-US" smtClean="0"/>
+              <a:rPr lang="en-US"/>
               <a:t>Click to edit Master text styles</a:t>
             </a:r>
           </a:p>
@@ -5547,7 +5554,7 @@
           <a:p>
             <a:fld id="{D2706670-3FAE-4A2D-AC2F-75631C2905EF}" type="datetimeFigureOut">
               <a:rPr lang="en-ZA" smtClean="0"/>
-              <a:t>2019-03-14</a:t>
+              <a:t>2019/03/15</a:t>
             </a:fld>
             <a:endParaRPr lang="en-ZA"/>
           </a:p>
@@ -5646,7 +5653,7 @@
           <a:lstStyle/>
           <a:p>
             <a:r>
-              <a:rPr lang="en-US" smtClean="0"/>
+              <a:rPr lang="en-US"/>
               <a:t>Click to edit Master title style</a:t>
             </a:r>
             <a:endParaRPr lang="en-US" dirty="0"/>
@@ -5721,7 +5728,7 @@
           <a:p>
             <a:pPr lvl="0"/>
             <a:r>
-              <a:rPr lang="en-US" smtClean="0"/>
+              <a:rPr lang="en-US"/>
               <a:t>Click to edit Master text styles</a:t>
             </a:r>
           </a:p>
@@ -5788,7 +5795,7 @@
           <a:p>
             <a:pPr lvl="0"/>
             <a:r>
-              <a:rPr lang="en-US" smtClean="0"/>
+              <a:rPr lang="en-US"/>
               <a:t>Click to edit Master text styles</a:t>
             </a:r>
           </a:p>
@@ -5862,7 +5869,7 @@
           <a:p>
             <a:pPr lvl="0"/>
             <a:r>
-              <a:rPr lang="en-US" smtClean="0"/>
+              <a:rPr lang="en-US"/>
               <a:t>Click to edit Master text styles</a:t>
             </a:r>
           </a:p>
@@ -5929,7 +5936,7 @@
           <a:p>
             <a:pPr lvl="0"/>
             <a:r>
-              <a:rPr lang="en-US" smtClean="0"/>
+              <a:rPr lang="en-US"/>
               <a:t>Click to edit Master text styles</a:t>
             </a:r>
           </a:p>
@@ -6003,7 +6010,7 @@
           <a:p>
             <a:pPr lvl="0"/>
             <a:r>
-              <a:rPr lang="en-US" smtClean="0"/>
+              <a:rPr lang="en-US"/>
               <a:t>Click to edit Master text styles</a:t>
             </a:r>
           </a:p>
@@ -6070,7 +6077,7 @@
           <a:p>
             <a:pPr lvl="0"/>
             <a:r>
-              <a:rPr lang="en-US" smtClean="0"/>
+              <a:rPr lang="en-US"/>
               <a:t>Click to edit Master text styles</a:t>
             </a:r>
           </a:p>
@@ -6093,7 +6100,7 @@
           <a:p>
             <a:fld id="{D2706670-3FAE-4A2D-AC2F-75631C2905EF}" type="datetimeFigureOut">
               <a:rPr lang="en-ZA" smtClean="0"/>
-              <a:t>2019-03-14</a:t>
+              <a:t>2019/03/15</a:t>
             </a:fld>
             <a:endParaRPr lang="en-ZA"/>
           </a:p>
@@ -6192,7 +6199,7 @@
           <a:lstStyle/>
           <a:p>
             <a:r>
-              <a:rPr lang="en-US" smtClean="0"/>
+              <a:rPr lang="en-US"/>
               <a:t>Click to edit Master title style</a:t>
             </a:r>
             <a:endParaRPr lang="en-US" dirty="0"/>
@@ -6267,7 +6274,7 @@
           <a:p>
             <a:pPr lvl="0"/>
             <a:r>
-              <a:rPr lang="en-US" smtClean="0"/>
+              <a:rPr lang="en-US"/>
               <a:t>Click to edit Master text styles</a:t>
             </a:r>
           </a:p>
@@ -6324,7 +6331,7 @@
               <a:buNone/>
             </a:pPr>
             <a:r>
-              <a:rPr lang="en-US" smtClean="0"/>
+              <a:rPr lang="en-US"/>
               <a:t>Click icon to add picture</a:t>
             </a:r>
             <a:endParaRPr lang="en-US" dirty="0"/>
@@ -6392,7 +6399,7 @@
           <a:p>
             <a:pPr lvl="0"/>
             <a:r>
-              <a:rPr lang="en-US" smtClean="0"/>
+              <a:rPr lang="en-US"/>
               <a:t>Click to edit Master text styles</a:t>
             </a:r>
           </a:p>
@@ -6466,7 +6473,7 @@
           <a:p>
             <a:pPr lvl="0"/>
             <a:r>
-              <a:rPr lang="en-US" smtClean="0"/>
+              <a:rPr lang="en-US"/>
               <a:t>Click to edit Master text styles</a:t>
             </a:r>
           </a:p>
@@ -6523,7 +6530,7 @@
               <a:buNone/>
             </a:pPr>
             <a:r>
-              <a:rPr lang="en-US" smtClean="0"/>
+              <a:rPr lang="en-US"/>
               <a:t>Click icon to add picture</a:t>
             </a:r>
             <a:endParaRPr lang="en-US" dirty="0"/>
@@ -6591,7 +6598,7 @@
           <a:p>
             <a:pPr lvl="0"/>
             <a:r>
-              <a:rPr lang="en-US" smtClean="0"/>
+              <a:rPr lang="en-US"/>
               <a:t>Click to edit Master text styles</a:t>
             </a:r>
           </a:p>
@@ -6665,7 +6672,7 @@
           <a:p>
             <a:pPr lvl="0"/>
             <a:r>
-              <a:rPr lang="en-US" smtClean="0"/>
+              <a:rPr lang="en-US"/>
               <a:t>Click to edit Master text styles</a:t>
             </a:r>
           </a:p>
@@ -6722,7 +6729,7 @@
               <a:buNone/>
             </a:pPr>
             <a:r>
-              <a:rPr lang="en-US" smtClean="0"/>
+              <a:rPr lang="en-US"/>
               <a:t>Click icon to add picture</a:t>
             </a:r>
             <a:endParaRPr lang="en-US" dirty="0"/>
@@ -6790,7 +6797,7 @@
           <a:p>
             <a:pPr lvl="0"/>
             <a:r>
-              <a:rPr lang="en-US" smtClean="0"/>
+              <a:rPr lang="en-US"/>
               <a:t>Click to edit Master text styles</a:t>
             </a:r>
           </a:p>
@@ -6813,7 +6820,7 @@
           <a:p>
             <a:fld id="{D2706670-3FAE-4A2D-AC2F-75631C2905EF}" type="datetimeFigureOut">
               <a:rPr lang="en-ZA" smtClean="0"/>
-              <a:t>2019-03-14</a:t>
+              <a:t>2019/03/15</a:t>
             </a:fld>
             <a:endParaRPr lang="en-ZA"/>
           </a:p>
@@ -6907,7 +6914,7 @@
           <a:lstStyle/>
           <a:p>
             <a:r>
-              <a:rPr lang="en-US" smtClean="0"/>
+              <a:rPr lang="en-US"/>
               <a:t>Click to edit Master title style</a:t>
             </a:r>
             <a:endParaRPr lang="en-US" dirty="0"/>
@@ -6931,35 +6938,35 @@
           <a:p>
             <a:pPr lvl="0"/>
             <a:r>
-              <a:rPr lang="en-US" smtClean="0"/>
+              <a:rPr lang="en-US"/>
               <a:t>Click to edit Master text styles</a:t>
             </a:r>
           </a:p>
           <a:p>
             <a:pPr lvl="1"/>
             <a:r>
-              <a:rPr lang="en-US" smtClean="0"/>
+              <a:rPr lang="en-US"/>
               <a:t>Second level</a:t>
             </a:r>
           </a:p>
           <a:p>
             <a:pPr lvl="2"/>
             <a:r>
-              <a:rPr lang="en-US" smtClean="0"/>
+              <a:rPr lang="en-US"/>
               <a:t>Third level</a:t>
             </a:r>
           </a:p>
           <a:p>
             <a:pPr lvl="3"/>
             <a:r>
-              <a:rPr lang="en-US" smtClean="0"/>
+              <a:rPr lang="en-US"/>
               <a:t>Fourth level</a:t>
             </a:r>
           </a:p>
           <a:p>
             <a:pPr lvl="4"/>
             <a:r>
-              <a:rPr lang="en-US" smtClean="0"/>
+              <a:rPr lang="en-US"/>
               <a:t>Fifth level</a:t>
             </a:r>
             <a:endParaRPr lang="en-US" dirty="0"/>
@@ -6983,7 +6990,7 @@
           <a:p>
             <a:fld id="{D2706670-3FAE-4A2D-AC2F-75631C2905EF}" type="datetimeFigureOut">
               <a:rPr lang="en-ZA" smtClean="0"/>
-              <a:t>2019-03-14</a:t>
+              <a:t>2019/03/15</a:t>
             </a:fld>
             <a:endParaRPr lang="en-ZA"/>
           </a:p>
@@ -7082,7 +7089,7 @@
           <a:lstStyle/>
           <a:p>
             <a:r>
-              <a:rPr lang="en-US" smtClean="0"/>
+              <a:rPr lang="en-US"/>
               <a:t>Click to edit Master title style</a:t>
             </a:r>
             <a:endParaRPr lang="en-US" dirty="0"/>
@@ -7111,35 +7118,35 @@
           <a:p>
             <a:pPr lvl="0"/>
             <a:r>
-              <a:rPr lang="en-US" smtClean="0"/>
+              <a:rPr lang="en-US"/>
               <a:t>Click to edit Master text styles</a:t>
             </a:r>
           </a:p>
           <a:p>
             <a:pPr lvl="1"/>
             <a:r>
-              <a:rPr lang="en-US" smtClean="0"/>
+              <a:rPr lang="en-US"/>
               <a:t>Second level</a:t>
             </a:r>
           </a:p>
           <a:p>
             <a:pPr lvl="2"/>
             <a:r>
-              <a:rPr lang="en-US" smtClean="0"/>
+              <a:rPr lang="en-US"/>
               <a:t>Third level</a:t>
             </a:r>
           </a:p>
           <a:p>
             <a:pPr lvl="3"/>
             <a:r>
-              <a:rPr lang="en-US" smtClean="0"/>
+              <a:rPr lang="en-US"/>
               <a:t>Fourth level</a:t>
             </a:r>
           </a:p>
           <a:p>
             <a:pPr lvl="4"/>
             <a:r>
-              <a:rPr lang="en-US" smtClean="0"/>
+              <a:rPr lang="en-US"/>
               <a:t>Fifth level</a:t>
             </a:r>
             <a:endParaRPr lang="en-US" dirty="0"/>
@@ -7163,7 +7170,7 @@
           <a:p>
             <a:fld id="{D2706670-3FAE-4A2D-AC2F-75631C2905EF}" type="datetimeFigureOut">
               <a:rPr lang="en-ZA" smtClean="0"/>
-              <a:t>2019-03-14</a:t>
+              <a:t>2019/03/15</a:t>
             </a:fld>
             <a:endParaRPr lang="en-ZA"/>
           </a:p>
@@ -7257,7 +7264,7 @@
           <a:lstStyle/>
           <a:p>
             <a:r>
-              <a:rPr lang="en-US" smtClean="0"/>
+              <a:rPr lang="en-US"/>
               <a:t>Click to edit Master title style</a:t>
             </a:r>
             <a:endParaRPr lang="en-US" dirty="0"/>
@@ -7281,35 +7288,35 @@
           <a:p>
             <a:pPr lvl="0"/>
             <a:r>
-              <a:rPr lang="en-US" smtClean="0"/>
+              <a:rPr lang="en-US"/>
               <a:t>Click to edit Master text styles</a:t>
             </a:r>
           </a:p>
           <a:p>
             <a:pPr lvl="1"/>
             <a:r>
-              <a:rPr lang="en-US" smtClean="0"/>
+              <a:rPr lang="en-US"/>
               <a:t>Second level</a:t>
             </a:r>
           </a:p>
           <a:p>
             <a:pPr lvl="2"/>
             <a:r>
-              <a:rPr lang="en-US" smtClean="0"/>
+              <a:rPr lang="en-US"/>
               <a:t>Third level</a:t>
             </a:r>
           </a:p>
           <a:p>
             <a:pPr lvl="3"/>
             <a:r>
-              <a:rPr lang="en-US" smtClean="0"/>
+              <a:rPr lang="en-US"/>
               <a:t>Fourth level</a:t>
             </a:r>
           </a:p>
           <a:p>
             <a:pPr lvl="4"/>
             <a:r>
-              <a:rPr lang="en-US" smtClean="0"/>
+              <a:rPr lang="en-US"/>
               <a:t>Fifth level</a:t>
             </a:r>
             <a:endParaRPr lang="en-US" dirty="0"/>
@@ -7333,7 +7340,7 @@
           <a:p>
             <a:fld id="{D2706670-3FAE-4A2D-AC2F-75631C2905EF}" type="datetimeFigureOut">
               <a:rPr lang="en-ZA" smtClean="0"/>
-              <a:t>2019-03-14</a:t>
+              <a:t>2019/03/15</a:t>
             </a:fld>
             <a:endParaRPr lang="en-ZA"/>
           </a:p>
@@ -7438,7 +7445,7 @@
           </a:lstStyle>
           <a:p>
             <a:r>
-              <a:rPr lang="en-US" smtClean="0"/>
+              <a:rPr lang="en-US"/>
               <a:t>Click to edit Master title style</a:t>
             </a:r>
             <a:endParaRPr lang="en-US" dirty="0"/>
@@ -7560,7 +7567,7 @@
           <a:p>
             <a:pPr lvl="0"/>
             <a:r>
-              <a:rPr lang="en-US" smtClean="0"/>
+              <a:rPr lang="en-US"/>
               <a:t>Click to edit Master text styles</a:t>
             </a:r>
           </a:p>
@@ -7583,7 +7590,7 @@
           <a:p>
             <a:fld id="{D2706670-3FAE-4A2D-AC2F-75631C2905EF}" type="datetimeFigureOut">
               <a:rPr lang="en-ZA" smtClean="0"/>
-              <a:t>2019-03-14</a:t>
+              <a:t>2019/03/15</a:t>
             </a:fld>
             <a:endParaRPr lang="en-ZA"/>
           </a:p>
@@ -7677,7 +7684,7 @@
           <a:lstStyle/>
           <a:p>
             <a:r>
-              <a:rPr lang="en-US" smtClean="0"/>
+              <a:rPr lang="en-US"/>
               <a:t>Click to edit Master title style</a:t>
             </a:r>
             <a:endParaRPr lang="en-US" dirty="0"/>
@@ -7706,35 +7713,35 @@
           <a:p>
             <a:pPr lvl="0"/>
             <a:r>
-              <a:rPr lang="en-US" smtClean="0"/>
+              <a:rPr lang="en-US"/>
               <a:t>Click to edit Master text styles</a:t>
             </a:r>
           </a:p>
           <a:p>
             <a:pPr lvl="1"/>
             <a:r>
-              <a:rPr lang="en-US" smtClean="0"/>
+              <a:rPr lang="en-US"/>
               <a:t>Second level</a:t>
             </a:r>
           </a:p>
           <a:p>
             <a:pPr lvl="2"/>
             <a:r>
-              <a:rPr lang="en-US" smtClean="0"/>
+              <a:rPr lang="en-US"/>
               <a:t>Third level</a:t>
             </a:r>
           </a:p>
           <a:p>
             <a:pPr lvl="3"/>
             <a:r>
-              <a:rPr lang="en-US" smtClean="0"/>
+              <a:rPr lang="en-US"/>
               <a:t>Fourth level</a:t>
             </a:r>
           </a:p>
           <a:p>
             <a:pPr lvl="4"/>
             <a:r>
-              <a:rPr lang="en-US" smtClean="0"/>
+              <a:rPr lang="en-US"/>
               <a:t>Fifth level</a:t>
             </a:r>
             <a:endParaRPr lang="en-US" dirty="0"/>
@@ -7763,35 +7770,35 @@
           <a:p>
             <a:pPr lvl="0"/>
             <a:r>
-              <a:rPr lang="en-US" smtClean="0"/>
+              <a:rPr lang="en-US"/>
               <a:t>Click to edit Master text styles</a:t>
             </a:r>
           </a:p>
           <a:p>
             <a:pPr lvl="1"/>
             <a:r>
-              <a:rPr lang="en-US" smtClean="0"/>
+              <a:rPr lang="en-US"/>
               <a:t>Second level</a:t>
             </a:r>
           </a:p>
           <a:p>
             <a:pPr lvl="2"/>
             <a:r>
-              <a:rPr lang="en-US" smtClean="0"/>
+              <a:rPr lang="en-US"/>
               <a:t>Third level</a:t>
             </a:r>
           </a:p>
           <a:p>
             <a:pPr lvl="3"/>
             <a:r>
-              <a:rPr lang="en-US" smtClean="0"/>
+              <a:rPr lang="en-US"/>
               <a:t>Fourth level</a:t>
             </a:r>
           </a:p>
           <a:p>
             <a:pPr lvl="4"/>
             <a:r>
-              <a:rPr lang="en-US" smtClean="0"/>
+              <a:rPr lang="en-US"/>
               <a:t>Fifth level</a:t>
             </a:r>
             <a:endParaRPr lang="en-US" dirty="0"/>
@@ -7815,7 +7822,7 @@
           <a:p>
             <a:fld id="{D2706670-3FAE-4A2D-AC2F-75631C2905EF}" type="datetimeFigureOut">
               <a:rPr lang="en-ZA" smtClean="0"/>
-              <a:t>2019-03-14</a:t>
+              <a:t>2019/03/15</a:t>
             </a:fld>
             <a:endParaRPr lang="en-ZA"/>
           </a:p>
@@ -7914,7 +7921,7 @@
           <a:lstStyle/>
           <a:p>
             <a:r>
-              <a:rPr lang="en-US" smtClean="0"/>
+              <a:rPr lang="en-US"/>
               <a:t>Click to edit Master title style</a:t>
             </a:r>
             <a:endParaRPr lang="en-US" dirty="0"/>
@@ -7987,7 +7994,7 @@
           <a:p>
             <a:pPr lvl="0"/>
             <a:r>
-              <a:rPr lang="en-US" smtClean="0"/>
+              <a:rPr lang="en-US"/>
               <a:t>Click to edit Master text styles</a:t>
             </a:r>
           </a:p>
@@ -8015,35 +8022,35 @@
           <a:p>
             <a:pPr lvl="0"/>
             <a:r>
-              <a:rPr lang="en-US" smtClean="0"/>
+              <a:rPr lang="en-US"/>
               <a:t>Click to edit Master text styles</a:t>
             </a:r>
           </a:p>
           <a:p>
             <a:pPr lvl="1"/>
             <a:r>
-              <a:rPr lang="en-US" smtClean="0"/>
+              <a:rPr lang="en-US"/>
               <a:t>Second level</a:t>
             </a:r>
           </a:p>
           <a:p>
             <a:pPr lvl="2"/>
             <a:r>
-              <a:rPr lang="en-US" smtClean="0"/>
+              <a:rPr lang="en-US"/>
               <a:t>Third level</a:t>
             </a:r>
           </a:p>
           <a:p>
             <a:pPr lvl="3"/>
             <a:r>
-              <a:rPr lang="en-US" smtClean="0"/>
+              <a:rPr lang="en-US"/>
               <a:t>Fourth level</a:t>
             </a:r>
           </a:p>
           <a:p>
             <a:pPr lvl="4"/>
             <a:r>
-              <a:rPr lang="en-US" smtClean="0"/>
+              <a:rPr lang="en-US"/>
               <a:t>Fifth level</a:t>
             </a:r>
             <a:endParaRPr lang="en-US" dirty="0"/>
@@ -8116,7 +8123,7 @@
           <a:p>
             <a:pPr lvl="0"/>
             <a:r>
-              <a:rPr lang="en-US" smtClean="0"/>
+              <a:rPr lang="en-US"/>
               <a:t>Click to edit Master text styles</a:t>
             </a:r>
           </a:p>
@@ -8144,35 +8151,35 @@
           <a:p>
             <a:pPr lvl="0"/>
             <a:r>
-              <a:rPr lang="en-US" smtClean="0"/>
+              <a:rPr lang="en-US"/>
               <a:t>Click to edit Master text styles</a:t>
             </a:r>
           </a:p>
           <a:p>
             <a:pPr lvl="1"/>
             <a:r>
-              <a:rPr lang="en-US" smtClean="0"/>
+              <a:rPr lang="en-US"/>
               <a:t>Second level</a:t>
             </a:r>
           </a:p>
           <a:p>
             <a:pPr lvl="2"/>
             <a:r>
-              <a:rPr lang="en-US" smtClean="0"/>
+              <a:rPr lang="en-US"/>
               <a:t>Third level</a:t>
             </a:r>
           </a:p>
           <a:p>
             <a:pPr lvl="3"/>
             <a:r>
-              <a:rPr lang="en-US" smtClean="0"/>
+              <a:rPr lang="en-US"/>
               <a:t>Fourth level</a:t>
             </a:r>
           </a:p>
           <a:p>
             <a:pPr lvl="4"/>
             <a:r>
-              <a:rPr lang="en-US" smtClean="0"/>
+              <a:rPr lang="en-US"/>
               <a:t>Fifth level</a:t>
             </a:r>
             <a:endParaRPr lang="en-US" dirty="0"/>
@@ -8196,7 +8203,7 @@
           <a:p>
             <a:fld id="{D2706670-3FAE-4A2D-AC2F-75631C2905EF}" type="datetimeFigureOut">
               <a:rPr lang="en-ZA" smtClean="0"/>
-              <a:t>2019-03-14</a:t>
+              <a:t>2019/03/15</a:t>
             </a:fld>
             <a:endParaRPr lang="en-ZA"/>
           </a:p>
@@ -8290,7 +8297,7 @@
           <a:lstStyle/>
           <a:p>
             <a:r>
-              <a:rPr lang="en-US" smtClean="0"/>
+              <a:rPr lang="en-US"/>
               <a:t>Click to edit Master title style</a:t>
             </a:r>
             <a:endParaRPr lang="en-US" dirty="0"/>
@@ -8314,7 +8321,7 @@
           <a:p>
             <a:fld id="{D2706670-3FAE-4A2D-AC2F-75631C2905EF}" type="datetimeFigureOut">
               <a:rPr lang="en-ZA" smtClean="0"/>
-              <a:t>2019-03-14</a:t>
+              <a:t>2019/03/15</a:t>
             </a:fld>
             <a:endParaRPr lang="en-ZA"/>
           </a:p>
@@ -8409,7 +8416,7 @@
           <a:p>
             <a:fld id="{D2706670-3FAE-4A2D-AC2F-75631C2905EF}" type="datetimeFigureOut">
               <a:rPr lang="en-ZA" smtClean="0"/>
-              <a:t>2019-03-14</a:t>
+              <a:t>2019/03/15</a:t>
             </a:fld>
             <a:endParaRPr lang="en-ZA"/>
           </a:p>
@@ -8512,7 +8519,7 @@
           </a:lstStyle>
           <a:p>
             <a:r>
-              <a:rPr lang="en-US" smtClean="0"/>
+              <a:rPr lang="en-US"/>
               <a:t>Click to edit Master title style</a:t>
             </a:r>
             <a:endParaRPr lang="en-US" dirty="0"/>
@@ -8541,35 +8548,35 @@
           <a:p>
             <a:pPr lvl="0"/>
             <a:r>
-              <a:rPr lang="en-US" smtClean="0"/>
+              <a:rPr lang="en-US"/>
               <a:t>Click to edit Master text styles</a:t>
             </a:r>
           </a:p>
           <a:p>
             <a:pPr lvl="1"/>
             <a:r>
-              <a:rPr lang="en-US" smtClean="0"/>
+              <a:rPr lang="en-US"/>
               <a:t>Second level</a:t>
             </a:r>
           </a:p>
           <a:p>
             <a:pPr lvl="2"/>
             <a:r>
-              <a:rPr lang="en-US" smtClean="0"/>
+              <a:rPr lang="en-US"/>
               <a:t>Third level</a:t>
             </a:r>
           </a:p>
           <a:p>
             <a:pPr lvl="3"/>
             <a:r>
-              <a:rPr lang="en-US" smtClean="0"/>
+              <a:rPr lang="en-US"/>
               <a:t>Fourth level</a:t>
             </a:r>
           </a:p>
           <a:p>
             <a:pPr lvl="4"/>
             <a:r>
-              <a:rPr lang="en-US" smtClean="0"/>
+              <a:rPr lang="en-US"/>
               <a:t>Fifth level</a:t>
             </a:r>
             <a:endParaRPr lang="en-US" dirty="0"/>
@@ -8635,7 +8642,7 @@
           <a:p>
             <a:pPr lvl="0"/>
             <a:r>
-              <a:rPr lang="en-US" smtClean="0"/>
+              <a:rPr lang="en-US"/>
               <a:t>Click to edit Master text styles</a:t>
             </a:r>
           </a:p>
@@ -8658,7 +8665,7 @@
           <a:p>
             <a:fld id="{D2706670-3FAE-4A2D-AC2F-75631C2905EF}" type="datetimeFigureOut">
               <a:rPr lang="en-ZA" smtClean="0"/>
-              <a:t>2019-03-14</a:t>
+              <a:t>2019/03/15</a:t>
             </a:fld>
             <a:endParaRPr lang="en-ZA"/>
           </a:p>
@@ -8761,7 +8768,7 @@
           </a:lstStyle>
           <a:p>
             <a:r>
-              <a:rPr lang="en-US" smtClean="0"/>
+              <a:rPr lang="en-US"/>
               <a:t>Click to edit Master title style</a:t>
             </a:r>
             <a:endParaRPr lang="en-US" dirty="0"/>
@@ -8849,7 +8856,7 @@
           </a:lstStyle>
           <a:p>
             <a:r>
-              <a:rPr lang="en-US" smtClean="0"/>
+              <a:rPr lang="en-US"/>
               <a:t>Click icon to add picture</a:t>
             </a:r>
             <a:endParaRPr lang="en-US" dirty="0"/>
@@ -8915,7 +8922,7 @@
           <a:p>
             <a:pPr lvl="0"/>
             <a:r>
-              <a:rPr lang="en-US" smtClean="0"/>
+              <a:rPr lang="en-US"/>
               <a:t>Click to edit Master text styles</a:t>
             </a:r>
           </a:p>
@@ -8938,7 +8945,7 @@
           <a:p>
             <a:fld id="{D2706670-3FAE-4A2D-AC2F-75631C2905EF}" type="datetimeFigureOut">
               <a:rPr lang="en-ZA" smtClean="0"/>
-              <a:t>2019-03-14</a:t>
+              <a:t>2019/03/15</a:t>
             </a:fld>
             <a:endParaRPr lang="en-ZA"/>
           </a:p>
@@ -9054,7 +9061,7 @@
           <a:noFill/>
           <a:extLst>
             <a:ext uri="{909E8E84-426E-40dd-AFC4-6F175D3DCCD1}">
-              <a14:hiddenFill xmlns:a14="http://schemas.microsoft.com/office/drawing/2010/main" xmlns="">
+              <a14:hiddenFill xmlns="" xmlns:a14="http://schemas.microsoft.com/office/drawing/2010/main">
                 <a:solidFill>
                   <a:srgbClr val="FFFFFF"/>
                 </a:solidFill>
@@ -9128,7 +9135,7 @@
               </a:ln>
               <a:extLst>
                 <a:ext uri="{91240B29-F687-4f45-9708-019B960494DF}">
-                  <a14:hiddenLine xmlns:a14="http://schemas.microsoft.com/office/drawing/2010/main" xmlns="" w="9525">
+                  <a14:hiddenLine xmlns="" xmlns:a14="http://schemas.microsoft.com/office/drawing/2010/main" w="9525">
                     <a:solidFill>
                       <a:srgbClr val="000000"/>
                     </a:solidFill>
@@ -9218,7 +9225,7 @@
               </a:ln>
               <a:extLst>
                 <a:ext uri="{91240B29-F687-4f45-9708-019B960494DF}">
-                  <a14:hiddenLine xmlns:a14="http://schemas.microsoft.com/office/drawing/2010/main" xmlns="" w="9525">
+                  <a14:hiddenLine xmlns="" xmlns:a14="http://schemas.microsoft.com/office/drawing/2010/main" w="9525">
                     <a:solidFill>
                       <a:srgbClr val="000000"/>
                     </a:solidFill>
@@ -9308,7 +9315,7 @@
               </a:ln>
               <a:extLst>
                 <a:ext uri="{91240B29-F687-4f45-9708-019B960494DF}">
-                  <a14:hiddenLine xmlns:a14="http://schemas.microsoft.com/office/drawing/2010/main" xmlns="" w="9525">
+                  <a14:hiddenLine xmlns="" xmlns:a14="http://schemas.microsoft.com/office/drawing/2010/main" w="9525">
                     <a:solidFill>
                       <a:srgbClr val="000000"/>
                     </a:solidFill>
@@ -9370,7 +9377,7 @@
               </a:ln>
               <a:extLst>
                 <a:ext uri="{91240B29-F687-4f45-9708-019B960494DF}">
-                  <a14:hiddenLine xmlns:a14="http://schemas.microsoft.com/office/drawing/2010/main" xmlns="" w="9525">
+                  <a14:hiddenLine xmlns="" xmlns:a14="http://schemas.microsoft.com/office/drawing/2010/main" w="9525">
                     <a:solidFill>
                       <a:srgbClr val="000000"/>
                     </a:solidFill>
@@ -9460,7 +9467,7 @@
               </a:ln>
               <a:extLst>
                 <a:ext uri="{91240B29-F687-4f45-9708-019B960494DF}">
-                  <a14:hiddenLine xmlns:a14="http://schemas.microsoft.com/office/drawing/2010/main" xmlns="" w="9525">
+                  <a14:hiddenLine xmlns="" xmlns:a14="http://schemas.microsoft.com/office/drawing/2010/main" w="9525">
                     <a:solidFill>
                       <a:srgbClr val="000000"/>
                     </a:solidFill>
@@ -9522,7 +9529,7 @@
               </a:ln>
               <a:extLst>
                 <a:ext uri="{91240B29-F687-4f45-9708-019B960494DF}">
-                  <a14:hiddenLine xmlns:a14="http://schemas.microsoft.com/office/drawing/2010/main" xmlns="" w="9525">
+                  <a14:hiddenLine xmlns="" xmlns:a14="http://schemas.microsoft.com/office/drawing/2010/main" w="9525">
                     <a:solidFill>
                       <a:srgbClr val="000000"/>
                     </a:solidFill>
@@ -9584,7 +9591,7 @@
               </a:ln>
               <a:extLst>
                 <a:ext uri="{91240B29-F687-4f45-9708-019B960494DF}">
-                  <a14:hiddenLine xmlns:a14="http://schemas.microsoft.com/office/drawing/2010/main" xmlns="" w="9525">
+                  <a14:hiddenLine xmlns="" xmlns:a14="http://schemas.microsoft.com/office/drawing/2010/main" w="9525">
                     <a:solidFill>
                       <a:srgbClr val="000000"/>
                     </a:solidFill>
@@ -9674,7 +9681,7 @@
               </a:ln>
               <a:extLst>
                 <a:ext uri="{91240B29-F687-4f45-9708-019B960494DF}">
-                  <a14:hiddenLine xmlns:a14="http://schemas.microsoft.com/office/drawing/2010/main" xmlns="" w="9525">
+                  <a14:hiddenLine xmlns="" xmlns:a14="http://schemas.microsoft.com/office/drawing/2010/main" w="9525">
                     <a:solidFill>
                       <a:srgbClr val="000000"/>
                     </a:solidFill>
@@ -9764,7 +9771,7 @@
               </a:ln>
               <a:extLst>
                 <a:ext uri="{91240B29-F687-4f45-9708-019B960494DF}">
-                  <a14:hiddenLine xmlns:a14="http://schemas.microsoft.com/office/drawing/2010/main" xmlns="" w="9525">
+                  <a14:hiddenLine xmlns="" xmlns:a14="http://schemas.microsoft.com/office/drawing/2010/main" w="9525">
                     <a:solidFill>
                       <a:srgbClr val="000000"/>
                     </a:solidFill>
@@ -9826,7 +9833,7 @@
               </a:ln>
               <a:extLst>
                 <a:ext uri="{91240B29-F687-4f45-9708-019B960494DF}">
-                  <a14:hiddenLine xmlns:a14="http://schemas.microsoft.com/office/drawing/2010/main" xmlns="" w="9525">
+                  <a14:hiddenLine xmlns="" xmlns:a14="http://schemas.microsoft.com/office/drawing/2010/main" w="9525">
                     <a:solidFill>
                       <a:srgbClr val="000000"/>
                     </a:solidFill>
@@ -9936,7 +9943,7 @@
               </a:ln>
               <a:extLst>
                 <a:ext uri="{91240B29-F687-4f45-9708-019B960494DF}">
-                  <a14:hiddenLine xmlns:a14="http://schemas.microsoft.com/office/drawing/2010/main" xmlns="" w="9525">
+                  <a14:hiddenLine xmlns="" xmlns:a14="http://schemas.microsoft.com/office/drawing/2010/main" w="9525">
                     <a:solidFill>
                       <a:srgbClr val="000000"/>
                     </a:solidFill>
@@ -10020,7 +10027,7 @@
               </a:ln>
               <a:extLst>
                 <a:ext uri="{91240B29-F687-4f45-9708-019B960494DF}">
-                  <a14:hiddenLine xmlns:a14="http://schemas.microsoft.com/office/drawing/2010/main" xmlns="" w="9525">
+                  <a14:hiddenLine xmlns="" xmlns:a14="http://schemas.microsoft.com/office/drawing/2010/main" w="9525">
                     <a:solidFill>
                       <a:srgbClr val="000000"/>
                     </a:solidFill>
@@ -10082,7 +10089,7 @@
               </a:ln>
               <a:extLst>
                 <a:ext uri="{91240B29-F687-4f45-9708-019B960494DF}">
-                  <a14:hiddenLine xmlns:a14="http://schemas.microsoft.com/office/drawing/2010/main" xmlns="" w="9525">
+                  <a14:hiddenLine xmlns="" xmlns:a14="http://schemas.microsoft.com/office/drawing/2010/main" w="9525">
                     <a:solidFill>
                       <a:srgbClr val="000000"/>
                     </a:solidFill>
@@ -10144,7 +10151,7 @@
               </a:ln>
               <a:extLst>
                 <a:ext uri="{91240B29-F687-4f45-9708-019B960494DF}">
-                  <a14:hiddenLine xmlns:a14="http://schemas.microsoft.com/office/drawing/2010/main" xmlns="" w="9525">
+                  <a14:hiddenLine xmlns="" xmlns:a14="http://schemas.microsoft.com/office/drawing/2010/main" w="9525">
                     <a:solidFill>
                       <a:srgbClr val="000000"/>
                     </a:solidFill>
@@ -10234,7 +10241,7 @@
               </a:ln>
               <a:extLst>
                 <a:ext uri="{91240B29-F687-4f45-9708-019B960494DF}">
-                  <a14:hiddenLine xmlns:a14="http://schemas.microsoft.com/office/drawing/2010/main" xmlns="" w="9525">
+                  <a14:hiddenLine xmlns="" xmlns:a14="http://schemas.microsoft.com/office/drawing/2010/main" w="9525">
                     <a:solidFill>
                       <a:srgbClr val="000000"/>
                     </a:solidFill>
@@ -10268,7 +10275,7 @@
               </a:ln>
               <a:extLst>
                 <a:ext uri="{91240B29-F687-4f45-9708-019B960494DF}">
-                  <a14:hiddenLine xmlns:a14="http://schemas.microsoft.com/office/drawing/2010/main" xmlns="" w="9525">
+                  <a14:hiddenLine xmlns="" xmlns:a14="http://schemas.microsoft.com/office/drawing/2010/main" w="9525">
                     <a:solidFill>
                       <a:srgbClr val="000000"/>
                     </a:solidFill>
@@ -10333,7 +10340,7 @@
               </a:ln>
               <a:extLst>
                 <a:ext uri="{91240B29-F687-4f45-9708-019B960494DF}">
-                  <a14:hiddenLine xmlns:a14="http://schemas.microsoft.com/office/drawing/2010/main" xmlns="" w="9525">
+                  <a14:hiddenLine xmlns="" xmlns:a14="http://schemas.microsoft.com/office/drawing/2010/main" w="9525">
                     <a:solidFill>
                       <a:srgbClr val="000000"/>
                     </a:solidFill>
@@ -10423,7 +10430,7 @@
               </a:ln>
               <a:extLst>
                 <a:ext uri="{91240B29-F687-4f45-9708-019B960494DF}">
-                  <a14:hiddenLine xmlns:a14="http://schemas.microsoft.com/office/drawing/2010/main" xmlns="" w="9525">
+                  <a14:hiddenLine xmlns="" xmlns:a14="http://schemas.microsoft.com/office/drawing/2010/main" w="9525">
                     <a:solidFill>
                       <a:srgbClr val="000000"/>
                     </a:solidFill>
@@ -10485,7 +10492,7 @@
               </a:ln>
               <a:extLst>
                 <a:ext uri="{91240B29-F687-4f45-9708-019B960494DF}">
-                  <a14:hiddenLine xmlns:a14="http://schemas.microsoft.com/office/drawing/2010/main" xmlns="" w="9525">
+                  <a14:hiddenLine xmlns="" xmlns:a14="http://schemas.microsoft.com/office/drawing/2010/main" w="9525">
                     <a:solidFill>
                       <a:srgbClr val="000000"/>
                     </a:solidFill>
@@ -10575,7 +10582,7 @@
               </a:ln>
               <a:extLst>
                 <a:ext uri="{91240B29-F687-4f45-9708-019B960494DF}">
-                  <a14:hiddenLine xmlns:a14="http://schemas.microsoft.com/office/drawing/2010/main" xmlns="" w="9525">
+                  <a14:hiddenLine xmlns="" xmlns:a14="http://schemas.microsoft.com/office/drawing/2010/main" w="9525">
                     <a:solidFill>
                       <a:srgbClr val="000000"/>
                     </a:solidFill>
@@ -10640,7 +10647,7 @@
               </a:ln>
               <a:extLst>
                 <a:ext uri="{91240B29-F687-4f45-9708-019B960494DF}">
-                  <a14:hiddenLine xmlns:a14="http://schemas.microsoft.com/office/drawing/2010/main" xmlns="" w="9525">
+                  <a14:hiddenLine xmlns="" xmlns:a14="http://schemas.microsoft.com/office/drawing/2010/main" w="9525">
                     <a:solidFill>
                       <a:srgbClr val="000000"/>
                     </a:solidFill>
@@ -10702,7 +10709,7 @@
               </a:ln>
               <a:extLst>
                 <a:ext uri="{91240B29-F687-4f45-9708-019B960494DF}">
-                  <a14:hiddenLine xmlns:a14="http://schemas.microsoft.com/office/drawing/2010/main" xmlns="" w="9525">
+                  <a14:hiddenLine xmlns="" xmlns:a14="http://schemas.microsoft.com/office/drawing/2010/main" w="9525">
                     <a:solidFill>
                       <a:srgbClr val="000000"/>
                     </a:solidFill>
@@ -10792,7 +10799,7 @@
               </a:ln>
               <a:extLst>
                 <a:ext uri="{91240B29-F687-4f45-9708-019B960494DF}">
-                  <a14:hiddenLine xmlns:a14="http://schemas.microsoft.com/office/drawing/2010/main" xmlns="" w="9525">
+                  <a14:hiddenLine xmlns="" xmlns:a14="http://schemas.microsoft.com/office/drawing/2010/main" w="9525">
                     <a:solidFill>
                       <a:srgbClr val="000000"/>
                     </a:solidFill>
@@ -10882,7 +10889,7 @@
               </a:ln>
               <a:extLst>
                 <a:ext uri="{91240B29-F687-4f45-9708-019B960494DF}">
-                  <a14:hiddenLine xmlns:a14="http://schemas.microsoft.com/office/drawing/2010/main" xmlns="" w="9525">
+                  <a14:hiddenLine xmlns="" xmlns:a14="http://schemas.microsoft.com/office/drawing/2010/main" w="9525">
                     <a:solidFill>
                       <a:srgbClr val="000000"/>
                     </a:solidFill>
@@ -10947,7 +10954,7 @@
               </a:ln>
               <a:extLst>
                 <a:ext uri="{91240B29-F687-4f45-9708-019B960494DF}">
-                  <a14:hiddenLine xmlns:a14="http://schemas.microsoft.com/office/drawing/2010/main" xmlns="" w="9525">
+                  <a14:hiddenLine xmlns="" xmlns:a14="http://schemas.microsoft.com/office/drawing/2010/main" w="9525">
                     <a:solidFill>
                       <a:srgbClr val="000000"/>
                     </a:solidFill>
@@ -11067,7 +11074,7 @@
               </a:ln>
               <a:extLst>
                 <a:ext uri="{91240B29-F687-4f45-9708-019B960494DF}">
-                  <a14:hiddenLine xmlns:a14="http://schemas.microsoft.com/office/drawing/2010/main" xmlns="" w="9525">
+                  <a14:hiddenLine xmlns="" xmlns:a14="http://schemas.microsoft.com/office/drawing/2010/main" w="9525">
                     <a:solidFill>
                       <a:srgbClr val="000000"/>
                     </a:solidFill>
@@ -11165,7 +11172,7 @@
               </a:ln>
               <a:extLst>
                 <a:ext uri="{91240B29-F687-4f45-9708-019B960494DF}">
-                  <a14:hiddenLine xmlns:a14="http://schemas.microsoft.com/office/drawing/2010/main" xmlns="" w="9525">
+                  <a14:hiddenLine xmlns="" xmlns:a14="http://schemas.microsoft.com/office/drawing/2010/main" w="9525">
                     <a:solidFill>
                       <a:srgbClr val="000000"/>
                     </a:solidFill>
@@ -11280,7 +11287,7 @@
               </a:ln>
               <a:extLst>
                 <a:ext uri="{91240B29-F687-4f45-9708-019B960494DF}">
-                  <a14:hiddenLine xmlns:a14="http://schemas.microsoft.com/office/drawing/2010/main" xmlns="" w="9525">
+                  <a14:hiddenLine xmlns="" xmlns:a14="http://schemas.microsoft.com/office/drawing/2010/main" w="9525">
                     <a:solidFill>
                       <a:srgbClr val="000000"/>
                     </a:solidFill>
@@ -11370,7 +11377,7 @@
               </a:ln>
               <a:extLst>
                 <a:ext uri="{91240B29-F687-4f45-9708-019B960494DF}">
-                  <a14:hiddenLine xmlns:a14="http://schemas.microsoft.com/office/drawing/2010/main" xmlns="" w="9525">
+                  <a14:hiddenLine xmlns="" xmlns:a14="http://schemas.microsoft.com/office/drawing/2010/main" w="9525">
                     <a:solidFill>
                       <a:srgbClr val="000000"/>
                     </a:solidFill>
@@ -11435,7 +11442,7 @@
               </a:ln>
               <a:extLst>
                 <a:ext uri="{91240B29-F687-4f45-9708-019B960494DF}">
-                  <a14:hiddenLine xmlns:a14="http://schemas.microsoft.com/office/drawing/2010/main" xmlns="" w="9525">
+                  <a14:hiddenLine xmlns="" xmlns:a14="http://schemas.microsoft.com/office/drawing/2010/main" w="9525">
                     <a:solidFill>
                       <a:srgbClr val="000000"/>
                     </a:solidFill>
@@ -11525,7 +11532,7 @@
               </a:ln>
               <a:extLst>
                 <a:ext uri="{91240B29-F687-4f45-9708-019B960494DF}">
-                  <a14:hiddenLine xmlns:a14="http://schemas.microsoft.com/office/drawing/2010/main" xmlns="" w="9525">
+                  <a14:hiddenLine xmlns="" xmlns:a14="http://schemas.microsoft.com/office/drawing/2010/main" w="9525">
                     <a:solidFill>
                       <a:srgbClr val="000000"/>
                     </a:solidFill>
@@ -11593,7 +11600,7 @@
               </a:ln>
               <a:extLst>
                 <a:ext uri="{91240B29-F687-4f45-9708-019B960494DF}">
-                  <a14:hiddenLine xmlns:a14="http://schemas.microsoft.com/office/drawing/2010/main" xmlns="" w="9525">
+                  <a14:hiddenLine xmlns="" xmlns:a14="http://schemas.microsoft.com/office/drawing/2010/main" w="9525">
                     <a:solidFill>
                       <a:srgbClr val="000000"/>
                     </a:solidFill>
@@ -11683,7 +11690,7 @@
               </a:ln>
               <a:extLst>
                 <a:ext uri="{91240B29-F687-4f45-9708-019B960494DF}">
-                  <a14:hiddenLine xmlns:a14="http://schemas.microsoft.com/office/drawing/2010/main" xmlns="" w="9525">
+                  <a14:hiddenLine xmlns="" xmlns:a14="http://schemas.microsoft.com/office/drawing/2010/main" w="9525">
                     <a:solidFill>
                       <a:srgbClr val="000000"/>
                     </a:solidFill>
@@ -11751,7 +11758,7 @@
               </a:ln>
               <a:extLst>
                 <a:ext uri="{91240B29-F687-4f45-9708-019B960494DF}">
-                  <a14:hiddenLine xmlns:a14="http://schemas.microsoft.com/office/drawing/2010/main" xmlns="" w="9525">
+                  <a14:hiddenLine xmlns="" xmlns:a14="http://schemas.microsoft.com/office/drawing/2010/main" w="9525">
                     <a:solidFill>
                       <a:srgbClr val="000000"/>
                     </a:solidFill>
@@ -11841,7 +11848,7 @@
               </a:ln>
               <a:extLst>
                 <a:ext uri="{91240B29-F687-4f45-9708-019B960494DF}">
-                  <a14:hiddenLine xmlns:a14="http://schemas.microsoft.com/office/drawing/2010/main" xmlns="" w="9525">
+                  <a14:hiddenLine xmlns="" xmlns:a14="http://schemas.microsoft.com/office/drawing/2010/main" w="9525">
                     <a:solidFill>
                       <a:srgbClr val="000000"/>
                     </a:solidFill>
@@ -11875,7 +11882,7 @@
               </a:ln>
               <a:extLst>
                 <a:ext uri="{91240B29-F687-4f45-9708-019B960494DF}">
-                  <a14:hiddenLine xmlns:a14="http://schemas.microsoft.com/office/drawing/2010/main" xmlns="" w="9525">
+                  <a14:hiddenLine xmlns="" xmlns:a14="http://schemas.microsoft.com/office/drawing/2010/main" w="9525">
                     <a:solidFill>
                       <a:srgbClr val="000000"/>
                     </a:solidFill>
@@ -11945,35 +11952,35 @@
           <a:p>
             <a:pPr lvl="0"/>
             <a:r>
-              <a:rPr lang="en-US" smtClean="0"/>
+              <a:rPr lang="en-US"/>
               <a:t>Click to edit Master text styles</a:t>
             </a:r>
           </a:p>
           <a:p>
             <a:pPr lvl="1"/>
             <a:r>
-              <a:rPr lang="en-US" smtClean="0"/>
+              <a:rPr lang="en-US"/>
               <a:t>Second level</a:t>
             </a:r>
           </a:p>
           <a:p>
             <a:pPr lvl="2"/>
             <a:r>
-              <a:rPr lang="en-US" smtClean="0"/>
+              <a:rPr lang="en-US"/>
               <a:t>Third level</a:t>
             </a:r>
           </a:p>
           <a:p>
             <a:pPr lvl="3"/>
             <a:r>
-              <a:rPr lang="en-US" smtClean="0"/>
+              <a:rPr lang="en-US"/>
               <a:t>Fourth level</a:t>
             </a:r>
           </a:p>
           <a:p>
             <a:pPr lvl="4"/>
             <a:r>
-              <a:rPr lang="en-US" smtClean="0"/>
+              <a:rPr lang="en-US"/>
               <a:t>Fifth level</a:t>
             </a:r>
             <a:endParaRPr lang="en-US" dirty="0"/>
@@ -12015,7 +12022,7 @@
           <a:p>
             <a:fld id="{D2706670-3FAE-4A2D-AC2F-75631C2905EF}" type="datetimeFigureOut">
               <a:rPr lang="en-ZA" smtClean="0"/>
-              <a:t>2019-03-14</a:t>
+              <a:t>2019/03/15</a:t>
             </a:fld>
             <a:endParaRPr lang="en-ZA"/>
           </a:p>
@@ -12451,11 +12458,11 @@
           <a:lstStyle/>
           <a:p>
             <a:r>
-              <a:rPr lang="en-ZA" dirty="0" smtClean="0"/>
+              <a:rPr lang="en-ZA" dirty="0"/>
               <a:t>Ocean - </a:t>
             </a:r>
             <a:r>
-              <a:rPr lang="en-ZA" dirty="0" err="1" smtClean="0"/>
+              <a:rPr lang="en-ZA" dirty="0" err="1"/>
               <a:t>Nfc</a:t>
             </a:r>
             <a:endParaRPr lang="en-ZA" dirty="0"/>
@@ -12478,10 +12485,9 @@
           <a:lstStyle/>
           <a:p>
             <a:r>
-              <a:rPr lang="en-ZA" dirty="0" smtClean="0"/>
+              <a:rPr lang="en-ZA" dirty="0"/>
               <a:t>Cos 301 Phase 3 g14</a:t>
             </a:r>
-            <a:endParaRPr lang="en-ZA" dirty="0"/>
           </a:p>
         </p:txBody>
       </p:sp>
@@ -12495,13 +12501,6 @@
   <p:clrMapOvr>
     <a:masterClrMapping/>
   </p:clrMapOvr>
-  <p:timing>
-    <p:tnLst>
-      <p:par>
-        <p:cTn id="1" dur="indefinite" restart="never" nodeType="tmRoot"/>
-      </p:par>
-    </p:tnLst>
-  </p:timing>
 </p:sld>
 </file>
 
@@ -12538,10 +12537,9 @@
           <a:lstStyle/>
           <a:p>
             <a:r>
-              <a:rPr lang="en-ZA" dirty="0" smtClean="0"/>
+              <a:rPr lang="en-ZA" dirty="0"/>
               <a:t>Team members</a:t>
             </a:r>
-            <a:endParaRPr lang="en-ZA" dirty="0"/>
           </a:p>
         </p:txBody>
       </p:sp>
@@ -12561,54 +12559,41 @@
           <a:lstStyle/>
           <a:p>
             <a:r>
-              <a:rPr lang="en-ZA" dirty="0" smtClean="0"/>
+              <a:rPr lang="en-ZA" dirty="0"/>
               <a:t>Matthew Evans - Team Leader (Lead developer)</a:t>
             </a:r>
           </a:p>
           <a:p>
             <a:r>
-              <a:rPr lang="en-ZA" dirty="0" smtClean="0"/>
+              <a:rPr lang="en-ZA" dirty="0"/>
               <a:t>Jarrod </a:t>
             </a:r>
             <a:r>
-              <a:rPr lang="en-ZA" dirty="0" err="1" smtClean="0"/>
+              <a:rPr lang="en-ZA" dirty="0" err="1"/>
               <a:t>Goschen</a:t>
             </a:r>
             <a:r>
-              <a:rPr lang="en-ZA" dirty="0" smtClean="0"/>
-              <a:t> - Trello Manager</a:t>
+              <a:rPr lang="en-ZA" dirty="0"/>
+              <a:t> - Trello Manager, system tester</a:t>
             </a:r>
           </a:p>
           <a:p>
             <a:r>
-              <a:rPr lang="en-ZA" dirty="0" smtClean="0"/>
-              <a:t>Johan </a:t>
+              <a:rPr lang="en-ZA" dirty="0"/>
+              <a:t>Johan Nel – Research, systems tester</a:t>
             </a:r>
+          </a:p>
+          <a:p>
             <a:r>
-              <a:rPr lang="en-ZA" dirty="0" err="1" smtClean="0"/>
-              <a:t>Nel</a:t>
-            </a:r>
-            <a:r>
-              <a:rPr lang="en-ZA" dirty="0" smtClean="0"/>
-              <a:t> - </a:t>
-            </a:r>
-          </a:p>
-          <a:p>
-            <a:r>
-              <a:rPr lang="en-ZA" dirty="0" smtClean="0"/>
+              <a:rPr lang="en-ZA" dirty="0"/>
               <a:t>Given Rakgoale - Administrator</a:t>
             </a:r>
           </a:p>
           <a:p>
             <a:r>
-              <a:rPr lang="en-ZA" dirty="0" err="1" smtClean="0"/>
-              <a:t>Dewald</a:t>
+              <a:rPr lang="en-ZA" dirty="0"/>
+              <a:t>Dewald van Hoven – Research, planning</a:t>
             </a:r>
-            <a:r>
-              <a:rPr lang="en-ZA" dirty="0" smtClean="0"/>
-              <a:t> van Hoven - </a:t>
-            </a:r>
-            <a:endParaRPr lang="en-ZA" dirty="0"/>
           </a:p>
         </p:txBody>
       </p:sp>
@@ -12622,13 +12607,6 @@
   <p:clrMapOvr>
     <a:masterClrMapping/>
   </p:clrMapOvr>
-  <p:timing>
-    <p:tnLst>
-      <p:par>
-        <p:cTn id="1" dur="indefinite" restart="never" nodeType="tmRoot"/>
-      </p:par>
-    </p:tnLst>
-  </p:timing>
 </p:sld>
 </file>
 
@@ -12665,10 +12643,9 @@
           <a:lstStyle/>
           <a:p>
             <a:r>
-              <a:rPr lang="en-ZA" dirty="0" smtClean="0"/>
+              <a:rPr lang="en-ZA" dirty="0"/>
               <a:t>Project management (PM) tool</a:t>
             </a:r>
-            <a:endParaRPr lang="en-ZA" dirty="0"/>
           </a:p>
         </p:txBody>
       </p:sp>
@@ -12691,16 +12668,8 @@
               <a:buNone/>
             </a:pPr>
             <a:r>
-              <a:rPr lang="en-ZA" dirty="0" smtClean="0"/>
-              <a:t>Made use of </a:t>
-            </a:r>
-            <a:r>
               <a:rPr lang="en-ZA" dirty="0"/>
-              <a:t>T</a:t>
-            </a:r>
-            <a:r>
-              <a:rPr lang="en-ZA" dirty="0" smtClean="0"/>
-              <a:t>rello:</a:t>
+              <a:t>Made use of Trello:</a:t>
             </a:r>
           </a:p>
           <a:p>
@@ -12708,12 +12677,42 @@
               <a:buNone/>
             </a:pPr>
             <a:r>
-              <a:rPr lang="en-ZA" dirty="0" smtClean="0">
+              <a:rPr lang="en-ZA" dirty="0">
                 <a:hlinkClick r:id="rId2"/>
               </a:rPr>
               <a:t>https://trello.com/b/DyWaguQT/ocean-nfc</a:t>
             </a:r>
-            <a:endParaRPr lang="en-ZA" dirty="0" smtClean="0"/>
+            <a:endParaRPr lang="en-ZA" dirty="0"/>
+          </a:p>
+          <a:p>
+            <a:pPr marL="0" indent="0">
+              <a:buNone/>
+            </a:pPr>
+            <a:r>
+              <a:rPr lang="en-ZA" dirty="0"/>
+              <a:t>Provided an intuitive way to see:</a:t>
+            </a:r>
+          </a:p>
+          <a:p>
+            <a:r>
+              <a:rPr lang="en-ZA" dirty="0"/>
+              <a:t>What work needs to be done</a:t>
+            </a:r>
+          </a:p>
+          <a:p>
+            <a:r>
+              <a:rPr lang="en-ZA" dirty="0"/>
+              <a:t>What work is being done</a:t>
+            </a:r>
+          </a:p>
+          <a:p>
+            <a:r>
+              <a:rPr lang="en-ZA" dirty="0"/>
+              <a:t>Assigning team members to tasks</a:t>
+            </a:r>
+          </a:p>
+          <a:p>
+            <a:endParaRPr lang="en-ZA" dirty="0"/>
           </a:p>
           <a:p>
             <a:pPr marL="0" indent="0">
@@ -12733,13 +12732,6 @@
   <p:clrMapOvr>
     <a:masterClrMapping/>
   </p:clrMapOvr>
-  <p:timing>
-    <p:tnLst>
-      <p:par>
-        <p:cTn id="1" dur="indefinite" restart="never" nodeType="tmRoot"/>
-      </p:par>
-    </p:tnLst>
-  </p:timing>
 </p:sld>
 </file>
 
@@ -12776,10 +12768,9 @@
           <a:lstStyle/>
           <a:p>
             <a:r>
-              <a:rPr lang="en-ZA" dirty="0" smtClean="0"/>
+              <a:rPr lang="en-ZA" dirty="0"/>
               <a:t>GIT Structure</a:t>
             </a:r>
-            <a:endParaRPr lang="en-ZA" dirty="0"/>
           </a:p>
         </p:txBody>
       </p:sp>
@@ -12796,52 +12787,47 @@
         <p:spPr/>
         <p:txBody>
           <a:bodyPr>
-            <a:normAutofit fontScale="92500" lnSpcReduction="10000"/>
+            <a:normAutofit/>
           </a:bodyPr>
           <a:lstStyle/>
           <a:p>
+            <a:pPr marL="0" indent="0">
+              <a:buNone/>
+            </a:pPr>
             <a:r>
-              <a:rPr lang="en-ZA" dirty="0" smtClean="0"/>
+              <a:rPr lang="en-ZA" dirty="0"/>
+              <a:t>Utilised Git Flow:</a:t>
+            </a:r>
+          </a:p>
+          <a:p>
+            <a:r>
+              <a:rPr lang="en-ZA" dirty="0"/>
               <a:t>Checkout development</a:t>
             </a:r>
           </a:p>
           <a:p>
             <a:r>
-              <a:rPr lang="en-ZA" dirty="0" smtClean="0"/>
+              <a:rPr lang="en-ZA" dirty="0"/>
               <a:t>Branch from development into our own branch</a:t>
             </a:r>
           </a:p>
           <a:p>
             <a:r>
-              <a:rPr lang="en-ZA" dirty="0" smtClean="0"/>
+              <a:rPr lang="en-ZA" dirty="0"/>
               <a:t>Merge from own branch back into development</a:t>
             </a:r>
           </a:p>
           <a:p>
             <a:r>
-              <a:rPr lang="en-ZA" dirty="0" smtClean="0"/>
+              <a:rPr lang="en-ZA" dirty="0"/>
               <a:t>When development is up to standard…</a:t>
             </a:r>
           </a:p>
           <a:p>
             <a:r>
-              <a:rPr lang="en-ZA" dirty="0" smtClean="0"/>
+              <a:rPr lang="en-ZA" dirty="0"/>
               <a:t>Merge development with master</a:t>
             </a:r>
-          </a:p>
-          <a:p>
-            <a:pPr marL="0" indent="0">
-              <a:buNone/>
-            </a:pPr>
-            <a:r>
-              <a:rPr lang="en-ZA" dirty="0" smtClean="0"/>
-              <a:t>This pattern works well for us, because when we merge into master, it automatically deploys our server </a:t>
-            </a:r>
-            <a:r>
-              <a:rPr lang="en-ZA" dirty="0" err="1" smtClean="0"/>
-              <a:t>Heroku</a:t>
-            </a:r>
-            <a:endParaRPr lang="en-ZA" dirty="0"/>
           </a:p>
         </p:txBody>
       </p:sp>
@@ -12877,6 +12863,251 @@
       </p:grpSpPr>
       <p:sp>
         <p:nvSpPr>
+          <p:cNvPr id="2" name="Title 1">
+            <a:extLst>
+              <a:ext uri="{FF2B5EF4-FFF2-40B4-BE49-F238E27FC236}">
+                <a16:creationId xmlns:a16="http://schemas.microsoft.com/office/drawing/2014/main" id="{18EB0C6A-6EAF-43B0-A65E-2A24E8EF52A3}"/>
+              </a:ext>
+            </a:extLst>
+          </p:cNvPr>
+          <p:cNvSpPr>
+            <a:spLocks noGrp="1"/>
+          </p:cNvSpPr>
+          <p:nvPr>
+            <p:ph type="title"/>
+          </p:nvPr>
+        </p:nvSpPr>
+        <p:spPr/>
+        <p:txBody>
+          <a:bodyPr/>
+          <a:lstStyle/>
+          <a:p>
+            <a:r>
+              <a:rPr lang="en-US" dirty="0"/>
+              <a:t>Git Structure</a:t>
+            </a:r>
+            <a:endParaRPr lang="en-ZA" dirty="0"/>
+          </a:p>
+        </p:txBody>
+      </p:sp>
+      <p:sp>
+        <p:nvSpPr>
+          <p:cNvPr id="3" name="Content Placeholder 2">
+            <a:extLst>
+              <a:ext uri="{FF2B5EF4-FFF2-40B4-BE49-F238E27FC236}">
+                <a16:creationId xmlns:a16="http://schemas.microsoft.com/office/drawing/2014/main" id="{81507DF1-F101-41CA-9AA9-6E7333919574}"/>
+              </a:ext>
+            </a:extLst>
+          </p:cNvPr>
+          <p:cNvSpPr>
+            <a:spLocks noGrp="1"/>
+          </p:cNvSpPr>
+          <p:nvPr>
+            <p:ph idx="1"/>
+          </p:nvPr>
+        </p:nvSpPr>
+        <p:spPr/>
+        <p:txBody>
+          <a:bodyPr/>
+          <a:lstStyle/>
+          <a:p>
+            <a:r>
+              <a:rPr lang="en-ZA" dirty="0"/>
+              <a:t>This pattern works well for us, because when we merge into master, it automatically deploys our server on Heroku</a:t>
+            </a:r>
+          </a:p>
+          <a:p>
+            <a:r>
+              <a:rPr lang="en-ZA" dirty="0"/>
+              <a:t>We used feature branching rather than person branching:</a:t>
+            </a:r>
+          </a:p>
+          <a:p>
+            <a:pPr lvl="1"/>
+            <a:r>
+              <a:rPr lang="en-ZA" dirty="0"/>
+              <a:t>Focus on tasks over people</a:t>
+            </a:r>
+          </a:p>
+          <a:p>
+            <a:pPr lvl="1"/>
+            <a:r>
+              <a:rPr lang="en-ZA" dirty="0"/>
+              <a:t>Collaborative development (you’re not intruding on other people’s work)</a:t>
+            </a:r>
+          </a:p>
+          <a:p>
+            <a:pPr lvl="1"/>
+            <a:r>
+              <a:rPr lang="en-ZA" dirty="0"/>
+              <a:t>If anything goes wrong, can easily go back to the feature branch where it was working</a:t>
+            </a:r>
+          </a:p>
+        </p:txBody>
+      </p:sp>
+    </p:spTree>
+    <p:extLst>
+      <p:ext uri="{BB962C8B-B14F-4D97-AF65-F5344CB8AC3E}">
+        <p14:creationId xmlns:p14="http://schemas.microsoft.com/office/powerpoint/2010/main" val="2667958434"/>
+      </p:ext>
+    </p:extLst>
+  </p:cSld>
+  <p:clrMapOvr>
+    <a:masterClrMapping/>
+  </p:clrMapOvr>
+</p:sld>
+</file>
+
+<file path=ppt/slides/slide6.xml><?xml version="1.0" encoding="utf-8"?>
+<p:sld xmlns:a="http://schemas.openxmlformats.org/drawingml/2006/main" xmlns:r="http://schemas.openxmlformats.org/officeDocument/2006/relationships" xmlns:p="http://schemas.openxmlformats.org/presentationml/2006/main">
+  <p:cSld>
+    <p:spTree>
+      <p:nvGrpSpPr>
+        <p:cNvPr id="1" name=""/>
+        <p:cNvGrpSpPr/>
+        <p:nvPr/>
+      </p:nvGrpSpPr>
+      <p:grpSpPr>
+        <a:xfrm>
+          <a:off x="0" y="0"/>
+          <a:ext cx="0" cy="0"/>
+          <a:chOff x="0" y="0"/>
+          <a:chExt cx="0" cy="0"/>
+        </a:xfrm>
+      </p:grpSpPr>
+      <p:sp>
+        <p:nvSpPr>
+          <p:cNvPr id="2" name="Title 1">
+            <a:extLst>
+              <a:ext uri="{FF2B5EF4-FFF2-40B4-BE49-F238E27FC236}">
+                <a16:creationId xmlns:a16="http://schemas.microsoft.com/office/drawing/2014/main" id="{4443A229-B7E5-424E-A0BA-36704D9559CF}"/>
+              </a:ext>
+            </a:extLst>
+          </p:cNvPr>
+          <p:cNvSpPr>
+            <a:spLocks noGrp="1"/>
+          </p:cNvSpPr>
+          <p:nvPr>
+            <p:ph type="title"/>
+          </p:nvPr>
+        </p:nvSpPr>
+        <p:spPr/>
+        <p:txBody>
+          <a:bodyPr/>
+          <a:lstStyle/>
+          <a:p>
+            <a:r>
+              <a:rPr lang="en-US" dirty="0"/>
+              <a:t>Mock Functionality</a:t>
+            </a:r>
+            <a:endParaRPr lang="en-ZA" dirty="0"/>
+          </a:p>
+        </p:txBody>
+      </p:sp>
+      <p:sp>
+        <p:nvSpPr>
+          <p:cNvPr id="3" name="Content Placeholder 2">
+            <a:extLst>
+              <a:ext uri="{FF2B5EF4-FFF2-40B4-BE49-F238E27FC236}">
+                <a16:creationId xmlns:a16="http://schemas.microsoft.com/office/drawing/2014/main" id="{6ADCEE9B-0E7E-428F-956C-B918BDA8B99C}"/>
+              </a:ext>
+            </a:extLst>
+          </p:cNvPr>
+          <p:cNvSpPr>
+            <a:spLocks noGrp="1"/>
+          </p:cNvSpPr>
+          <p:nvPr>
+            <p:ph idx="1"/>
+          </p:nvPr>
+        </p:nvSpPr>
+        <p:spPr/>
+        <p:txBody>
+          <a:bodyPr/>
+          <a:lstStyle/>
+          <a:p>
+            <a:r>
+              <a:rPr lang="en-US" dirty="0"/>
+              <a:t>Used SQLite database</a:t>
+            </a:r>
+          </a:p>
+          <a:p>
+            <a:pPr lvl="1"/>
+            <a:r>
+              <a:rPr lang="en-US" dirty="0"/>
+              <a:t>Simple, fast implementation</a:t>
+            </a:r>
+          </a:p>
+          <a:p>
+            <a:pPr lvl="1"/>
+            <a:r>
+              <a:rPr lang="en-US" dirty="0"/>
+              <a:t>Don’t have to worry about authentication</a:t>
+            </a:r>
+          </a:p>
+          <a:p>
+            <a:pPr lvl="1"/>
+            <a:r>
+              <a:rPr lang="en-US" dirty="0"/>
+              <a:t>Not distributed</a:t>
+            </a:r>
+          </a:p>
+          <a:p>
+            <a:pPr lvl="1"/>
+            <a:r>
+              <a:rPr lang="en-US" dirty="0"/>
+              <a:t>No redundancy</a:t>
+            </a:r>
+          </a:p>
+          <a:p>
+            <a:pPr lvl="1"/>
+            <a:r>
+              <a:rPr lang="en-US" dirty="0"/>
+              <a:t>No backups</a:t>
+            </a:r>
+            <a:endParaRPr lang="en-ZA" dirty="0"/>
+          </a:p>
+          <a:p>
+            <a:pPr lvl="1"/>
+            <a:r>
+              <a:rPr lang="en-ZA" dirty="0"/>
+              <a:t>Plan to move to a DDBMS in production</a:t>
+            </a:r>
+            <a:endParaRPr lang="en-US" dirty="0"/>
+          </a:p>
+        </p:txBody>
+      </p:sp>
+    </p:spTree>
+    <p:extLst>
+      <p:ext uri="{BB962C8B-B14F-4D97-AF65-F5344CB8AC3E}">
+        <p14:creationId xmlns:p14="http://schemas.microsoft.com/office/powerpoint/2010/main" val="2835187550"/>
+      </p:ext>
+    </p:extLst>
+  </p:cSld>
+  <p:clrMapOvr>
+    <a:masterClrMapping/>
+  </p:clrMapOvr>
+</p:sld>
+</file>
+
+<file path=ppt/slides/slide7.xml><?xml version="1.0" encoding="utf-8"?>
+<p:sld xmlns:a="http://schemas.openxmlformats.org/drawingml/2006/main" xmlns:r="http://schemas.openxmlformats.org/officeDocument/2006/relationships" xmlns:p="http://schemas.openxmlformats.org/presentationml/2006/main">
+  <p:cSld>
+    <p:spTree>
+      <p:nvGrpSpPr>
+        <p:cNvPr id="1" name=""/>
+        <p:cNvGrpSpPr/>
+        <p:nvPr/>
+      </p:nvGrpSpPr>
+      <p:grpSpPr>
+        <a:xfrm>
+          <a:off x="0" y="0"/>
+          <a:ext cx="0" cy="0"/>
+          <a:chOff x="0" y="0"/>
+          <a:chExt cx="0" cy="0"/>
+        </a:xfrm>
+      </p:grpSpPr>
+      <p:sp>
+        <p:nvSpPr>
           <p:cNvPr id="2" name="Title 1"/>
           <p:cNvSpPr>
             <a:spLocks noGrp="1"/>
@@ -12891,14 +13122,9 @@
           <a:lstStyle/>
           <a:p>
             <a:r>
-              <a:rPr lang="en-ZA" dirty="0" smtClean="0"/>
-              <a:t>Unit testing </a:t>
+              <a:rPr lang="en-ZA" dirty="0"/>
+              <a:t>Unit testing</a:t>
             </a:r>
-            <a:r>
-              <a:rPr lang="en-ZA" dirty="0" err="1" smtClean="0"/>
-              <a:t>funtions</a:t>
-            </a:r>
-            <a:endParaRPr lang="en-ZA" dirty="0"/>
           </a:p>
         </p:txBody>
       </p:sp>
@@ -12921,22 +13147,33 @@
               <a:buNone/>
             </a:pPr>
             <a:r>
-              <a:rPr lang="en-ZA" dirty="0" smtClean="0"/>
+              <a:rPr lang="en-ZA" dirty="0"/>
               <a:t>Made use of:</a:t>
             </a:r>
           </a:p>
           <a:p>
             <a:r>
-              <a:rPr lang="en-ZA" dirty="0" smtClean="0"/>
+              <a:rPr lang="en-ZA" dirty="0"/>
               <a:t>Mocha</a:t>
             </a:r>
           </a:p>
           <a:p>
             <a:r>
-              <a:rPr lang="en-ZA" dirty="0" smtClean="0"/>
+              <a:rPr lang="en-ZA" dirty="0"/>
               <a:t>Chai</a:t>
             </a:r>
+          </a:p>
+          <a:p>
             <a:endParaRPr lang="en-ZA" dirty="0"/>
+          </a:p>
+          <a:p>
+            <a:pPr marL="0" indent="0">
+              <a:buNone/>
+            </a:pPr>
+            <a:r>
+              <a:rPr lang="en-ZA" dirty="0"/>
+              <a:t>Tests API endpoints to ensure edge cases are working as desired.</a:t>
+            </a:r>
           </a:p>
         </p:txBody>
       </p:sp>

--- a/Ocean - NFC Slide Show.pptx
+++ b/Ocean - NFC Slide Show.pptx
@@ -10,8 +10,9 @@
     <p:sldId id="258" r:id="rId4"/>
     <p:sldId id="259" r:id="rId5"/>
     <p:sldId id="261" r:id="rId6"/>
-    <p:sldId id="262" r:id="rId7"/>
-    <p:sldId id="260" r:id="rId8"/>
+    <p:sldId id="263" r:id="rId7"/>
+    <p:sldId id="262" r:id="rId8"/>
+    <p:sldId id="260" r:id="rId9"/>
   </p:sldIdLst>
   <p:sldSz cx="12192000" cy="6858000"/>
   <p:notesSz cx="6858000" cy="9144000"/>
@@ -168,7 +169,7 @@
           <a:noFill/>
           <a:extLst>
             <a:ext uri="{909E8E84-426E-40dd-AFC4-6F175D3DCCD1}">
-              <a14:hiddenFill xmlns="" xmlns:a14="http://schemas.microsoft.com/office/drawing/2010/main">
+              <a14:hiddenFill xmlns:a14="http://schemas.microsoft.com/office/drawing/2010/main" xmlns="">
                 <a:solidFill>
                   <a:srgbClr val="FFFFFF"/>
                 </a:solidFill>
@@ -228,7 +229,7 @@
             </a:ln>
             <a:extLst>
               <a:ext uri="{91240B29-F687-4f45-9708-019B960494DF}">
-                <a14:hiddenLine xmlns="" xmlns:a14="http://schemas.microsoft.com/office/drawing/2010/main" w="9525">
+                <a14:hiddenLine xmlns:a14="http://schemas.microsoft.com/office/drawing/2010/main" xmlns="" w="9525">
                   <a:solidFill>
                     <a:srgbClr val="000000"/>
                   </a:solidFill>
@@ -318,7 +319,7 @@
             </a:ln>
             <a:extLst>
               <a:ext uri="{91240B29-F687-4f45-9708-019B960494DF}">
-                <a14:hiddenLine xmlns="" xmlns:a14="http://schemas.microsoft.com/office/drawing/2010/main" w="9525">
+                <a14:hiddenLine xmlns:a14="http://schemas.microsoft.com/office/drawing/2010/main" xmlns="" w="9525">
                   <a:solidFill>
                     <a:srgbClr val="000000"/>
                   </a:solidFill>
@@ -408,7 +409,7 @@
             </a:ln>
             <a:extLst>
               <a:ext uri="{91240B29-F687-4f45-9708-019B960494DF}">
-                <a14:hiddenLine xmlns="" xmlns:a14="http://schemas.microsoft.com/office/drawing/2010/main" w="9525">
+                <a14:hiddenLine xmlns:a14="http://schemas.microsoft.com/office/drawing/2010/main" xmlns="" w="9525">
                   <a:solidFill>
                     <a:srgbClr val="000000"/>
                   </a:solidFill>
@@ -442,7 +443,7 @@
             </a:ln>
             <a:extLst>
               <a:ext uri="{91240B29-F687-4f45-9708-019B960494DF}">
-                <a14:hiddenLine xmlns="" xmlns:a14="http://schemas.microsoft.com/office/drawing/2010/main" w="9525">
+                <a14:hiddenLine xmlns:a14="http://schemas.microsoft.com/office/drawing/2010/main" xmlns="" w="9525">
                   <a:solidFill>
                     <a:srgbClr val="000000"/>
                   </a:solidFill>
@@ -532,7 +533,7 @@
             </a:ln>
             <a:extLst>
               <a:ext uri="{91240B29-F687-4f45-9708-019B960494DF}">
-                <a14:hiddenLine xmlns="" xmlns:a14="http://schemas.microsoft.com/office/drawing/2010/main" w="9525">
+                <a14:hiddenLine xmlns:a14="http://schemas.microsoft.com/office/drawing/2010/main" xmlns="" w="9525">
                   <a:solidFill>
                     <a:srgbClr val="000000"/>
                   </a:solidFill>
@@ -594,7 +595,7 @@
             </a:ln>
             <a:extLst>
               <a:ext uri="{91240B29-F687-4f45-9708-019B960494DF}">
-                <a14:hiddenLine xmlns="" xmlns:a14="http://schemas.microsoft.com/office/drawing/2010/main" w="9525">
+                <a14:hiddenLine xmlns:a14="http://schemas.microsoft.com/office/drawing/2010/main" xmlns="" w="9525">
                   <a:solidFill>
                     <a:srgbClr val="000000"/>
                   </a:solidFill>
@@ -656,7 +657,7 @@
             </a:ln>
             <a:extLst>
               <a:ext uri="{91240B29-F687-4f45-9708-019B960494DF}">
-                <a14:hiddenLine xmlns="" xmlns:a14="http://schemas.microsoft.com/office/drawing/2010/main" w="9525">
+                <a14:hiddenLine xmlns:a14="http://schemas.microsoft.com/office/drawing/2010/main" xmlns="" w="9525">
                   <a:solidFill>
                     <a:srgbClr val="000000"/>
                   </a:solidFill>
@@ -746,7 +747,7 @@
             </a:ln>
             <a:extLst>
               <a:ext uri="{91240B29-F687-4f45-9708-019B960494DF}">
-                <a14:hiddenLine xmlns="" xmlns:a14="http://schemas.microsoft.com/office/drawing/2010/main" w="9525">
+                <a14:hiddenLine xmlns:a14="http://schemas.microsoft.com/office/drawing/2010/main" xmlns="" w="9525">
                   <a:solidFill>
                     <a:srgbClr val="000000"/>
                   </a:solidFill>
@@ -808,7 +809,7 @@
             </a:ln>
             <a:extLst>
               <a:ext uri="{91240B29-F687-4f45-9708-019B960494DF}">
-                <a14:hiddenLine xmlns="" xmlns:a14="http://schemas.microsoft.com/office/drawing/2010/main" w="9525">
+                <a14:hiddenLine xmlns:a14="http://schemas.microsoft.com/office/drawing/2010/main" xmlns="" w="9525">
                   <a:solidFill>
                     <a:srgbClr val="000000"/>
                   </a:solidFill>
@@ -870,7 +871,7 @@
             </a:ln>
             <a:extLst>
               <a:ext uri="{91240B29-F687-4f45-9708-019B960494DF}">
-                <a14:hiddenLine xmlns="" xmlns:a14="http://schemas.microsoft.com/office/drawing/2010/main" w="9525">
+                <a14:hiddenLine xmlns:a14="http://schemas.microsoft.com/office/drawing/2010/main" xmlns="" w="9525">
                   <a:solidFill>
                     <a:srgbClr val="000000"/>
                   </a:solidFill>
@@ -960,7 +961,7 @@
             </a:ln>
             <a:extLst>
               <a:ext uri="{91240B29-F687-4f45-9708-019B960494DF}">
-                <a14:hiddenLine xmlns="" xmlns:a14="http://schemas.microsoft.com/office/drawing/2010/main" w="9525">
+                <a14:hiddenLine xmlns:a14="http://schemas.microsoft.com/office/drawing/2010/main" xmlns="" w="9525">
                   <a:solidFill>
                     <a:srgbClr val="000000"/>
                   </a:solidFill>
@@ -1050,7 +1051,7 @@
             </a:ln>
             <a:extLst>
               <a:ext uri="{91240B29-F687-4f45-9708-019B960494DF}">
-                <a14:hiddenLine xmlns="" xmlns:a14="http://schemas.microsoft.com/office/drawing/2010/main" w="9525">
+                <a14:hiddenLine xmlns:a14="http://schemas.microsoft.com/office/drawing/2010/main" xmlns="" w="9525">
                   <a:solidFill>
                     <a:srgbClr val="000000"/>
                   </a:solidFill>
@@ -1112,7 +1113,7 @@
             </a:ln>
             <a:extLst>
               <a:ext uri="{91240B29-F687-4f45-9708-019B960494DF}">
-                <a14:hiddenLine xmlns="" xmlns:a14="http://schemas.microsoft.com/office/drawing/2010/main" w="9525">
+                <a14:hiddenLine xmlns:a14="http://schemas.microsoft.com/office/drawing/2010/main" xmlns="" w="9525">
                   <a:solidFill>
                     <a:srgbClr val="000000"/>
                   </a:solidFill>
@@ -1222,7 +1223,7 @@
             </a:ln>
             <a:extLst>
               <a:ext uri="{91240B29-F687-4f45-9708-019B960494DF}">
-                <a14:hiddenLine xmlns="" xmlns:a14="http://schemas.microsoft.com/office/drawing/2010/main" w="9525">
+                <a14:hiddenLine xmlns:a14="http://schemas.microsoft.com/office/drawing/2010/main" xmlns="" w="9525">
                   <a:solidFill>
                     <a:srgbClr val="000000"/>
                   </a:solidFill>
@@ -1284,7 +1285,7 @@
             </a:ln>
             <a:extLst>
               <a:ext uri="{91240B29-F687-4f45-9708-019B960494DF}">
-                <a14:hiddenLine xmlns="" xmlns:a14="http://schemas.microsoft.com/office/drawing/2010/main" w="9525">
+                <a14:hiddenLine xmlns:a14="http://schemas.microsoft.com/office/drawing/2010/main" xmlns="" w="9525">
                   <a:solidFill>
                     <a:srgbClr val="000000"/>
                   </a:solidFill>
@@ -1374,7 +1375,7 @@
             </a:ln>
             <a:extLst>
               <a:ext uri="{91240B29-F687-4f45-9708-019B960494DF}">
-                <a14:hiddenLine xmlns="" xmlns:a14="http://schemas.microsoft.com/office/drawing/2010/main" w="9525">
+                <a14:hiddenLine xmlns:a14="http://schemas.microsoft.com/office/drawing/2010/main" xmlns="" w="9525">
                   <a:solidFill>
                     <a:srgbClr val="000000"/>
                   </a:solidFill>
@@ -1464,7 +1465,7 @@
             </a:ln>
             <a:extLst>
               <a:ext uri="{91240B29-F687-4f45-9708-019B960494DF}">
-                <a14:hiddenLine xmlns="" xmlns:a14="http://schemas.microsoft.com/office/drawing/2010/main" w="9525">
+                <a14:hiddenLine xmlns:a14="http://schemas.microsoft.com/office/drawing/2010/main" xmlns="" w="9525">
                   <a:solidFill>
                     <a:srgbClr val="000000"/>
                   </a:solidFill>
@@ -1526,7 +1527,7 @@
             </a:ln>
             <a:extLst>
               <a:ext uri="{91240B29-F687-4f45-9708-019B960494DF}">
-                <a14:hiddenLine xmlns="" xmlns:a14="http://schemas.microsoft.com/office/drawing/2010/main" w="9525">
+                <a14:hiddenLine xmlns:a14="http://schemas.microsoft.com/office/drawing/2010/main" xmlns="" w="9525">
                   <a:solidFill>
                     <a:srgbClr val="000000"/>
                   </a:solidFill>
@@ -1616,7 +1617,7 @@
             </a:ln>
             <a:extLst>
               <a:ext uri="{91240B29-F687-4f45-9708-019B960494DF}">
-                <a14:hiddenLine xmlns="" xmlns:a14="http://schemas.microsoft.com/office/drawing/2010/main" w="9525">
+                <a14:hiddenLine xmlns:a14="http://schemas.microsoft.com/office/drawing/2010/main" xmlns="" w="9525">
                   <a:solidFill>
                     <a:srgbClr val="000000"/>
                   </a:solidFill>
@@ -1706,7 +1707,7 @@
             </a:ln>
             <a:extLst>
               <a:ext uri="{91240B29-F687-4f45-9708-019B960494DF}">
-                <a14:hiddenLine xmlns="" xmlns:a14="http://schemas.microsoft.com/office/drawing/2010/main" w="9525">
+                <a14:hiddenLine xmlns:a14="http://schemas.microsoft.com/office/drawing/2010/main" xmlns="" w="9525">
                   <a:solidFill>
                     <a:srgbClr val="000000"/>
                   </a:solidFill>
@@ -1762,7 +1763,7 @@
             </a:ln>
             <a:extLst>
               <a:ext uri="{91240B29-F687-4f45-9708-019B960494DF}">
-                <a14:hiddenLine xmlns="" xmlns:a14="http://schemas.microsoft.com/office/drawing/2010/main" w="9525">
+                <a14:hiddenLine xmlns:a14="http://schemas.microsoft.com/office/drawing/2010/main" xmlns="" w="9525">
                   <a:solidFill>
                     <a:srgbClr val="000000"/>
                   </a:solidFill>
@@ -1852,7 +1853,7 @@
             </a:ln>
             <a:extLst>
               <a:ext uri="{91240B29-F687-4f45-9708-019B960494DF}">
-                <a14:hiddenLine xmlns="" xmlns:a14="http://schemas.microsoft.com/office/drawing/2010/main" w="9525">
+                <a14:hiddenLine xmlns:a14="http://schemas.microsoft.com/office/drawing/2010/main" xmlns="" w="9525">
                   <a:solidFill>
                     <a:srgbClr val="000000"/>
                   </a:solidFill>
@@ -1908,7 +1909,7 @@
             </a:ln>
             <a:extLst>
               <a:ext uri="{91240B29-F687-4f45-9708-019B960494DF}">
-                <a14:hiddenLine xmlns="" xmlns:a14="http://schemas.microsoft.com/office/drawing/2010/main" w="9525">
+                <a14:hiddenLine xmlns:a14="http://schemas.microsoft.com/office/drawing/2010/main" xmlns="" w="9525">
                   <a:solidFill>
                     <a:srgbClr val="000000"/>
                   </a:solidFill>
@@ -1998,7 +1999,7 @@
             </a:ln>
             <a:extLst>
               <a:ext uri="{91240B29-F687-4f45-9708-019B960494DF}">
-                <a14:hiddenLine xmlns="" xmlns:a14="http://schemas.microsoft.com/office/drawing/2010/main" w="9525">
+                <a14:hiddenLine xmlns:a14="http://schemas.microsoft.com/office/drawing/2010/main" xmlns="" w="9525">
                   <a:solidFill>
                     <a:srgbClr val="000000"/>
                   </a:solidFill>
@@ -2066,7 +2067,7 @@
             </a:ln>
             <a:extLst>
               <a:ext uri="{91240B29-F687-4f45-9708-019B960494DF}">
-                <a14:hiddenLine xmlns="" xmlns:a14="http://schemas.microsoft.com/office/drawing/2010/main" w="9525">
+                <a14:hiddenLine xmlns:a14="http://schemas.microsoft.com/office/drawing/2010/main" xmlns="" w="9525">
                   <a:solidFill>
                     <a:srgbClr val="000000"/>
                   </a:solidFill>
@@ -2156,7 +2157,7 @@
             </a:ln>
             <a:extLst>
               <a:ext uri="{91240B29-F687-4f45-9708-019B960494DF}">
-                <a14:hiddenLine xmlns="" xmlns:a14="http://schemas.microsoft.com/office/drawing/2010/main" w="9525">
+                <a14:hiddenLine xmlns:a14="http://schemas.microsoft.com/office/drawing/2010/main" xmlns="" w="9525">
                   <a:solidFill>
                     <a:srgbClr val="000000"/>
                   </a:solidFill>
@@ -2224,7 +2225,7 @@
             </a:ln>
             <a:extLst>
               <a:ext uri="{91240B29-F687-4f45-9708-019B960494DF}">
-                <a14:hiddenLine xmlns="" xmlns:a14="http://schemas.microsoft.com/office/drawing/2010/main" w="9525">
+                <a14:hiddenLine xmlns:a14="http://schemas.microsoft.com/office/drawing/2010/main" xmlns="" w="9525">
                   <a:solidFill>
                     <a:srgbClr val="000000"/>
                   </a:solidFill>
@@ -2314,7 +2315,7 @@
             </a:ln>
             <a:extLst>
               <a:ext uri="{91240B29-F687-4f45-9708-019B960494DF}">
-                <a14:hiddenLine xmlns="" xmlns:a14="http://schemas.microsoft.com/office/drawing/2010/main" w="9525">
+                <a14:hiddenLine xmlns:a14="http://schemas.microsoft.com/office/drawing/2010/main" xmlns="" w="9525">
                   <a:solidFill>
                     <a:srgbClr val="000000"/>
                   </a:solidFill>
@@ -2348,7 +2349,7 @@
             </a:ln>
             <a:extLst>
               <a:ext uri="{91240B29-F687-4f45-9708-019B960494DF}">
-                <a14:hiddenLine xmlns="" xmlns:a14="http://schemas.microsoft.com/office/drawing/2010/main" w="9525">
+                <a14:hiddenLine xmlns:a14="http://schemas.microsoft.com/office/drawing/2010/main" xmlns="" w="9525">
                   <a:solidFill>
                     <a:srgbClr val="000000"/>
                   </a:solidFill>
@@ -2438,7 +2439,7 @@
             </a:ln>
             <a:extLst>
               <a:ext uri="{91240B29-F687-4f45-9708-019B960494DF}">
-                <a14:hiddenLine xmlns="" xmlns:a14="http://schemas.microsoft.com/office/drawing/2010/main" w="9525">
+                <a14:hiddenLine xmlns:a14="http://schemas.microsoft.com/office/drawing/2010/main" xmlns="" w="9525">
                   <a:solidFill>
                     <a:srgbClr val="000000"/>
                   </a:solidFill>
@@ -2500,7 +2501,7 @@
             </a:ln>
             <a:extLst>
               <a:ext uri="{91240B29-F687-4f45-9708-019B960494DF}">
-                <a14:hiddenLine xmlns="" xmlns:a14="http://schemas.microsoft.com/office/drawing/2010/main" w="9525">
+                <a14:hiddenLine xmlns:a14="http://schemas.microsoft.com/office/drawing/2010/main" xmlns="" w="9525">
                   <a:solidFill>
                     <a:srgbClr val="000000"/>
                   </a:solidFill>
@@ -2562,7 +2563,7 @@
             </a:ln>
             <a:extLst>
               <a:ext uri="{91240B29-F687-4f45-9708-019B960494DF}">
-                <a14:hiddenLine xmlns="" xmlns:a14="http://schemas.microsoft.com/office/drawing/2010/main" w="9525">
+                <a14:hiddenLine xmlns:a14="http://schemas.microsoft.com/office/drawing/2010/main" xmlns="" w="9525">
                   <a:solidFill>
                     <a:srgbClr val="000000"/>
                   </a:solidFill>
@@ -2652,7 +2653,7 @@
             </a:ln>
             <a:extLst>
               <a:ext uri="{91240B29-F687-4f45-9708-019B960494DF}">
-                <a14:hiddenLine xmlns="" xmlns:a14="http://schemas.microsoft.com/office/drawing/2010/main" w="9525">
+                <a14:hiddenLine xmlns:a14="http://schemas.microsoft.com/office/drawing/2010/main" xmlns="" w="9525">
                   <a:solidFill>
                     <a:srgbClr val="000000"/>
                   </a:solidFill>
@@ -2720,7 +2721,7 @@
             </a:ln>
             <a:extLst>
               <a:ext uri="{91240B29-F687-4f45-9708-019B960494DF}">
-                <a14:hiddenLine xmlns="" xmlns:a14="http://schemas.microsoft.com/office/drawing/2010/main" w="9525">
+                <a14:hiddenLine xmlns:a14="http://schemas.microsoft.com/office/drawing/2010/main" xmlns="" w="9525">
                   <a:solidFill>
                     <a:srgbClr val="000000"/>
                   </a:solidFill>
@@ -2782,7 +2783,7 @@
             </a:ln>
             <a:extLst>
               <a:ext uri="{91240B29-F687-4f45-9708-019B960494DF}">
-                <a14:hiddenLine xmlns="" xmlns:a14="http://schemas.microsoft.com/office/drawing/2010/main" w="9525">
+                <a14:hiddenLine xmlns:a14="http://schemas.microsoft.com/office/drawing/2010/main" xmlns="" w="9525">
                   <a:solidFill>
                     <a:srgbClr val="000000"/>
                   </a:solidFill>
@@ -2872,7 +2873,7 @@
             </a:ln>
             <a:extLst>
               <a:ext uri="{91240B29-F687-4f45-9708-019B960494DF}">
-                <a14:hiddenLine xmlns="" xmlns:a14="http://schemas.microsoft.com/office/drawing/2010/main" w="9525">
+                <a14:hiddenLine xmlns:a14="http://schemas.microsoft.com/office/drawing/2010/main" xmlns="" w="9525">
                   <a:solidFill>
                     <a:srgbClr val="000000"/>
                   </a:solidFill>
@@ -2934,7 +2935,7 @@
             </a:ln>
             <a:extLst>
               <a:ext uri="{91240B29-F687-4f45-9708-019B960494DF}">
-                <a14:hiddenLine xmlns="" xmlns:a14="http://schemas.microsoft.com/office/drawing/2010/main" w="9525">
+                <a14:hiddenLine xmlns:a14="http://schemas.microsoft.com/office/drawing/2010/main" xmlns="" w="9525">
                   <a:solidFill>
                     <a:srgbClr val="000000"/>
                   </a:solidFill>
@@ -3024,7 +3025,7 @@
             </a:ln>
             <a:extLst>
               <a:ext uri="{91240B29-F687-4f45-9708-019B960494DF}">
-                <a14:hiddenLine xmlns="" xmlns:a14="http://schemas.microsoft.com/office/drawing/2010/main" w="9525">
+                <a14:hiddenLine xmlns:a14="http://schemas.microsoft.com/office/drawing/2010/main" xmlns="" w="9525">
                   <a:solidFill>
                     <a:srgbClr val="000000"/>
                   </a:solidFill>
@@ -3086,7 +3087,7 @@
             </a:ln>
             <a:extLst>
               <a:ext uri="{91240B29-F687-4f45-9708-019B960494DF}">
-                <a14:hiddenLine xmlns="" xmlns:a14="http://schemas.microsoft.com/office/drawing/2010/main" w="9525">
+                <a14:hiddenLine xmlns:a14="http://schemas.microsoft.com/office/drawing/2010/main" xmlns="" w="9525">
                   <a:solidFill>
                     <a:srgbClr val="000000"/>
                   </a:solidFill>
@@ -3176,7 +3177,7 @@
             </a:ln>
             <a:extLst>
               <a:ext uri="{91240B29-F687-4f45-9708-019B960494DF}">
-                <a14:hiddenLine xmlns="" xmlns:a14="http://schemas.microsoft.com/office/drawing/2010/main" w="9525">
+                <a14:hiddenLine xmlns:a14="http://schemas.microsoft.com/office/drawing/2010/main" xmlns="" w="9525">
                   <a:solidFill>
                     <a:srgbClr val="000000"/>
                   </a:solidFill>
@@ -3210,7 +3211,7 @@
             </a:ln>
             <a:extLst>
               <a:ext uri="{91240B29-F687-4f45-9708-019B960494DF}">
-                <a14:hiddenLine xmlns="" xmlns:a14="http://schemas.microsoft.com/office/drawing/2010/main" w="9525">
+                <a14:hiddenLine xmlns:a14="http://schemas.microsoft.com/office/drawing/2010/main" xmlns="" w="9525">
                   <a:solidFill>
                     <a:srgbClr val="000000"/>
                   </a:solidFill>
@@ -3275,7 +3276,7 @@
             </a:ln>
             <a:extLst>
               <a:ext uri="{91240B29-F687-4f45-9708-019B960494DF}">
-                <a14:hiddenLine xmlns="" xmlns:a14="http://schemas.microsoft.com/office/drawing/2010/main" w="9525">
+                <a14:hiddenLine xmlns:a14="http://schemas.microsoft.com/office/drawing/2010/main" xmlns="" w="9525">
                   <a:solidFill>
                     <a:srgbClr val="000000"/>
                   </a:solidFill>
@@ -3365,7 +3366,7 @@
             </a:ln>
             <a:extLst>
               <a:ext uri="{91240B29-F687-4f45-9708-019B960494DF}">
-                <a14:hiddenLine xmlns="" xmlns:a14="http://schemas.microsoft.com/office/drawing/2010/main" w="9525">
+                <a14:hiddenLine xmlns:a14="http://schemas.microsoft.com/office/drawing/2010/main" xmlns="" w="9525">
                   <a:solidFill>
                     <a:srgbClr val="000000"/>
                   </a:solidFill>
@@ -3427,7 +3428,7 @@
             </a:ln>
             <a:extLst>
               <a:ext uri="{91240B29-F687-4f45-9708-019B960494DF}">
-                <a14:hiddenLine xmlns="" xmlns:a14="http://schemas.microsoft.com/office/drawing/2010/main" w="9525">
+                <a14:hiddenLine xmlns:a14="http://schemas.microsoft.com/office/drawing/2010/main" xmlns="" w="9525">
                   <a:solidFill>
                     <a:srgbClr val="000000"/>
                   </a:solidFill>
@@ -3517,7 +3518,7 @@
             </a:ln>
             <a:extLst>
               <a:ext uri="{91240B29-F687-4f45-9708-019B960494DF}">
-                <a14:hiddenLine xmlns="" xmlns:a14="http://schemas.microsoft.com/office/drawing/2010/main" w="9525">
+                <a14:hiddenLine xmlns:a14="http://schemas.microsoft.com/office/drawing/2010/main" xmlns="" w="9525">
                   <a:solidFill>
                     <a:srgbClr val="000000"/>
                   </a:solidFill>
@@ -3607,7 +3608,7 @@
             </a:ln>
             <a:extLst>
               <a:ext uri="{91240B29-F687-4f45-9708-019B960494DF}">
-                <a14:hiddenLine xmlns="" xmlns:a14="http://schemas.microsoft.com/office/drawing/2010/main" w="9525">
+                <a14:hiddenLine xmlns:a14="http://schemas.microsoft.com/office/drawing/2010/main" xmlns="" w="9525">
                   <a:solidFill>
                     <a:srgbClr val="000000"/>
                   </a:solidFill>
@@ -3672,7 +3673,7 @@
             </a:ln>
             <a:extLst>
               <a:ext uri="{91240B29-F687-4f45-9708-019B960494DF}">
-                <a14:hiddenLine xmlns="" xmlns:a14="http://schemas.microsoft.com/office/drawing/2010/main" w="9525">
+                <a14:hiddenLine xmlns:a14="http://schemas.microsoft.com/office/drawing/2010/main" xmlns="" w="9525">
                   <a:solidFill>
                     <a:srgbClr val="000000"/>
                   </a:solidFill>
@@ -3734,7 +3735,7 @@
             </a:ln>
             <a:extLst>
               <a:ext uri="{91240B29-F687-4f45-9708-019B960494DF}">
-                <a14:hiddenLine xmlns="" xmlns:a14="http://schemas.microsoft.com/office/drawing/2010/main" w="9525">
+                <a14:hiddenLine xmlns:a14="http://schemas.microsoft.com/office/drawing/2010/main" xmlns="" w="9525">
                   <a:solidFill>
                     <a:srgbClr val="000000"/>
                   </a:solidFill>
@@ -3824,7 +3825,7 @@
             </a:ln>
             <a:extLst>
               <a:ext uri="{91240B29-F687-4f45-9708-019B960494DF}">
-                <a14:hiddenLine xmlns="" xmlns:a14="http://schemas.microsoft.com/office/drawing/2010/main" w="9525">
+                <a14:hiddenLine xmlns:a14="http://schemas.microsoft.com/office/drawing/2010/main" xmlns="" w="9525">
                   <a:solidFill>
                     <a:srgbClr val="000000"/>
                   </a:solidFill>
@@ -3914,7 +3915,7 @@
             </a:ln>
             <a:extLst>
               <a:ext uri="{91240B29-F687-4f45-9708-019B960494DF}">
-                <a14:hiddenLine xmlns="" xmlns:a14="http://schemas.microsoft.com/office/drawing/2010/main" w="9525">
+                <a14:hiddenLine xmlns:a14="http://schemas.microsoft.com/office/drawing/2010/main" xmlns="" w="9525">
                   <a:solidFill>
                     <a:srgbClr val="000000"/>
                   </a:solidFill>
@@ -3976,7 +3977,7 @@
             </a:ln>
             <a:extLst>
               <a:ext uri="{91240B29-F687-4f45-9708-019B960494DF}">
-                <a14:hiddenLine xmlns="" xmlns:a14="http://schemas.microsoft.com/office/drawing/2010/main" w="9525">
+                <a14:hiddenLine xmlns:a14="http://schemas.microsoft.com/office/drawing/2010/main" xmlns="" w="9525">
                   <a:solidFill>
                     <a:srgbClr val="000000"/>
                   </a:solidFill>
@@ -4096,7 +4097,7 @@
             </a:ln>
             <a:extLst>
               <a:ext uri="{91240B29-F687-4f45-9708-019B960494DF}">
-                <a14:hiddenLine xmlns="" xmlns:a14="http://schemas.microsoft.com/office/drawing/2010/main" w="9525">
+                <a14:hiddenLine xmlns:a14="http://schemas.microsoft.com/office/drawing/2010/main" xmlns="" w="9525">
                   <a:solidFill>
                     <a:srgbClr val="000000"/>
                   </a:solidFill>
@@ -4164,7 +4165,7 @@
             </a:ln>
             <a:extLst>
               <a:ext uri="{91240B29-F687-4f45-9708-019B960494DF}">
-                <a14:hiddenLine xmlns="" xmlns:a14="http://schemas.microsoft.com/office/drawing/2010/main" w="9525">
+                <a14:hiddenLine xmlns:a14="http://schemas.microsoft.com/office/drawing/2010/main" xmlns="" w="9525">
                   <a:solidFill>
                     <a:srgbClr val="000000"/>
                   </a:solidFill>
@@ -4254,7 +4255,7 @@
             </a:ln>
             <a:extLst>
               <a:ext uri="{91240B29-F687-4f45-9708-019B960494DF}">
-                <a14:hiddenLine xmlns="" xmlns:a14="http://schemas.microsoft.com/office/drawing/2010/main" w="9525">
+                <a14:hiddenLine xmlns:a14="http://schemas.microsoft.com/office/drawing/2010/main" xmlns="" w="9525">
                   <a:solidFill>
                     <a:srgbClr val="000000"/>
                   </a:solidFill>
@@ -9061,7 +9062,7 @@
           <a:noFill/>
           <a:extLst>
             <a:ext uri="{909E8E84-426E-40dd-AFC4-6F175D3DCCD1}">
-              <a14:hiddenFill xmlns="" xmlns:a14="http://schemas.microsoft.com/office/drawing/2010/main">
+              <a14:hiddenFill xmlns:a14="http://schemas.microsoft.com/office/drawing/2010/main" xmlns="">
                 <a:solidFill>
                   <a:srgbClr val="FFFFFF"/>
                 </a:solidFill>
@@ -9135,7 +9136,7 @@
               </a:ln>
               <a:extLst>
                 <a:ext uri="{91240B29-F687-4f45-9708-019B960494DF}">
-                  <a14:hiddenLine xmlns="" xmlns:a14="http://schemas.microsoft.com/office/drawing/2010/main" w="9525">
+                  <a14:hiddenLine xmlns:a14="http://schemas.microsoft.com/office/drawing/2010/main" xmlns="" w="9525">
                     <a:solidFill>
                       <a:srgbClr val="000000"/>
                     </a:solidFill>
@@ -9225,7 +9226,7 @@
               </a:ln>
               <a:extLst>
                 <a:ext uri="{91240B29-F687-4f45-9708-019B960494DF}">
-                  <a14:hiddenLine xmlns="" xmlns:a14="http://schemas.microsoft.com/office/drawing/2010/main" w="9525">
+                  <a14:hiddenLine xmlns:a14="http://schemas.microsoft.com/office/drawing/2010/main" xmlns="" w="9525">
                     <a:solidFill>
                       <a:srgbClr val="000000"/>
                     </a:solidFill>
@@ -9315,7 +9316,7 @@
               </a:ln>
               <a:extLst>
                 <a:ext uri="{91240B29-F687-4f45-9708-019B960494DF}">
-                  <a14:hiddenLine xmlns="" xmlns:a14="http://schemas.microsoft.com/office/drawing/2010/main" w="9525">
+                  <a14:hiddenLine xmlns:a14="http://schemas.microsoft.com/office/drawing/2010/main" xmlns="" w="9525">
                     <a:solidFill>
                       <a:srgbClr val="000000"/>
                     </a:solidFill>
@@ -9377,7 +9378,7 @@
               </a:ln>
               <a:extLst>
                 <a:ext uri="{91240B29-F687-4f45-9708-019B960494DF}">
-                  <a14:hiddenLine xmlns="" xmlns:a14="http://schemas.microsoft.com/office/drawing/2010/main" w="9525">
+                  <a14:hiddenLine xmlns:a14="http://schemas.microsoft.com/office/drawing/2010/main" xmlns="" w="9525">
                     <a:solidFill>
                       <a:srgbClr val="000000"/>
                     </a:solidFill>
@@ -9467,7 +9468,7 @@
               </a:ln>
               <a:extLst>
                 <a:ext uri="{91240B29-F687-4f45-9708-019B960494DF}">
-                  <a14:hiddenLine xmlns="" xmlns:a14="http://schemas.microsoft.com/office/drawing/2010/main" w="9525">
+                  <a14:hiddenLine xmlns:a14="http://schemas.microsoft.com/office/drawing/2010/main" xmlns="" w="9525">
                     <a:solidFill>
                       <a:srgbClr val="000000"/>
                     </a:solidFill>
@@ -9529,7 +9530,7 @@
               </a:ln>
               <a:extLst>
                 <a:ext uri="{91240B29-F687-4f45-9708-019B960494DF}">
-                  <a14:hiddenLine xmlns="" xmlns:a14="http://schemas.microsoft.com/office/drawing/2010/main" w="9525">
+                  <a14:hiddenLine xmlns:a14="http://schemas.microsoft.com/office/drawing/2010/main" xmlns="" w="9525">
                     <a:solidFill>
                       <a:srgbClr val="000000"/>
                     </a:solidFill>
@@ -9591,7 +9592,7 @@
               </a:ln>
               <a:extLst>
                 <a:ext uri="{91240B29-F687-4f45-9708-019B960494DF}">
-                  <a14:hiddenLine xmlns="" xmlns:a14="http://schemas.microsoft.com/office/drawing/2010/main" w="9525">
+                  <a14:hiddenLine xmlns:a14="http://schemas.microsoft.com/office/drawing/2010/main" xmlns="" w="9525">
                     <a:solidFill>
                       <a:srgbClr val="000000"/>
                     </a:solidFill>
@@ -9681,7 +9682,7 @@
               </a:ln>
               <a:extLst>
                 <a:ext uri="{91240B29-F687-4f45-9708-019B960494DF}">
-                  <a14:hiddenLine xmlns="" xmlns:a14="http://schemas.microsoft.com/office/drawing/2010/main" w="9525">
+                  <a14:hiddenLine xmlns:a14="http://schemas.microsoft.com/office/drawing/2010/main" xmlns="" w="9525">
                     <a:solidFill>
                       <a:srgbClr val="000000"/>
                     </a:solidFill>
@@ -9771,7 +9772,7 @@
               </a:ln>
               <a:extLst>
                 <a:ext uri="{91240B29-F687-4f45-9708-019B960494DF}">
-                  <a14:hiddenLine xmlns="" xmlns:a14="http://schemas.microsoft.com/office/drawing/2010/main" w="9525">
+                  <a14:hiddenLine xmlns:a14="http://schemas.microsoft.com/office/drawing/2010/main" xmlns="" w="9525">
                     <a:solidFill>
                       <a:srgbClr val="000000"/>
                     </a:solidFill>
@@ -9833,7 +9834,7 @@
               </a:ln>
               <a:extLst>
                 <a:ext uri="{91240B29-F687-4f45-9708-019B960494DF}">
-                  <a14:hiddenLine xmlns="" xmlns:a14="http://schemas.microsoft.com/office/drawing/2010/main" w="9525">
+                  <a14:hiddenLine xmlns:a14="http://schemas.microsoft.com/office/drawing/2010/main" xmlns="" w="9525">
                     <a:solidFill>
                       <a:srgbClr val="000000"/>
                     </a:solidFill>
@@ -9943,7 +9944,7 @@
               </a:ln>
               <a:extLst>
                 <a:ext uri="{91240B29-F687-4f45-9708-019B960494DF}">
-                  <a14:hiddenLine xmlns="" xmlns:a14="http://schemas.microsoft.com/office/drawing/2010/main" w="9525">
+                  <a14:hiddenLine xmlns:a14="http://schemas.microsoft.com/office/drawing/2010/main" xmlns="" w="9525">
                     <a:solidFill>
                       <a:srgbClr val="000000"/>
                     </a:solidFill>
@@ -10027,7 +10028,7 @@
               </a:ln>
               <a:extLst>
                 <a:ext uri="{91240B29-F687-4f45-9708-019B960494DF}">
-                  <a14:hiddenLine xmlns="" xmlns:a14="http://schemas.microsoft.com/office/drawing/2010/main" w="9525">
+                  <a14:hiddenLine xmlns:a14="http://schemas.microsoft.com/office/drawing/2010/main" xmlns="" w="9525">
                     <a:solidFill>
                       <a:srgbClr val="000000"/>
                     </a:solidFill>
@@ -10089,7 +10090,7 @@
               </a:ln>
               <a:extLst>
                 <a:ext uri="{91240B29-F687-4f45-9708-019B960494DF}">
-                  <a14:hiddenLine xmlns="" xmlns:a14="http://schemas.microsoft.com/office/drawing/2010/main" w="9525">
+                  <a14:hiddenLine xmlns:a14="http://schemas.microsoft.com/office/drawing/2010/main" xmlns="" w="9525">
                     <a:solidFill>
                       <a:srgbClr val="000000"/>
                     </a:solidFill>
@@ -10151,7 +10152,7 @@
               </a:ln>
               <a:extLst>
                 <a:ext uri="{91240B29-F687-4f45-9708-019B960494DF}">
-                  <a14:hiddenLine xmlns="" xmlns:a14="http://schemas.microsoft.com/office/drawing/2010/main" w="9525">
+                  <a14:hiddenLine xmlns:a14="http://schemas.microsoft.com/office/drawing/2010/main" xmlns="" w="9525">
                     <a:solidFill>
                       <a:srgbClr val="000000"/>
                     </a:solidFill>
@@ -10241,7 +10242,7 @@
               </a:ln>
               <a:extLst>
                 <a:ext uri="{91240B29-F687-4f45-9708-019B960494DF}">
-                  <a14:hiddenLine xmlns="" xmlns:a14="http://schemas.microsoft.com/office/drawing/2010/main" w="9525">
+                  <a14:hiddenLine xmlns:a14="http://schemas.microsoft.com/office/drawing/2010/main" xmlns="" w="9525">
                     <a:solidFill>
                       <a:srgbClr val="000000"/>
                     </a:solidFill>
@@ -10275,7 +10276,7 @@
               </a:ln>
               <a:extLst>
                 <a:ext uri="{91240B29-F687-4f45-9708-019B960494DF}">
-                  <a14:hiddenLine xmlns="" xmlns:a14="http://schemas.microsoft.com/office/drawing/2010/main" w="9525">
+                  <a14:hiddenLine xmlns:a14="http://schemas.microsoft.com/office/drawing/2010/main" xmlns="" w="9525">
                     <a:solidFill>
                       <a:srgbClr val="000000"/>
                     </a:solidFill>
@@ -10340,7 +10341,7 @@
               </a:ln>
               <a:extLst>
                 <a:ext uri="{91240B29-F687-4f45-9708-019B960494DF}">
-                  <a14:hiddenLine xmlns="" xmlns:a14="http://schemas.microsoft.com/office/drawing/2010/main" w="9525">
+                  <a14:hiddenLine xmlns:a14="http://schemas.microsoft.com/office/drawing/2010/main" xmlns="" w="9525">
                     <a:solidFill>
                       <a:srgbClr val="000000"/>
                     </a:solidFill>
@@ -10430,7 +10431,7 @@
               </a:ln>
               <a:extLst>
                 <a:ext uri="{91240B29-F687-4f45-9708-019B960494DF}">
-                  <a14:hiddenLine xmlns="" xmlns:a14="http://schemas.microsoft.com/office/drawing/2010/main" w="9525">
+                  <a14:hiddenLine xmlns:a14="http://schemas.microsoft.com/office/drawing/2010/main" xmlns="" w="9525">
                     <a:solidFill>
                       <a:srgbClr val="000000"/>
                     </a:solidFill>
@@ -10492,7 +10493,7 @@
               </a:ln>
               <a:extLst>
                 <a:ext uri="{91240B29-F687-4f45-9708-019B960494DF}">
-                  <a14:hiddenLine xmlns="" xmlns:a14="http://schemas.microsoft.com/office/drawing/2010/main" w="9525">
+                  <a14:hiddenLine xmlns:a14="http://schemas.microsoft.com/office/drawing/2010/main" xmlns="" w="9525">
                     <a:solidFill>
                       <a:srgbClr val="000000"/>
                     </a:solidFill>
@@ -10582,7 +10583,7 @@
               </a:ln>
               <a:extLst>
                 <a:ext uri="{91240B29-F687-4f45-9708-019B960494DF}">
-                  <a14:hiddenLine xmlns="" xmlns:a14="http://schemas.microsoft.com/office/drawing/2010/main" w="9525">
+                  <a14:hiddenLine xmlns:a14="http://schemas.microsoft.com/office/drawing/2010/main" xmlns="" w="9525">
                     <a:solidFill>
                       <a:srgbClr val="000000"/>
                     </a:solidFill>
@@ -10647,7 +10648,7 @@
               </a:ln>
               <a:extLst>
                 <a:ext uri="{91240B29-F687-4f45-9708-019B960494DF}">
-                  <a14:hiddenLine xmlns="" xmlns:a14="http://schemas.microsoft.com/office/drawing/2010/main" w="9525">
+                  <a14:hiddenLine xmlns:a14="http://schemas.microsoft.com/office/drawing/2010/main" xmlns="" w="9525">
                     <a:solidFill>
                       <a:srgbClr val="000000"/>
                     </a:solidFill>
@@ -10709,7 +10710,7 @@
               </a:ln>
               <a:extLst>
                 <a:ext uri="{91240B29-F687-4f45-9708-019B960494DF}">
-                  <a14:hiddenLine xmlns="" xmlns:a14="http://schemas.microsoft.com/office/drawing/2010/main" w="9525">
+                  <a14:hiddenLine xmlns:a14="http://schemas.microsoft.com/office/drawing/2010/main" xmlns="" w="9525">
                     <a:solidFill>
                       <a:srgbClr val="000000"/>
                     </a:solidFill>
@@ -10799,7 +10800,7 @@
               </a:ln>
               <a:extLst>
                 <a:ext uri="{91240B29-F687-4f45-9708-019B960494DF}">
-                  <a14:hiddenLine xmlns="" xmlns:a14="http://schemas.microsoft.com/office/drawing/2010/main" w="9525">
+                  <a14:hiddenLine xmlns:a14="http://schemas.microsoft.com/office/drawing/2010/main" xmlns="" w="9525">
                     <a:solidFill>
                       <a:srgbClr val="000000"/>
                     </a:solidFill>
@@ -10889,7 +10890,7 @@
               </a:ln>
               <a:extLst>
                 <a:ext uri="{91240B29-F687-4f45-9708-019B960494DF}">
-                  <a14:hiddenLine xmlns="" xmlns:a14="http://schemas.microsoft.com/office/drawing/2010/main" w="9525">
+                  <a14:hiddenLine xmlns:a14="http://schemas.microsoft.com/office/drawing/2010/main" xmlns="" w="9525">
                     <a:solidFill>
                       <a:srgbClr val="000000"/>
                     </a:solidFill>
@@ -10954,7 +10955,7 @@
               </a:ln>
               <a:extLst>
                 <a:ext uri="{91240B29-F687-4f45-9708-019B960494DF}">
-                  <a14:hiddenLine xmlns="" xmlns:a14="http://schemas.microsoft.com/office/drawing/2010/main" w="9525">
+                  <a14:hiddenLine xmlns:a14="http://schemas.microsoft.com/office/drawing/2010/main" xmlns="" w="9525">
                     <a:solidFill>
                       <a:srgbClr val="000000"/>
                     </a:solidFill>
@@ -11074,7 +11075,7 @@
               </a:ln>
               <a:extLst>
                 <a:ext uri="{91240B29-F687-4f45-9708-019B960494DF}">
-                  <a14:hiddenLine xmlns="" xmlns:a14="http://schemas.microsoft.com/office/drawing/2010/main" w="9525">
+                  <a14:hiddenLine xmlns:a14="http://schemas.microsoft.com/office/drawing/2010/main" xmlns="" w="9525">
                     <a:solidFill>
                       <a:srgbClr val="000000"/>
                     </a:solidFill>
@@ -11172,7 +11173,7 @@
               </a:ln>
               <a:extLst>
                 <a:ext uri="{91240B29-F687-4f45-9708-019B960494DF}">
-                  <a14:hiddenLine xmlns="" xmlns:a14="http://schemas.microsoft.com/office/drawing/2010/main" w="9525">
+                  <a14:hiddenLine xmlns:a14="http://schemas.microsoft.com/office/drawing/2010/main" xmlns="" w="9525">
                     <a:solidFill>
                       <a:srgbClr val="000000"/>
                     </a:solidFill>
@@ -11287,7 +11288,7 @@
               </a:ln>
               <a:extLst>
                 <a:ext uri="{91240B29-F687-4f45-9708-019B960494DF}">
-                  <a14:hiddenLine xmlns="" xmlns:a14="http://schemas.microsoft.com/office/drawing/2010/main" w="9525">
+                  <a14:hiddenLine xmlns:a14="http://schemas.microsoft.com/office/drawing/2010/main" xmlns="" w="9525">
                     <a:solidFill>
                       <a:srgbClr val="000000"/>
                     </a:solidFill>
@@ -11377,7 +11378,7 @@
               </a:ln>
               <a:extLst>
                 <a:ext uri="{91240B29-F687-4f45-9708-019B960494DF}">
-                  <a14:hiddenLine xmlns="" xmlns:a14="http://schemas.microsoft.com/office/drawing/2010/main" w="9525">
+                  <a14:hiddenLine xmlns:a14="http://schemas.microsoft.com/office/drawing/2010/main" xmlns="" w="9525">
                     <a:solidFill>
                       <a:srgbClr val="000000"/>
                     </a:solidFill>
@@ -11442,7 +11443,7 @@
               </a:ln>
               <a:extLst>
                 <a:ext uri="{91240B29-F687-4f45-9708-019B960494DF}">
-                  <a14:hiddenLine xmlns="" xmlns:a14="http://schemas.microsoft.com/office/drawing/2010/main" w="9525">
+                  <a14:hiddenLine xmlns:a14="http://schemas.microsoft.com/office/drawing/2010/main" xmlns="" w="9525">
                     <a:solidFill>
                       <a:srgbClr val="000000"/>
                     </a:solidFill>
@@ -11532,7 +11533,7 @@
               </a:ln>
               <a:extLst>
                 <a:ext uri="{91240B29-F687-4f45-9708-019B960494DF}">
-                  <a14:hiddenLine xmlns="" xmlns:a14="http://schemas.microsoft.com/office/drawing/2010/main" w="9525">
+                  <a14:hiddenLine xmlns:a14="http://schemas.microsoft.com/office/drawing/2010/main" xmlns="" w="9525">
                     <a:solidFill>
                       <a:srgbClr val="000000"/>
                     </a:solidFill>
@@ -11600,7 +11601,7 @@
               </a:ln>
               <a:extLst>
                 <a:ext uri="{91240B29-F687-4f45-9708-019B960494DF}">
-                  <a14:hiddenLine xmlns="" xmlns:a14="http://schemas.microsoft.com/office/drawing/2010/main" w="9525">
+                  <a14:hiddenLine xmlns:a14="http://schemas.microsoft.com/office/drawing/2010/main" xmlns="" w="9525">
                     <a:solidFill>
                       <a:srgbClr val="000000"/>
                     </a:solidFill>
@@ -11690,7 +11691,7 @@
               </a:ln>
               <a:extLst>
                 <a:ext uri="{91240B29-F687-4f45-9708-019B960494DF}">
-                  <a14:hiddenLine xmlns="" xmlns:a14="http://schemas.microsoft.com/office/drawing/2010/main" w="9525">
+                  <a14:hiddenLine xmlns:a14="http://schemas.microsoft.com/office/drawing/2010/main" xmlns="" w="9525">
                     <a:solidFill>
                       <a:srgbClr val="000000"/>
                     </a:solidFill>
@@ -11758,7 +11759,7 @@
               </a:ln>
               <a:extLst>
                 <a:ext uri="{91240B29-F687-4f45-9708-019B960494DF}">
-                  <a14:hiddenLine xmlns="" xmlns:a14="http://schemas.microsoft.com/office/drawing/2010/main" w="9525">
+                  <a14:hiddenLine xmlns:a14="http://schemas.microsoft.com/office/drawing/2010/main" xmlns="" w="9525">
                     <a:solidFill>
                       <a:srgbClr val="000000"/>
                     </a:solidFill>
@@ -11848,7 +11849,7 @@
               </a:ln>
               <a:extLst>
                 <a:ext uri="{91240B29-F687-4f45-9708-019B960494DF}">
-                  <a14:hiddenLine xmlns="" xmlns:a14="http://schemas.microsoft.com/office/drawing/2010/main" w="9525">
+                  <a14:hiddenLine xmlns:a14="http://schemas.microsoft.com/office/drawing/2010/main" xmlns="" w="9525">
                     <a:solidFill>
                       <a:srgbClr val="000000"/>
                     </a:solidFill>
@@ -11882,7 +11883,7 @@
               </a:ln>
               <a:extLst>
                 <a:ext uri="{91240B29-F687-4f45-9708-019B960494DF}">
-                  <a14:hiddenLine xmlns="" xmlns:a14="http://schemas.microsoft.com/office/drawing/2010/main" w="9525">
+                  <a14:hiddenLine xmlns:a14="http://schemas.microsoft.com/office/drawing/2010/main" xmlns="" w="9525">
                     <a:solidFill>
                       <a:srgbClr val="000000"/>
                     </a:solidFill>
@@ -12980,6 +12981,139 @@
           <p:cNvPr id="2" name="Title 1">
             <a:extLst>
               <a:ext uri="{FF2B5EF4-FFF2-40B4-BE49-F238E27FC236}">
+                <a16:creationId xmlns:a16="http://schemas.microsoft.com/office/drawing/2014/main" id="{CC1617E5-A274-4CF7-A354-A44332598D84}"/>
+              </a:ext>
+            </a:extLst>
+          </p:cNvPr>
+          <p:cNvSpPr>
+            <a:spLocks noGrp="1"/>
+          </p:cNvSpPr>
+          <p:nvPr>
+            <p:ph type="title"/>
+          </p:nvPr>
+        </p:nvSpPr>
+        <p:spPr/>
+        <p:txBody>
+          <a:bodyPr/>
+          <a:lstStyle/>
+          <a:p>
+            <a:r>
+              <a:rPr lang="en-US" dirty="0"/>
+              <a:t>Technologies Used</a:t>
+            </a:r>
+            <a:endParaRPr lang="en-ZA" dirty="0"/>
+          </a:p>
+        </p:txBody>
+      </p:sp>
+      <p:sp>
+        <p:nvSpPr>
+          <p:cNvPr id="3" name="Content Placeholder 2">
+            <a:extLst>
+              <a:ext uri="{FF2B5EF4-FFF2-40B4-BE49-F238E27FC236}">
+                <a16:creationId xmlns:a16="http://schemas.microsoft.com/office/drawing/2014/main" id="{A41EB01A-DA95-4C0D-910E-9CC70FB487EA}"/>
+              </a:ext>
+            </a:extLst>
+          </p:cNvPr>
+          <p:cNvSpPr>
+            <a:spLocks noGrp="1"/>
+          </p:cNvSpPr>
+          <p:nvPr>
+            <p:ph idx="1"/>
+          </p:nvPr>
+        </p:nvSpPr>
+        <p:spPr/>
+        <p:txBody>
+          <a:bodyPr>
+            <a:normAutofit fontScale="92500" lnSpcReduction="10000"/>
+          </a:bodyPr>
+          <a:lstStyle/>
+          <a:p>
+            <a:r>
+              <a:rPr lang="en-US" dirty="0"/>
+              <a:t>GitHub</a:t>
+            </a:r>
+          </a:p>
+          <a:p>
+            <a:r>
+              <a:rPr lang="en-US" dirty="0"/>
+              <a:t>Nodejs (plus </a:t>
+            </a:r>
+            <a:r>
+              <a:rPr lang="en-US" dirty="0" err="1"/>
+              <a:t>npm</a:t>
+            </a:r>
+            <a:r>
+              <a:rPr lang="en-US" dirty="0"/>
+              <a:t> for package management)</a:t>
+            </a:r>
+          </a:p>
+          <a:p>
+            <a:r>
+              <a:rPr lang="en-US" dirty="0"/>
+              <a:t>Express.js</a:t>
+            </a:r>
+          </a:p>
+          <a:p>
+            <a:r>
+              <a:rPr lang="en-US" dirty="0"/>
+              <a:t>Typescript</a:t>
+            </a:r>
+          </a:p>
+          <a:p>
+            <a:r>
+              <a:rPr lang="en-US" dirty="0"/>
+              <a:t>SQLite</a:t>
+            </a:r>
+          </a:p>
+          <a:p>
+            <a:r>
+              <a:rPr lang="en-US" dirty="0"/>
+              <a:t>Heroku</a:t>
+            </a:r>
+          </a:p>
+          <a:p>
+            <a:r>
+              <a:rPr lang="en-US" dirty="0"/>
+              <a:t>Mocha and Chai</a:t>
+            </a:r>
+          </a:p>
+        </p:txBody>
+      </p:sp>
+    </p:spTree>
+    <p:extLst>
+      <p:ext uri="{BB962C8B-B14F-4D97-AF65-F5344CB8AC3E}">
+        <p14:creationId xmlns:p14="http://schemas.microsoft.com/office/powerpoint/2010/main" val="3673168692"/>
+      </p:ext>
+    </p:extLst>
+  </p:cSld>
+  <p:clrMapOvr>
+    <a:masterClrMapping/>
+  </p:clrMapOvr>
+</p:sld>
+</file>
+
+<file path=ppt/slides/slide7.xml><?xml version="1.0" encoding="utf-8"?>
+<p:sld xmlns:a="http://schemas.openxmlformats.org/drawingml/2006/main" xmlns:r="http://schemas.openxmlformats.org/officeDocument/2006/relationships" xmlns:p="http://schemas.openxmlformats.org/presentationml/2006/main">
+  <p:cSld>
+    <p:spTree>
+      <p:nvGrpSpPr>
+        <p:cNvPr id="1" name=""/>
+        <p:cNvGrpSpPr/>
+        <p:nvPr/>
+      </p:nvGrpSpPr>
+      <p:grpSpPr>
+        <a:xfrm>
+          <a:off x="0" y="0"/>
+          <a:ext cx="0" cy="0"/>
+          <a:chOff x="0" y="0"/>
+          <a:chExt cx="0" cy="0"/>
+        </a:xfrm>
+      </p:grpSpPr>
+      <p:sp>
+        <p:nvSpPr>
+          <p:cNvPr id="2" name="Title 1">
+            <a:extLst>
+              <a:ext uri="{FF2B5EF4-FFF2-40B4-BE49-F238E27FC236}">
                 <a16:creationId xmlns:a16="http://schemas.microsoft.com/office/drawing/2014/main" id="{4443A229-B7E5-424E-A0BA-36704D9559CF}"/>
               </a:ext>
             </a:extLst>
@@ -13089,7 +13223,7 @@
 </p:sld>
 </file>
 
-<file path=ppt/slides/slide7.xml><?xml version="1.0" encoding="utf-8"?>
+<file path=ppt/slides/slide8.xml><?xml version="1.0" encoding="utf-8"?>
 <p:sld xmlns:a="http://schemas.openxmlformats.org/drawingml/2006/main" xmlns:r="http://schemas.openxmlformats.org/officeDocument/2006/relationships" xmlns:p="http://schemas.openxmlformats.org/presentationml/2006/main">
   <p:cSld>
     <p:spTree>

--- a/Ocean - NFC Slide Show.pptx
+++ b/Ocean - NFC Slide Show.pptx
@@ -169,7 +169,7 @@
           <a:noFill/>
           <a:extLst>
             <a:ext uri="{909E8E84-426E-40dd-AFC4-6F175D3DCCD1}">
-              <a14:hiddenFill xmlns:a14="http://schemas.microsoft.com/office/drawing/2010/main" xmlns="">
+              <a14:hiddenFill xmlns="" xmlns:a14="http://schemas.microsoft.com/office/drawing/2010/main">
                 <a:solidFill>
                   <a:srgbClr val="FFFFFF"/>
                 </a:solidFill>
@@ -229,7 +229,7 @@
             </a:ln>
             <a:extLst>
               <a:ext uri="{91240B29-F687-4f45-9708-019B960494DF}">
-                <a14:hiddenLine xmlns:a14="http://schemas.microsoft.com/office/drawing/2010/main" xmlns="" w="9525">
+                <a14:hiddenLine xmlns="" xmlns:a14="http://schemas.microsoft.com/office/drawing/2010/main" w="9525">
                   <a:solidFill>
                     <a:srgbClr val="000000"/>
                   </a:solidFill>
@@ -319,7 +319,7 @@
             </a:ln>
             <a:extLst>
               <a:ext uri="{91240B29-F687-4f45-9708-019B960494DF}">
-                <a14:hiddenLine xmlns:a14="http://schemas.microsoft.com/office/drawing/2010/main" xmlns="" w="9525">
+                <a14:hiddenLine xmlns="" xmlns:a14="http://schemas.microsoft.com/office/drawing/2010/main" w="9525">
                   <a:solidFill>
                     <a:srgbClr val="000000"/>
                   </a:solidFill>
@@ -409,7 +409,7 @@
             </a:ln>
             <a:extLst>
               <a:ext uri="{91240B29-F687-4f45-9708-019B960494DF}">
-                <a14:hiddenLine xmlns:a14="http://schemas.microsoft.com/office/drawing/2010/main" xmlns="" w="9525">
+                <a14:hiddenLine xmlns="" xmlns:a14="http://schemas.microsoft.com/office/drawing/2010/main" w="9525">
                   <a:solidFill>
                     <a:srgbClr val="000000"/>
                   </a:solidFill>
@@ -443,7 +443,7 @@
             </a:ln>
             <a:extLst>
               <a:ext uri="{91240B29-F687-4f45-9708-019B960494DF}">
-                <a14:hiddenLine xmlns:a14="http://schemas.microsoft.com/office/drawing/2010/main" xmlns="" w="9525">
+                <a14:hiddenLine xmlns="" xmlns:a14="http://schemas.microsoft.com/office/drawing/2010/main" w="9525">
                   <a:solidFill>
                     <a:srgbClr val="000000"/>
                   </a:solidFill>
@@ -533,7 +533,7 @@
             </a:ln>
             <a:extLst>
               <a:ext uri="{91240B29-F687-4f45-9708-019B960494DF}">
-                <a14:hiddenLine xmlns:a14="http://schemas.microsoft.com/office/drawing/2010/main" xmlns="" w="9525">
+                <a14:hiddenLine xmlns="" xmlns:a14="http://schemas.microsoft.com/office/drawing/2010/main" w="9525">
                   <a:solidFill>
                     <a:srgbClr val="000000"/>
                   </a:solidFill>
@@ -595,7 +595,7 @@
             </a:ln>
             <a:extLst>
               <a:ext uri="{91240B29-F687-4f45-9708-019B960494DF}">
-                <a14:hiddenLine xmlns:a14="http://schemas.microsoft.com/office/drawing/2010/main" xmlns="" w="9525">
+                <a14:hiddenLine xmlns="" xmlns:a14="http://schemas.microsoft.com/office/drawing/2010/main" w="9525">
                   <a:solidFill>
                     <a:srgbClr val="000000"/>
                   </a:solidFill>
@@ -657,7 +657,7 @@
             </a:ln>
             <a:extLst>
               <a:ext uri="{91240B29-F687-4f45-9708-019B960494DF}">
-                <a14:hiddenLine xmlns:a14="http://schemas.microsoft.com/office/drawing/2010/main" xmlns="" w="9525">
+                <a14:hiddenLine xmlns="" xmlns:a14="http://schemas.microsoft.com/office/drawing/2010/main" w="9525">
                   <a:solidFill>
                     <a:srgbClr val="000000"/>
                   </a:solidFill>
@@ -747,7 +747,7 @@
             </a:ln>
             <a:extLst>
               <a:ext uri="{91240B29-F687-4f45-9708-019B960494DF}">
-                <a14:hiddenLine xmlns:a14="http://schemas.microsoft.com/office/drawing/2010/main" xmlns="" w="9525">
+                <a14:hiddenLine xmlns="" xmlns:a14="http://schemas.microsoft.com/office/drawing/2010/main" w="9525">
                   <a:solidFill>
                     <a:srgbClr val="000000"/>
                   </a:solidFill>
@@ -809,7 +809,7 @@
             </a:ln>
             <a:extLst>
               <a:ext uri="{91240B29-F687-4f45-9708-019B960494DF}">
-                <a14:hiddenLine xmlns:a14="http://schemas.microsoft.com/office/drawing/2010/main" xmlns="" w="9525">
+                <a14:hiddenLine xmlns="" xmlns:a14="http://schemas.microsoft.com/office/drawing/2010/main" w="9525">
                   <a:solidFill>
                     <a:srgbClr val="000000"/>
                   </a:solidFill>
@@ -871,7 +871,7 @@
             </a:ln>
             <a:extLst>
               <a:ext uri="{91240B29-F687-4f45-9708-019B960494DF}">
-                <a14:hiddenLine xmlns:a14="http://schemas.microsoft.com/office/drawing/2010/main" xmlns="" w="9525">
+                <a14:hiddenLine xmlns="" xmlns:a14="http://schemas.microsoft.com/office/drawing/2010/main" w="9525">
                   <a:solidFill>
                     <a:srgbClr val="000000"/>
                   </a:solidFill>
@@ -961,7 +961,7 @@
             </a:ln>
             <a:extLst>
               <a:ext uri="{91240B29-F687-4f45-9708-019B960494DF}">
-                <a14:hiddenLine xmlns:a14="http://schemas.microsoft.com/office/drawing/2010/main" xmlns="" w="9525">
+                <a14:hiddenLine xmlns="" xmlns:a14="http://schemas.microsoft.com/office/drawing/2010/main" w="9525">
                   <a:solidFill>
                     <a:srgbClr val="000000"/>
                   </a:solidFill>
@@ -1051,7 +1051,7 @@
             </a:ln>
             <a:extLst>
               <a:ext uri="{91240B29-F687-4f45-9708-019B960494DF}">
-                <a14:hiddenLine xmlns:a14="http://schemas.microsoft.com/office/drawing/2010/main" xmlns="" w="9525">
+                <a14:hiddenLine xmlns="" xmlns:a14="http://schemas.microsoft.com/office/drawing/2010/main" w="9525">
                   <a:solidFill>
                     <a:srgbClr val="000000"/>
                   </a:solidFill>
@@ -1113,7 +1113,7 @@
             </a:ln>
             <a:extLst>
               <a:ext uri="{91240B29-F687-4f45-9708-019B960494DF}">
-                <a14:hiddenLine xmlns:a14="http://schemas.microsoft.com/office/drawing/2010/main" xmlns="" w="9525">
+                <a14:hiddenLine xmlns="" xmlns:a14="http://schemas.microsoft.com/office/drawing/2010/main" w="9525">
                   <a:solidFill>
                     <a:srgbClr val="000000"/>
                   </a:solidFill>
@@ -1223,7 +1223,7 @@
             </a:ln>
             <a:extLst>
               <a:ext uri="{91240B29-F687-4f45-9708-019B960494DF}">
-                <a14:hiddenLine xmlns:a14="http://schemas.microsoft.com/office/drawing/2010/main" xmlns="" w="9525">
+                <a14:hiddenLine xmlns="" xmlns:a14="http://schemas.microsoft.com/office/drawing/2010/main" w="9525">
                   <a:solidFill>
                     <a:srgbClr val="000000"/>
                   </a:solidFill>
@@ -1285,7 +1285,7 @@
             </a:ln>
             <a:extLst>
               <a:ext uri="{91240B29-F687-4f45-9708-019B960494DF}">
-                <a14:hiddenLine xmlns:a14="http://schemas.microsoft.com/office/drawing/2010/main" xmlns="" w="9525">
+                <a14:hiddenLine xmlns="" xmlns:a14="http://schemas.microsoft.com/office/drawing/2010/main" w="9525">
                   <a:solidFill>
                     <a:srgbClr val="000000"/>
                   </a:solidFill>
@@ -1375,7 +1375,7 @@
             </a:ln>
             <a:extLst>
               <a:ext uri="{91240B29-F687-4f45-9708-019B960494DF}">
-                <a14:hiddenLine xmlns:a14="http://schemas.microsoft.com/office/drawing/2010/main" xmlns="" w="9525">
+                <a14:hiddenLine xmlns="" xmlns:a14="http://schemas.microsoft.com/office/drawing/2010/main" w="9525">
                   <a:solidFill>
                     <a:srgbClr val="000000"/>
                   </a:solidFill>
@@ -1465,7 +1465,7 @@
             </a:ln>
             <a:extLst>
               <a:ext uri="{91240B29-F687-4f45-9708-019B960494DF}">
-                <a14:hiddenLine xmlns:a14="http://schemas.microsoft.com/office/drawing/2010/main" xmlns="" w="9525">
+                <a14:hiddenLine xmlns="" xmlns:a14="http://schemas.microsoft.com/office/drawing/2010/main" w="9525">
                   <a:solidFill>
                     <a:srgbClr val="000000"/>
                   </a:solidFill>
@@ -1527,7 +1527,7 @@
             </a:ln>
             <a:extLst>
               <a:ext uri="{91240B29-F687-4f45-9708-019B960494DF}">
-                <a14:hiddenLine xmlns:a14="http://schemas.microsoft.com/office/drawing/2010/main" xmlns="" w="9525">
+                <a14:hiddenLine xmlns="" xmlns:a14="http://schemas.microsoft.com/office/drawing/2010/main" w="9525">
                   <a:solidFill>
                     <a:srgbClr val="000000"/>
                   </a:solidFill>
@@ -1617,7 +1617,7 @@
             </a:ln>
             <a:extLst>
               <a:ext uri="{91240B29-F687-4f45-9708-019B960494DF}">
-                <a14:hiddenLine xmlns:a14="http://schemas.microsoft.com/office/drawing/2010/main" xmlns="" w="9525">
+                <a14:hiddenLine xmlns="" xmlns:a14="http://schemas.microsoft.com/office/drawing/2010/main" w="9525">
                   <a:solidFill>
                     <a:srgbClr val="000000"/>
                   </a:solidFill>
@@ -1707,7 +1707,7 @@
             </a:ln>
             <a:extLst>
               <a:ext uri="{91240B29-F687-4f45-9708-019B960494DF}">
-                <a14:hiddenLine xmlns:a14="http://schemas.microsoft.com/office/drawing/2010/main" xmlns="" w="9525">
+                <a14:hiddenLine xmlns="" xmlns:a14="http://schemas.microsoft.com/office/drawing/2010/main" w="9525">
                   <a:solidFill>
                     <a:srgbClr val="000000"/>
                   </a:solidFill>
@@ -1763,7 +1763,7 @@
             </a:ln>
             <a:extLst>
               <a:ext uri="{91240B29-F687-4f45-9708-019B960494DF}">
-                <a14:hiddenLine xmlns:a14="http://schemas.microsoft.com/office/drawing/2010/main" xmlns="" w="9525">
+                <a14:hiddenLine xmlns="" xmlns:a14="http://schemas.microsoft.com/office/drawing/2010/main" w="9525">
                   <a:solidFill>
                     <a:srgbClr val="000000"/>
                   </a:solidFill>
@@ -1853,7 +1853,7 @@
             </a:ln>
             <a:extLst>
               <a:ext uri="{91240B29-F687-4f45-9708-019B960494DF}">
-                <a14:hiddenLine xmlns:a14="http://schemas.microsoft.com/office/drawing/2010/main" xmlns="" w="9525">
+                <a14:hiddenLine xmlns="" xmlns:a14="http://schemas.microsoft.com/office/drawing/2010/main" w="9525">
                   <a:solidFill>
                     <a:srgbClr val="000000"/>
                   </a:solidFill>
@@ -1909,7 +1909,7 @@
             </a:ln>
             <a:extLst>
               <a:ext uri="{91240B29-F687-4f45-9708-019B960494DF}">
-                <a14:hiddenLine xmlns:a14="http://schemas.microsoft.com/office/drawing/2010/main" xmlns="" w="9525">
+                <a14:hiddenLine xmlns="" xmlns:a14="http://schemas.microsoft.com/office/drawing/2010/main" w="9525">
                   <a:solidFill>
                     <a:srgbClr val="000000"/>
                   </a:solidFill>
@@ -1999,7 +1999,7 @@
             </a:ln>
             <a:extLst>
               <a:ext uri="{91240B29-F687-4f45-9708-019B960494DF}">
-                <a14:hiddenLine xmlns:a14="http://schemas.microsoft.com/office/drawing/2010/main" xmlns="" w="9525">
+                <a14:hiddenLine xmlns="" xmlns:a14="http://schemas.microsoft.com/office/drawing/2010/main" w="9525">
                   <a:solidFill>
                     <a:srgbClr val="000000"/>
                   </a:solidFill>
@@ -2067,7 +2067,7 @@
             </a:ln>
             <a:extLst>
               <a:ext uri="{91240B29-F687-4f45-9708-019B960494DF}">
-                <a14:hiddenLine xmlns:a14="http://schemas.microsoft.com/office/drawing/2010/main" xmlns="" w="9525">
+                <a14:hiddenLine xmlns="" xmlns:a14="http://schemas.microsoft.com/office/drawing/2010/main" w="9525">
                   <a:solidFill>
                     <a:srgbClr val="000000"/>
                   </a:solidFill>
@@ -2157,7 +2157,7 @@
             </a:ln>
             <a:extLst>
               <a:ext uri="{91240B29-F687-4f45-9708-019B960494DF}">
-                <a14:hiddenLine xmlns:a14="http://schemas.microsoft.com/office/drawing/2010/main" xmlns="" w="9525">
+                <a14:hiddenLine xmlns="" xmlns:a14="http://schemas.microsoft.com/office/drawing/2010/main" w="9525">
                   <a:solidFill>
                     <a:srgbClr val="000000"/>
                   </a:solidFill>
@@ -2225,7 +2225,7 @@
             </a:ln>
             <a:extLst>
               <a:ext uri="{91240B29-F687-4f45-9708-019B960494DF}">
-                <a14:hiddenLine xmlns:a14="http://schemas.microsoft.com/office/drawing/2010/main" xmlns="" w="9525">
+                <a14:hiddenLine xmlns="" xmlns:a14="http://schemas.microsoft.com/office/drawing/2010/main" w="9525">
                   <a:solidFill>
                     <a:srgbClr val="000000"/>
                   </a:solidFill>
@@ -2315,7 +2315,7 @@
             </a:ln>
             <a:extLst>
               <a:ext uri="{91240B29-F687-4f45-9708-019B960494DF}">
-                <a14:hiddenLine xmlns:a14="http://schemas.microsoft.com/office/drawing/2010/main" xmlns="" w="9525">
+                <a14:hiddenLine xmlns="" xmlns:a14="http://schemas.microsoft.com/office/drawing/2010/main" w="9525">
                   <a:solidFill>
                     <a:srgbClr val="000000"/>
                   </a:solidFill>
@@ -2349,7 +2349,7 @@
             </a:ln>
             <a:extLst>
               <a:ext uri="{91240B29-F687-4f45-9708-019B960494DF}">
-                <a14:hiddenLine xmlns:a14="http://schemas.microsoft.com/office/drawing/2010/main" xmlns="" w="9525">
+                <a14:hiddenLine xmlns="" xmlns:a14="http://schemas.microsoft.com/office/drawing/2010/main" w="9525">
                   <a:solidFill>
                     <a:srgbClr val="000000"/>
                   </a:solidFill>
@@ -2439,7 +2439,7 @@
             </a:ln>
             <a:extLst>
               <a:ext uri="{91240B29-F687-4f45-9708-019B960494DF}">
-                <a14:hiddenLine xmlns:a14="http://schemas.microsoft.com/office/drawing/2010/main" xmlns="" w="9525">
+                <a14:hiddenLine xmlns="" xmlns:a14="http://schemas.microsoft.com/office/drawing/2010/main" w="9525">
                   <a:solidFill>
                     <a:srgbClr val="000000"/>
                   </a:solidFill>
@@ -2501,7 +2501,7 @@
             </a:ln>
             <a:extLst>
               <a:ext uri="{91240B29-F687-4f45-9708-019B960494DF}">
-                <a14:hiddenLine xmlns:a14="http://schemas.microsoft.com/office/drawing/2010/main" xmlns="" w="9525">
+                <a14:hiddenLine xmlns="" xmlns:a14="http://schemas.microsoft.com/office/drawing/2010/main" w="9525">
                   <a:solidFill>
                     <a:srgbClr val="000000"/>
                   </a:solidFill>
@@ -2563,7 +2563,7 @@
             </a:ln>
             <a:extLst>
               <a:ext uri="{91240B29-F687-4f45-9708-019B960494DF}">
-                <a14:hiddenLine xmlns:a14="http://schemas.microsoft.com/office/drawing/2010/main" xmlns="" w="9525">
+                <a14:hiddenLine xmlns="" xmlns:a14="http://schemas.microsoft.com/office/drawing/2010/main" w="9525">
                   <a:solidFill>
                     <a:srgbClr val="000000"/>
                   </a:solidFill>
@@ -2653,7 +2653,7 @@
             </a:ln>
             <a:extLst>
               <a:ext uri="{91240B29-F687-4f45-9708-019B960494DF}">
-                <a14:hiddenLine xmlns:a14="http://schemas.microsoft.com/office/drawing/2010/main" xmlns="" w="9525">
+                <a14:hiddenLine xmlns="" xmlns:a14="http://schemas.microsoft.com/office/drawing/2010/main" w="9525">
                   <a:solidFill>
                     <a:srgbClr val="000000"/>
                   </a:solidFill>
@@ -2721,7 +2721,7 @@
             </a:ln>
             <a:extLst>
               <a:ext uri="{91240B29-F687-4f45-9708-019B960494DF}">
-                <a14:hiddenLine xmlns:a14="http://schemas.microsoft.com/office/drawing/2010/main" xmlns="" w="9525">
+                <a14:hiddenLine xmlns="" xmlns:a14="http://schemas.microsoft.com/office/drawing/2010/main" w="9525">
                   <a:solidFill>
                     <a:srgbClr val="000000"/>
                   </a:solidFill>
@@ -2783,7 +2783,7 @@
             </a:ln>
             <a:extLst>
               <a:ext uri="{91240B29-F687-4f45-9708-019B960494DF}">
-                <a14:hiddenLine xmlns:a14="http://schemas.microsoft.com/office/drawing/2010/main" xmlns="" w="9525">
+                <a14:hiddenLine xmlns="" xmlns:a14="http://schemas.microsoft.com/office/drawing/2010/main" w="9525">
                   <a:solidFill>
                     <a:srgbClr val="000000"/>
                   </a:solidFill>
@@ -2873,7 +2873,7 @@
             </a:ln>
             <a:extLst>
               <a:ext uri="{91240B29-F687-4f45-9708-019B960494DF}">
-                <a14:hiddenLine xmlns:a14="http://schemas.microsoft.com/office/drawing/2010/main" xmlns="" w="9525">
+                <a14:hiddenLine xmlns="" xmlns:a14="http://schemas.microsoft.com/office/drawing/2010/main" w="9525">
                   <a:solidFill>
                     <a:srgbClr val="000000"/>
                   </a:solidFill>
@@ -2935,7 +2935,7 @@
             </a:ln>
             <a:extLst>
               <a:ext uri="{91240B29-F687-4f45-9708-019B960494DF}">
-                <a14:hiddenLine xmlns:a14="http://schemas.microsoft.com/office/drawing/2010/main" xmlns="" w="9525">
+                <a14:hiddenLine xmlns="" xmlns:a14="http://schemas.microsoft.com/office/drawing/2010/main" w="9525">
                   <a:solidFill>
                     <a:srgbClr val="000000"/>
                   </a:solidFill>
@@ -3025,7 +3025,7 @@
             </a:ln>
             <a:extLst>
               <a:ext uri="{91240B29-F687-4f45-9708-019B960494DF}">
-                <a14:hiddenLine xmlns:a14="http://schemas.microsoft.com/office/drawing/2010/main" xmlns="" w="9525">
+                <a14:hiddenLine xmlns="" xmlns:a14="http://schemas.microsoft.com/office/drawing/2010/main" w="9525">
                   <a:solidFill>
                     <a:srgbClr val="000000"/>
                   </a:solidFill>
@@ -3087,7 +3087,7 @@
             </a:ln>
             <a:extLst>
               <a:ext uri="{91240B29-F687-4f45-9708-019B960494DF}">
-                <a14:hiddenLine xmlns:a14="http://schemas.microsoft.com/office/drawing/2010/main" xmlns="" w="9525">
+                <a14:hiddenLine xmlns="" xmlns:a14="http://schemas.microsoft.com/office/drawing/2010/main" w="9525">
                   <a:solidFill>
                     <a:srgbClr val="000000"/>
                   </a:solidFill>
@@ -3177,7 +3177,7 @@
             </a:ln>
             <a:extLst>
               <a:ext uri="{91240B29-F687-4f45-9708-019B960494DF}">
-                <a14:hiddenLine xmlns:a14="http://schemas.microsoft.com/office/drawing/2010/main" xmlns="" w="9525">
+                <a14:hiddenLine xmlns="" xmlns:a14="http://schemas.microsoft.com/office/drawing/2010/main" w="9525">
                   <a:solidFill>
                     <a:srgbClr val="000000"/>
                   </a:solidFill>
@@ -3211,7 +3211,7 @@
             </a:ln>
             <a:extLst>
               <a:ext uri="{91240B29-F687-4f45-9708-019B960494DF}">
-                <a14:hiddenLine xmlns:a14="http://schemas.microsoft.com/office/drawing/2010/main" xmlns="" w="9525">
+                <a14:hiddenLine xmlns="" xmlns:a14="http://schemas.microsoft.com/office/drawing/2010/main" w="9525">
                   <a:solidFill>
                     <a:srgbClr val="000000"/>
                   </a:solidFill>
@@ -3276,7 +3276,7 @@
             </a:ln>
             <a:extLst>
               <a:ext uri="{91240B29-F687-4f45-9708-019B960494DF}">
-                <a14:hiddenLine xmlns:a14="http://schemas.microsoft.com/office/drawing/2010/main" xmlns="" w="9525">
+                <a14:hiddenLine xmlns="" xmlns:a14="http://schemas.microsoft.com/office/drawing/2010/main" w="9525">
                   <a:solidFill>
                     <a:srgbClr val="000000"/>
                   </a:solidFill>
@@ -3366,7 +3366,7 @@
             </a:ln>
             <a:extLst>
               <a:ext uri="{91240B29-F687-4f45-9708-019B960494DF}">
-                <a14:hiddenLine xmlns:a14="http://schemas.microsoft.com/office/drawing/2010/main" xmlns="" w="9525">
+                <a14:hiddenLine xmlns="" xmlns:a14="http://schemas.microsoft.com/office/drawing/2010/main" w="9525">
                   <a:solidFill>
                     <a:srgbClr val="000000"/>
                   </a:solidFill>
@@ -3428,7 +3428,7 @@
             </a:ln>
             <a:extLst>
               <a:ext uri="{91240B29-F687-4f45-9708-019B960494DF}">
-                <a14:hiddenLine xmlns:a14="http://schemas.microsoft.com/office/drawing/2010/main" xmlns="" w="9525">
+                <a14:hiddenLine xmlns="" xmlns:a14="http://schemas.microsoft.com/office/drawing/2010/main" w="9525">
                   <a:solidFill>
                     <a:srgbClr val="000000"/>
                   </a:solidFill>
@@ -3518,7 +3518,7 @@
             </a:ln>
             <a:extLst>
               <a:ext uri="{91240B29-F687-4f45-9708-019B960494DF}">
-                <a14:hiddenLine xmlns:a14="http://schemas.microsoft.com/office/drawing/2010/main" xmlns="" w="9525">
+                <a14:hiddenLine xmlns="" xmlns:a14="http://schemas.microsoft.com/office/drawing/2010/main" w="9525">
                   <a:solidFill>
                     <a:srgbClr val="000000"/>
                   </a:solidFill>
@@ -3608,7 +3608,7 @@
             </a:ln>
             <a:extLst>
               <a:ext uri="{91240B29-F687-4f45-9708-019B960494DF}">
-                <a14:hiddenLine xmlns:a14="http://schemas.microsoft.com/office/drawing/2010/main" xmlns="" w="9525">
+                <a14:hiddenLine xmlns="" xmlns:a14="http://schemas.microsoft.com/office/drawing/2010/main" w="9525">
                   <a:solidFill>
                     <a:srgbClr val="000000"/>
                   </a:solidFill>
@@ -3673,7 +3673,7 @@
             </a:ln>
             <a:extLst>
               <a:ext uri="{91240B29-F687-4f45-9708-019B960494DF}">
-                <a14:hiddenLine xmlns:a14="http://schemas.microsoft.com/office/drawing/2010/main" xmlns="" w="9525">
+                <a14:hiddenLine xmlns="" xmlns:a14="http://schemas.microsoft.com/office/drawing/2010/main" w="9525">
                   <a:solidFill>
                     <a:srgbClr val="000000"/>
                   </a:solidFill>
@@ -3735,7 +3735,7 @@
             </a:ln>
             <a:extLst>
               <a:ext uri="{91240B29-F687-4f45-9708-019B960494DF}">
-                <a14:hiddenLine xmlns:a14="http://schemas.microsoft.com/office/drawing/2010/main" xmlns="" w="9525">
+                <a14:hiddenLine xmlns="" xmlns:a14="http://schemas.microsoft.com/office/drawing/2010/main" w="9525">
                   <a:solidFill>
                     <a:srgbClr val="000000"/>
                   </a:solidFill>
@@ -3825,7 +3825,7 @@
             </a:ln>
             <a:extLst>
               <a:ext uri="{91240B29-F687-4f45-9708-019B960494DF}">
-                <a14:hiddenLine xmlns:a14="http://schemas.microsoft.com/office/drawing/2010/main" xmlns="" w="9525">
+                <a14:hiddenLine xmlns="" xmlns:a14="http://schemas.microsoft.com/office/drawing/2010/main" w="9525">
                   <a:solidFill>
                     <a:srgbClr val="000000"/>
                   </a:solidFill>
@@ -3915,7 +3915,7 @@
             </a:ln>
             <a:extLst>
               <a:ext uri="{91240B29-F687-4f45-9708-019B960494DF}">
-                <a14:hiddenLine xmlns:a14="http://schemas.microsoft.com/office/drawing/2010/main" xmlns="" w="9525">
+                <a14:hiddenLine xmlns="" xmlns:a14="http://schemas.microsoft.com/office/drawing/2010/main" w="9525">
                   <a:solidFill>
                     <a:srgbClr val="000000"/>
                   </a:solidFill>
@@ -3977,7 +3977,7 @@
             </a:ln>
             <a:extLst>
               <a:ext uri="{91240B29-F687-4f45-9708-019B960494DF}">
-                <a14:hiddenLine xmlns:a14="http://schemas.microsoft.com/office/drawing/2010/main" xmlns="" w="9525">
+                <a14:hiddenLine xmlns="" xmlns:a14="http://schemas.microsoft.com/office/drawing/2010/main" w="9525">
                   <a:solidFill>
                     <a:srgbClr val="000000"/>
                   </a:solidFill>
@@ -4097,7 +4097,7 @@
             </a:ln>
             <a:extLst>
               <a:ext uri="{91240B29-F687-4f45-9708-019B960494DF}">
-                <a14:hiddenLine xmlns:a14="http://schemas.microsoft.com/office/drawing/2010/main" xmlns="" w="9525">
+                <a14:hiddenLine xmlns="" xmlns:a14="http://schemas.microsoft.com/office/drawing/2010/main" w="9525">
                   <a:solidFill>
                     <a:srgbClr val="000000"/>
                   </a:solidFill>
@@ -4165,7 +4165,7 @@
             </a:ln>
             <a:extLst>
               <a:ext uri="{91240B29-F687-4f45-9708-019B960494DF}">
-                <a14:hiddenLine xmlns:a14="http://schemas.microsoft.com/office/drawing/2010/main" xmlns="" w="9525">
+                <a14:hiddenLine xmlns="" xmlns:a14="http://schemas.microsoft.com/office/drawing/2010/main" w="9525">
                   <a:solidFill>
                     <a:srgbClr val="000000"/>
                   </a:solidFill>
@@ -4255,7 +4255,7 @@
             </a:ln>
             <a:extLst>
               <a:ext uri="{91240B29-F687-4f45-9708-019B960494DF}">
-                <a14:hiddenLine xmlns:a14="http://schemas.microsoft.com/office/drawing/2010/main" xmlns="" w="9525">
+                <a14:hiddenLine xmlns="" xmlns:a14="http://schemas.microsoft.com/office/drawing/2010/main" w="9525">
                   <a:solidFill>
                     <a:srgbClr val="000000"/>
                   </a:solidFill>
@@ -9062,7 +9062,7 @@
           <a:noFill/>
           <a:extLst>
             <a:ext uri="{909E8E84-426E-40dd-AFC4-6F175D3DCCD1}">
-              <a14:hiddenFill xmlns:a14="http://schemas.microsoft.com/office/drawing/2010/main" xmlns="">
+              <a14:hiddenFill xmlns="" xmlns:a14="http://schemas.microsoft.com/office/drawing/2010/main">
                 <a:solidFill>
                   <a:srgbClr val="FFFFFF"/>
                 </a:solidFill>
@@ -9136,7 +9136,7 @@
               </a:ln>
               <a:extLst>
                 <a:ext uri="{91240B29-F687-4f45-9708-019B960494DF}">
-                  <a14:hiddenLine xmlns:a14="http://schemas.microsoft.com/office/drawing/2010/main" xmlns="" w="9525">
+                  <a14:hiddenLine xmlns="" xmlns:a14="http://schemas.microsoft.com/office/drawing/2010/main" w="9525">
                     <a:solidFill>
                       <a:srgbClr val="000000"/>
                     </a:solidFill>
@@ -9226,7 +9226,7 @@
               </a:ln>
               <a:extLst>
                 <a:ext uri="{91240B29-F687-4f45-9708-019B960494DF}">
-                  <a14:hiddenLine xmlns:a14="http://schemas.microsoft.com/office/drawing/2010/main" xmlns="" w="9525">
+                  <a14:hiddenLine xmlns="" xmlns:a14="http://schemas.microsoft.com/office/drawing/2010/main" w="9525">
                     <a:solidFill>
                       <a:srgbClr val="000000"/>
                     </a:solidFill>
@@ -9316,7 +9316,7 @@
               </a:ln>
               <a:extLst>
                 <a:ext uri="{91240B29-F687-4f45-9708-019B960494DF}">
-                  <a14:hiddenLine xmlns:a14="http://schemas.microsoft.com/office/drawing/2010/main" xmlns="" w="9525">
+                  <a14:hiddenLine xmlns="" xmlns:a14="http://schemas.microsoft.com/office/drawing/2010/main" w="9525">
                     <a:solidFill>
                       <a:srgbClr val="000000"/>
                     </a:solidFill>
@@ -9378,7 +9378,7 @@
               </a:ln>
               <a:extLst>
                 <a:ext uri="{91240B29-F687-4f45-9708-019B960494DF}">
-                  <a14:hiddenLine xmlns:a14="http://schemas.microsoft.com/office/drawing/2010/main" xmlns="" w="9525">
+                  <a14:hiddenLine xmlns="" xmlns:a14="http://schemas.microsoft.com/office/drawing/2010/main" w="9525">
                     <a:solidFill>
                       <a:srgbClr val="000000"/>
                     </a:solidFill>
@@ -9468,7 +9468,7 @@
               </a:ln>
               <a:extLst>
                 <a:ext uri="{91240B29-F687-4f45-9708-019B960494DF}">
-                  <a14:hiddenLine xmlns:a14="http://schemas.microsoft.com/office/drawing/2010/main" xmlns="" w="9525">
+                  <a14:hiddenLine xmlns="" xmlns:a14="http://schemas.microsoft.com/office/drawing/2010/main" w="9525">
                     <a:solidFill>
                       <a:srgbClr val="000000"/>
                     </a:solidFill>
@@ -9530,7 +9530,7 @@
               </a:ln>
               <a:extLst>
                 <a:ext uri="{91240B29-F687-4f45-9708-019B960494DF}">
-                  <a14:hiddenLine xmlns:a14="http://schemas.microsoft.com/office/drawing/2010/main" xmlns="" w="9525">
+                  <a14:hiddenLine xmlns="" xmlns:a14="http://schemas.microsoft.com/office/drawing/2010/main" w="9525">
                     <a:solidFill>
                       <a:srgbClr val="000000"/>
                     </a:solidFill>
@@ -9592,7 +9592,7 @@
               </a:ln>
               <a:extLst>
                 <a:ext uri="{91240B29-F687-4f45-9708-019B960494DF}">
-                  <a14:hiddenLine xmlns:a14="http://schemas.microsoft.com/office/drawing/2010/main" xmlns="" w="9525">
+                  <a14:hiddenLine xmlns="" xmlns:a14="http://schemas.microsoft.com/office/drawing/2010/main" w="9525">
                     <a:solidFill>
                       <a:srgbClr val="000000"/>
                     </a:solidFill>
@@ -9682,7 +9682,7 @@
               </a:ln>
               <a:extLst>
                 <a:ext uri="{91240B29-F687-4f45-9708-019B960494DF}">
-                  <a14:hiddenLine xmlns:a14="http://schemas.microsoft.com/office/drawing/2010/main" xmlns="" w="9525">
+                  <a14:hiddenLine xmlns="" xmlns:a14="http://schemas.microsoft.com/office/drawing/2010/main" w="9525">
                     <a:solidFill>
                       <a:srgbClr val="000000"/>
                     </a:solidFill>
@@ -9772,7 +9772,7 @@
               </a:ln>
               <a:extLst>
                 <a:ext uri="{91240B29-F687-4f45-9708-019B960494DF}">
-                  <a14:hiddenLine xmlns:a14="http://schemas.microsoft.com/office/drawing/2010/main" xmlns="" w="9525">
+                  <a14:hiddenLine xmlns="" xmlns:a14="http://schemas.microsoft.com/office/drawing/2010/main" w="9525">
                     <a:solidFill>
                       <a:srgbClr val="000000"/>
                     </a:solidFill>
@@ -9834,7 +9834,7 @@
               </a:ln>
               <a:extLst>
                 <a:ext uri="{91240B29-F687-4f45-9708-019B960494DF}">
-                  <a14:hiddenLine xmlns:a14="http://schemas.microsoft.com/office/drawing/2010/main" xmlns="" w="9525">
+                  <a14:hiddenLine xmlns="" xmlns:a14="http://schemas.microsoft.com/office/drawing/2010/main" w="9525">
                     <a:solidFill>
                       <a:srgbClr val="000000"/>
                     </a:solidFill>
@@ -9944,7 +9944,7 @@
               </a:ln>
               <a:extLst>
                 <a:ext uri="{91240B29-F687-4f45-9708-019B960494DF}">
-                  <a14:hiddenLine xmlns:a14="http://schemas.microsoft.com/office/drawing/2010/main" xmlns="" w="9525">
+                  <a14:hiddenLine xmlns="" xmlns:a14="http://schemas.microsoft.com/office/drawing/2010/main" w="9525">
                     <a:solidFill>
                       <a:srgbClr val="000000"/>
                     </a:solidFill>
@@ -10028,7 +10028,7 @@
               </a:ln>
               <a:extLst>
                 <a:ext uri="{91240B29-F687-4f45-9708-019B960494DF}">
-                  <a14:hiddenLine xmlns:a14="http://schemas.microsoft.com/office/drawing/2010/main" xmlns="" w="9525">
+                  <a14:hiddenLine xmlns="" xmlns:a14="http://schemas.microsoft.com/office/drawing/2010/main" w="9525">
                     <a:solidFill>
                       <a:srgbClr val="000000"/>
                     </a:solidFill>
@@ -10090,7 +10090,7 @@
               </a:ln>
               <a:extLst>
                 <a:ext uri="{91240B29-F687-4f45-9708-019B960494DF}">
-                  <a14:hiddenLine xmlns:a14="http://schemas.microsoft.com/office/drawing/2010/main" xmlns="" w="9525">
+                  <a14:hiddenLine xmlns="" xmlns:a14="http://schemas.microsoft.com/office/drawing/2010/main" w="9525">
                     <a:solidFill>
                       <a:srgbClr val="000000"/>
                     </a:solidFill>
@@ -10152,7 +10152,7 @@
               </a:ln>
               <a:extLst>
                 <a:ext uri="{91240B29-F687-4f45-9708-019B960494DF}">
-                  <a14:hiddenLine xmlns:a14="http://schemas.microsoft.com/office/drawing/2010/main" xmlns="" w="9525">
+                  <a14:hiddenLine xmlns="" xmlns:a14="http://schemas.microsoft.com/office/drawing/2010/main" w="9525">
                     <a:solidFill>
                       <a:srgbClr val="000000"/>
                     </a:solidFill>
@@ -10242,7 +10242,7 @@
               </a:ln>
               <a:extLst>
                 <a:ext uri="{91240B29-F687-4f45-9708-019B960494DF}">
-                  <a14:hiddenLine xmlns:a14="http://schemas.microsoft.com/office/drawing/2010/main" xmlns="" w="9525">
+                  <a14:hiddenLine xmlns="" xmlns:a14="http://schemas.microsoft.com/office/drawing/2010/main" w="9525">
                     <a:solidFill>
                       <a:srgbClr val="000000"/>
                     </a:solidFill>
@@ -10276,7 +10276,7 @@
               </a:ln>
               <a:extLst>
                 <a:ext uri="{91240B29-F687-4f45-9708-019B960494DF}">
-                  <a14:hiddenLine xmlns:a14="http://schemas.microsoft.com/office/drawing/2010/main" xmlns="" w="9525">
+                  <a14:hiddenLine xmlns="" xmlns:a14="http://schemas.microsoft.com/office/drawing/2010/main" w="9525">
                     <a:solidFill>
                       <a:srgbClr val="000000"/>
                     </a:solidFill>
@@ -10341,7 +10341,7 @@
               </a:ln>
               <a:extLst>
                 <a:ext uri="{91240B29-F687-4f45-9708-019B960494DF}">
-                  <a14:hiddenLine xmlns:a14="http://schemas.microsoft.com/office/drawing/2010/main" xmlns="" w="9525">
+                  <a14:hiddenLine xmlns="" xmlns:a14="http://schemas.microsoft.com/office/drawing/2010/main" w="9525">
                     <a:solidFill>
                       <a:srgbClr val="000000"/>
                     </a:solidFill>
@@ -10431,7 +10431,7 @@
               </a:ln>
               <a:extLst>
                 <a:ext uri="{91240B29-F687-4f45-9708-019B960494DF}">
-                  <a14:hiddenLine xmlns:a14="http://schemas.microsoft.com/office/drawing/2010/main" xmlns="" w="9525">
+                  <a14:hiddenLine xmlns="" xmlns:a14="http://schemas.microsoft.com/office/drawing/2010/main" w="9525">
                     <a:solidFill>
                       <a:srgbClr val="000000"/>
                     </a:solidFill>
@@ -10493,7 +10493,7 @@
               </a:ln>
               <a:extLst>
                 <a:ext uri="{91240B29-F687-4f45-9708-019B960494DF}">
-                  <a14:hiddenLine xmlns:a14="http://schemas.microsoft.com/office/drawing/2010/main" xmlns="" w="9525">
+                  <a14:hiddenLine xmlns="" xmlns:a14="http://schemas.microsoft.com/office/drawing/2010/main" w="9525">
                     <a:solidFill>
                       <a:srgbClr val="000000"/>
                     </a:solidFill>
@@ -10583,7 +10583,7 @@
               </a:ln>
               <a:extLst>
                 <a:ext uri="{91240B29-F687-4f45-9708-019B960494DF}">
-                  <a14:hiddenLine xmlns:a14="http://schemas.microsoft.com/office/drawing/2010/main" xmlns="" w="9525">
+                  <a14:hiddenLine xmlns="" xmlns:a14="http://schemas.microsoft.com/office/drawing/2010/main" w="9525">
                     <a:solidFill>
                       <a:srgbClr val="000000"/>
                     </a:solidFill>
@@ -10648,7 +10648,7 @@
               </a:ln>
               <a:extLst>
                 <a:ext uri="{91240B29-F687-4f45-9708-019B960494DF}">
-                  <a14:hiddenLine xmlns:a14="http://schemas.microsoft.com/office/drawing/2010/main" xmlns="" w="9525">
+                  <a14:hiddenLine xmlns="" xmlns:a14="http://schemas.microsoft.com/office/drawing/2010/main" w="9525">
                     <a:solidFill>
                       <a:srgbClr val="000000"/>
                     </a:solidFill>
@@ -10710,7 +10710,7 @@
               </a:ln>
               <a:extLst>
                 <a:ext uri="{91240B29-F687-4f45-9708-019B960494DF}">
-                  <a14:hiddenLine xmlns:a14="http://schemas.microsoft.com/office/drawing/2010/main" xmlns="" w="9525">
+                  <a14:hiddenLine xmlns="" xmlns:a14="http://schemas.microsoft.com/office/drawing/2010/main" w="9525">
                     <a:solidFill>
                       <a:srgbClr val="000000"/>
                     </a:solidFill>
@@ -10800,7 +10800,7 @@
               </a:ln>
               <a:extLst>
                 <a:ext uri="{91240B29-F687-4f45-9708-019B960494DF}">
-                  <a14:hiddenLine xmlns:a14="http://schemas.microsoft.com/office/drawing/2010/main" xmlns="" w="9525">
+                  <a14:hiddenLine xmlns="" xmlns:a14="http://schemas.microsoft.com/office/drawing/2010/main" w="9525">
                     <a:solidFill>
                       <a:srgbClr val="000000"/>
                     </a:solidFill>
@@ -10890,7 +10890,7 @@
               </a:ln>
               <a:extLst>
                 <a:ext uri="{91240B29-F687-4f45-9708-019B960494DF}">
-                  <a14:hiddenLine xmlns:a14="http://schemas.microsoft.com/office/drawing/2010/main" xmlns="" w="9525">
+                  <a14:hiddenLine xmlns="" xmlns:a14="http://schemas.microsoft.com/office/drawing/2010/main" w="9525">
                     <a:solidFill>
                       <a:srgbClr val="000000"/>
                     </a:solidFill>
@@ -10955,7 +10955,7 @@
               </a:ln>
               <a:extLst>
                 <a:ext uri="{91240B29-F687-4f45-9708-019B960494DF}">
-                  <a14:hiddenLine xmlns:a14="http://schemas.microsoft.com/office/drawing/2010/main" xmlns="" w="9525">
+                  <a14:hiddenLine xmlns="" xmlns:a14="http://schemas.microsoft.com/office/drawing/2010/main" w="9525">
                     <a:solidFill>
                       <a:srgbClr val="000000"/>
                     </a:solidFill>
@@ -11075,7 +11075,7 @@
               </a:ln>
               <a:extLst>
                 <a:ext uri="{91240B29-F687-4f45-9708-019B960494DF}">
-                  <a14:hiddenLine xmlns:a14="http://schemas.microsoft.com/office/drawing/2010/main" xmlns="" w="9525">
+                  <a14:hiddenLine xmlns="" xmlns:a14="http://schemas.microsoft.com/office/drawing/2010/main" w="9525">
                     <a:solidFill>
                       <a:srgbClr val="000000"/>
                     </a:solidFill>
@@ -11173,7 +11173,7 @@
               </a:ln>
               <a:extLst>
                 <a:ext uri="{91240B29-F687-4f45-9708-019B960494DF}">
-                  <a14:hiddenLine xmlns:a14="http://schemas.microsoft.com/office/drawing/2010/main" xmlns="" w="9525">
+                  <a14:hiddenLine xmlns="" xmlns:a14="http://schemas.microsoft.com/office/drawing/2010/main" w="9525">
                     <a:solidFill>
                       <a:srgbClr val="000000"/>
                     </a:solidFill>
@@ -11288,7 +11288,7 @@
               </a:ln>
               <a:extLst>
                 <a:ext uri="{91240B29-F687-4f45-9708-019B960494DF}">
-                  <a14:hiddenLine xmlns:a14="http://schemas.microsoft.com/office/drawing/2010/main" xmlns="" w="9525">
+                  <a14:hiddenLine xmlns="" xmlns:a14="http://schemas.microsoft.com/office/drawing/2010/main" w="9525">
                     <a:solidFill>
                       <a:srgbClr val="000000"/>
                     </a:solidFill>
@@ -11378,7 +11378,7 @@
               </a:ln>
               <a:extLst>
                 <a:ext uri="{91240B29-F687-4f45-9708-019B960494DF}">
-                  <a14:hiddenLine xmlns:a14="http://schemas.microsoft.com/office/drawing/2010/main" xmlns="" w="9525">
+                  <a14:hiddenLine xmlns="" xmlns:a14="http://schemas.microsoft.com/office/drawing/2010/main" w="9525">
                     <a:solidFill>
                       <a:srgbClr val="000000"/>
                     </a:solidFill>
@@ -11443,7 +11443,7 @@
               </a:ln>
               <a:extLst>
                 <a:ext uri="{91240B29-F687-4f45-9708-019B960494DF}">
-                  <a14:hiddenLine xmlns:a14="http://schemas.microsoft.com/office/drawing/2010/main" xmlns="" w="9525">
+                  <a14:hiddenLine xmlns="" xmlns:a14="http://schemas.microsoft.com/office/drawing/2010/main" w="9525">
                     <a:solidFill>
                       <a:srgbClr val="000000"/>
                     </a:solidFill>
@@ -11533,7 +11533,7 @@
               </a:ln>
               <a:extLst>
                 <a:ext uri="{91240B29-F687-4f45-9708-019B960494DF}">
-                  <a14:hiddenLine xmlns:a14="http://schemas.microsoft.com/office/drawing/2010/main" xmlns="" w="9525">
+                  <a14:hiddenLine xmlns="" xmlns:a14="http://schemas.microsoft.com/office/drawing/2010/main" w="9525">
                     <a:solidFill>
                       <a:srgbClr val="000000"/>
                     </a:solidFill>
@@ -11601,7 +11601,7 @@
               </a:ln>
               <a:extLst>
                 <a:ext uri="{91240B29-F687-4f45-9708-019B960494DF}">
-                  <a14:hiddenLine xmlns:a14="http://schemas.microsoft.com/office/drawing/2010/main" xmlns="" w="9525">
+                  <a14:hiddenLine xmlns="" xmlns:a14="http://schemas.microsoft.com/office/drawing/2010/main" w="9525">
                     <a:solidFill>
                       <a:srgbClr val="000000"/>
                     </a:solidFill>
@@ -11691,7 +11691,7 @@
               </a:ln>
               <a:extLst>
                 <a:ext uri="{91240B29-F687-4f45-9708-019B960494DF}">
-                  <a14:hiddenLine xmlns:a14="http://schemas.microsoft.com/office/drawing/2010/main" xmlns="" w="9525">
+                  <a14:hiddenLine xmlns="" xmlns:a14="http://schemas.microsoft.com/office/drawing/2010/main" w="9525">
                     <a:solidFill>
                       <a:srgbClr val="000000"/>
                     </a:solidFill>
@@ -11759,7 +11759,7 @@
               </a:ln>
               <a:extLst>
                 <a:ext uri="{91240B29-F687-4f45-9708-019B960494DF}">
-                  <a14:hiddenLine xmlns:a14="http://schemas.microsoft.com/office/drawing/2010/main" xmlns="" w="9525">
+                  <a14:hiddenLine xmlns="" xmlns:a14="http://schemas.microsoft.com/office/drawing/2010/main" w="9525">
                     <a:solidFill>
                       <a:srgbClr val="000000"/>
                     </a:solidFill>
@@ -11849,7 +11849,7 @@
               </a:ln>
               <a:extLst>
                 <a:ext uri="{91240B29-F687-4f45-9708-019B960494DF}">
-                  <a14:hiddenLine xmlns:a14="http://schemas.microsoft.com/office/drawing/2010/main" xmlns="" w="9525">
+                  <a14:hiddenLine xmlns="" xmlns:a14="http://schemas.microsoft.com/office/drawing/2010/main" w="9525">
                     <a:solidFill>
                       <a:srgbClr val="000000"/>
                     </a:solidFill>
@@ -11883,7 +11883,7 @@
               </a:ln>
               <a:extLst>
                 <a:ext uri="{91240B29-F687-4f45-9708-019B960494DF}">
-                  <a14:hiddenLine xmlns:a14="http://schemas.microsoft.com/office/drawing/2010/main" xmlns="" w="9525">
+                  <a14:hiddenLine xmlns="" xmlns:a14="http://schemas.microsoft.com/office/drawing/2010/main" w="9525">
                     <a:solidFill>
                       <a:srgbClr val="000000"/>
                     </a:solidFill>
@@ -12587,7 +12587,15 @@
           <a:p>
             <a:r>
               <a:rPr lang="en-ZA" dirty="0"/>
-              <a:t>Given Rakgoale - Administrator</a:t>
+              <a:t>Given </a:t>
+            </a:r>
+            <a:r>
+              <a:rPr lang="en-ZA" dirty="0" err="1"/>
+              <a:t>Rakgoale</a:t>
+            </a:r>
+            <a:r>
+              <a:rPr lang="en-ZA" dirty="0"/>
+              <a:t> – Research, planning</a:t>
             </a:r>
           </a:p>
           <a:p>

--- a/Ocean - NFC Slide Show.pptx
+++ b/Ocean - NFC Slide Show.pptx
@@ -7,12 +7,13 @@
   <p:sldIdLst>
     <p:sldId id="256" r:id="rId2"/>
     <p:sldId id="257" r:id="rId3"/>
-    <p:sldId id="258" r:id="rId4"/>
-    <p:sldId id="259" r:id="rId5"/>
-    <p:sldId id="261" r:id="rId6"/>
-    <p:sldId id="263" r:id="rId7"/>
-    <p:sldId id="262" r:id="rId8"/>
-    <p:sldId id="260" r:id="rId9"/>
+    <p:sldId id="264" r:id="rId4"/>
+    <p:sldId id="270" r:id="rId5"/>
+    <p:sldId id="265" r:id="rId6"/>
+    <p:sldId id="266" r:id="rId7"/>
+    <p:sldId id="267" r:id="rId8"/>
+    <p:sldId id="268" r:id="rId9"/>
+    <p:sldId id="269" r:id="rId10"/>
   </p:sldIdLst>
   <p:sldSz cx="12192000" cy="6858000"/>
   <p:notesSz cx="6858000" cy="9144000"/>
@@ -4395,7 +4396,7 @@
           <a:p>
             <a:fld id="{D2706670-3FAE-4A2D-AC2F-75631C2905EF}" type="datetimeFigureOut">
               <a:rPr lang="en-ZA" smtClean="0"/>
-              <a:t>2019/03/15</a:t>
+              <a:t>2019/04/01</a:t>
             </a:fld>
             <a:endParaRPr lang="en-ZA"/>
           </a:p>
@@ -4662,7 +4663,7 @@
           <a:p>
             <a:fld id="{D2706670-3FAE-4A2D-AC2F-75631C2905EF}" type="datetimeFigureOut">
               <a:rPr lang="en-ZA" smtClean="0"/>
-              <a:t>2019/03/15</a:t>
+              <a:t>2019/04/01</a:t>
             </a:fld>
             <a:endParaRPr lang="en-ZA"/>
           </a:p>
@@ -4858,7 +4859,7 @@
           <a:p>
             <a:fld id="{D2706670-3FAE-4A2D-AC2F-75631C2905EF}" type="datetimeFigureOut">
               <a:rPr lang="en-ZA" smtClean="0"/>
-              <a:t>2019/03/15</a:t>
+              <a:t>2019/04/01</a:t>
             </a:fld>
             <a:endParaRPr lang="en-ZA"/>
           </a:p>
@@ -5121,7 +5122,7 @@
           <a:p>
             <a:fld id="{D2706670-3FAE-4A2D-AC2F-75631C2905EF}" type="datetimeFigureOut">
               <a:rPr lang="en-ZA" smtClean="0"/>
-              <a:t>2019/03/15</a:t>
+              <a:t>2019/04/01</a:t>
             </a:fld>
             <a:endParaRPr lang="en-ZA"/>
           </a:p>
@@ -5555,7 +5556,7 @@
           <a:p>
             <a:fld id="{D2706670-3FAE-4A2D-AC2F-75631C2905EF}" type="datetimeFigureOut">
               <a:rPr lang="en-ZA" smtClean="0"/>
-              <a:t>2019/03/15</a:t>
+              <a:t>2019/04/01</a:t>
             </a:fld>
             <a:endParaRPr lang="en-ZA"/>
           </a:p>
@@ -6101,7 +6102,7 @@
           <a:p>
             <a:fld id="{D2706670-3FAE-4A2D-AC2F-75631C2905EF}" type="datetimeFigureOut">
               <a:rPr lang="en-ZA" smtClean="0"/>
-              <a:t>2019/03/15</a:t>
+              <a:t>2019/04/01</a:t>
             </a:fld>
             <a:endParaRPr lang="en-ZA"/>
           </a:p>
@@ -6821,7 +6822,7 @@
           <a:p>
             <a:fld id="{D2706670-3FAE-4A2D-AC2F-75631C2905EF}" type="datetimeFigureOut">
               <a:rPr lang="en-ZA" smtClean="0"/>
-              <a:t>2019/03/15</a:t>
+              <a:t>2019/04/01</a:t>
             </a:fld>
             <a:endParaRPr lang="en-ZA"/>
           </a:p>
@@ -6991,7 +6992,7 @@
           <a:p>
             <a:fld id="{D2706670-3FAE-4A2D-AC2F-75631C2905EF}" type="datetimeFigureOut">
               <a:rPr lang="en-ZA" smtClean="0"/>
-              <a:t>2019/03/15</a:t>
+              <a:t>2019/04/01</a:t>
             </a:fld>
             <a:endParaRPr lang="en-ZA"/>
           </a:p>
@@ -7171,7 +7172,7 @@
           <a:p>
             <a:fld id="{D2706670-3FAE-4A2D-AC2F-75631C2905EF}" type="datetimeFigureOut">
               <a:rPr lang="en-ZA" smtClean="0"/>
-              <a:t>2019/03/15</a:t>
+              <a:t>2019/04/01</a:t>
             </a:fld>
             <a:endParaRPr lang="en-ZA"/>
           </a:p>
@@ -7341,7 +7342,7 @@
           <a:p>
             <a:fld id="{D2706670-3FAE-4A2D-AC2F-75631C2905EF}" type="datetimeFigureOut">
               <a:rPr lang="en-ZA" smtClean="0"/>
-              <a:t>2019/03/15</a:t>
+              <a:t>2019/04/01</a:t>
             </a:fld>
             <a:endParaRPr lang="en-ZA"/>
           </a:p>
@@ -7591,7 +7592,7 @@
           <a:p>
             <a:fld id="{D2706670-3FAE-4A2D-AC2F-75631C2905EF}" type="datetimeFigureOut">
               <a:rPr lang="en-ZA" smtClean="0"/>
-              <a:t>2019/03/15</a:t>
+              <a:t>2019/04/01</a:t>
             </a:fld>
             <a:endParaRPr lang="en-ZA"/>
           </a:p>
@@ -7823,7 +7824,7 @@
           <a:p>
             <a:fld id="{D2706670-3FAE-4A2D-AC2F-75631C2905EF}" type="datetimeFigureOut">
               <a:rPr lang="en-ZA" smtClean="0"/>
-              <a:t>2019/03/15</a:t>
+              <a:t>2019/04/01</a:t>
             </a:fld>
             <a:endParaRPr lang="en-ZA"/>
           </a:p>
@@ -8204,7 +8205,7 @@
           <a:p>
             <a:fld id="{D2706670-3FAE-4A2D-AC2F-75631C2905EF}" type="datetimeFigureOut">
               <a:rPr lang="en-ZA" smtClean="0"/>
-              <a:t>2019/03/15</a:t>
+              <a:t>2019/04/01</a:t>
             </a:fld>
             <a:endParaRPr lang="en-ZA"/>
           </a:p>
@@ -8322,7 +8323,7 @@
           <a:p>
             <a:fld id="{D2706670-3FAE-4A2D-AC2F-75631C2905EF}" type="datetimeFigureOut">
               <a:rPr lang="en-ZA" smtClean="0"/>
-              <a:t>2019/03/15</a:t>
+              <a:t>2019/04/01</a:t>
             </a:fld>
             <a:endParaRPr lang="en-ZA"/>
           </a:p>
@@ -8417,7 +8418,7 @@
           <a:p>
             <a:fld id="{D2706670-3FAE-4A2D-AC2F-75631C2905EF}" type="datetimeFigureOut">
               <a:rPr lang="en-ZA" smtClean="0"/>
-              <a:t>2019/03/15</a:t>
+              <a:t>2019/04/01</a:t>
             </a:fld>
             <a:endParaRPr lang="en-ZA"/>
           </a:p>
@@ -8666,7 +8667,7 @@
           <a:p>
             <a:fld id="{D2706670-3FAE-4A2D-AC2F-75631C2905EF}" type="datetimeFigureOut">
               <a:rPr lang="en-ZA" smtClean="0"/>
-              <a:t>2019/03/15</a:t>
+              <a:t>2019/04/01</a:t>
             </a:fld>
             <a:endParaRPr lang="en-ZA"/>
           </a:p>
@@ -8946,7 +8947,7 @@
           <a:p>
             <a:fld id="{D2706670-3FAE-4A2D-AC2F-75631C2905EF}" type="datetimeFigureOut">
               <a:rPr lang="en-ZA" smtClean="0"/>
-              <a:t>2019/03/15</a:t>
+              <a:t>2019/04/01</a:t>
             </a:fld>
             <a:endParaRPr lang="en-ZA"/>
           </a:p>
@@ -12023,7 +12024,7 @@
           <a:p>
             <a:fld id="{D2706670-3FAE-4A2D-AC2F-75631C2905EF}" type="datetimeFigureOut">
               <a:rPr lang="en-ZA" smtClean="0"/>
-              <a:t>2019/03/15</a:t>
+              <a:t>2019/04/01</a:t>
             </a:fld>
             <a:endParaRPr lang="en-ZA"/>
           </a:p>
@@ -12638,7 +12639,13 @@
       </p:grpSpPr>
       <p:sp>
         <p:nvSpPr>
-          <p:cNvPr id="2" name="Title 1"/>
+          <p:cNvPr id="2" name="Title 1">
+            <a:extLst>
+              <a:ext uri="{FF2B5EF4-FFF2-40B4-BE49-F238E27FC236}">
+                <a16:creationId xmlns:a16="http://schemas.microsoft.com/office/drawing/2014/main" id="{C0B07598-79DE-4A48-AD60-13B64BA6BB03}"/>
+              </a:ext>
+            </a:extLst>
+          </p:cNvPr>
           <p:cNvSpPr>
             <a:spLocks noGrp="1"/>
           </p:cNvSpPr>
@@ -12652,15 +12659,22 @@
           <a:lstStyle/>
           <a:p>
             <a:r>
-              <a:rPr lang="en-ZA" dirty="0"/>
-              <a:t>Project management (PM) tool</a:t>
-            </a:r>
+              <a:rPr lang="en-US" dirty="0"/>
+              <a:t>Matthew Evans</a:t>
+            </a:r>
+            <a:endParaRPr lang="en-ZA" dirty="0"/>
           </a:p>
         </p:txBody>
       </p:sp>
       <p:sp>
         <p:nvSpPr>
-          <p:cNvPr id="3" name="Content Placeholder 2"/>
+          <p:cNvPr id="3" name="Content Placeholder 2">
+            <a:extLst>
+              <a:ext uri="{FF2B5EF4-FFF2-40B4-BE49-F238E27FC236}">
+                <a16:creationId xmlns:a16="http://schemas.microsoft.com/office/drawing/2014/main" id="{7E3A87E8-0E2C-476A-BF40-B70FCC20F280}"/>
+              </a:ext>
+            </a:extLst>
+          </p:cNvPr>
           <p:cNvSpPr>
             <a:spLocks noGrp="1"/>
           </p:cNvSpPr>
@@ -12670,63 +12684,64 @@
         </p:nvSpPr>
         <p:spPr/>
         <p:txBody>
-          <a:bodyPr/>
+          <a:bodyPr>
+            <a:normAutofit fontScale="92500" lnSpcReduction="10000"/>
+          </a:bodyPr>
           <a:lstStyle/>
           <a:p>
-            <a:pPr marL="0" indent="0">
-              <a:buNone/>
-            </a:pPr>
-            <a:r>
-              <a:rPr lang="en-ZA" dirty="0"/>
-              <a:t>Made use of Trello:</a:t>
-            </a:r>
-          </a:p>
-          <a:p>
-            <a:pPr marL="0" indent="0">
-              <a:buNone/>
-            </a:pPr>
-            <a:r>
-              <a:rPr lang="en-ZA" dirty="0">
-                <a:hlinkClick r:id="rId2"/>
-              </a:rPr>
-              <a:t>https://trello.com/b/DyWaguQT/ocean-nfc</a:t>
-            </a:r>
-            <a:endParaRPr lang="en-ZA" dirty="0"/>
-          </a:p>
-          <a:p>
-            <a:pPr marL="0" indent="0">
-              <a:buNone/>
-            </a:pPr>
-            <a:r>
-              <a:rPr lang="en-ZA" dirty="0"/>
-              <a:t>Provided an intuitive way to see:</a:t>
-            </a:r>
-          </a:p>
-          <a:p>
-            <a:r>
-              <a:rPr lang="en-ZA" dirty="0"/>
-              <a:t>What work needs to be done</a:t>
-            </a:r>
-          </a:p>
-          <a:p>
-            <a:r>
-              <a:rPr lang="en-ZA" dirty="0"/>
-              <a:t>What work is being done</a:t>
-            </a:r>
-          </a:p>
-          <a:p>
-            <a:r>
-              <a:rPr lang="en-ZA" dirty="0"/>
-              <a:t>Assigning team members to tasks</a:t>
-            </a:r>
-          </a:p>
-          <a:p>
-            <a:endParaRPr lang="en-ZA" dirty="0"/>
-          </a:p>
-          <a:p>
-            <a:pPr marL="0" indent="0">
-              <a:buNone/>
-            </a:pPr>
+            <a:r>
+              <a:rPr lang="en-US" dirty="0"/>
+              <a:t>Team management</a:t>
+            </a:r>
+          </a:p>
+          <a:p>
+            <a:pPr lvl="1"/>
+            <a:r>
+              <a:rPr lang="en-US" dirty="0"/>
+              <a:t>Organizing meetings</a:t>
+            </a:r>
+          </a:p>
+          <a:p>
+            <a:pPr lvl="1"/>
+            <a:r>
+              <a:rPr lang="en-US" dirty="0"/>
+              <a:t>Delegating work</a:t>
+            </a:r>
+          </a:p>
+          <a:p>
+            <a:pPr lvl="1"/>
+            <a:r>
+              <a:rPr lang="en-US" dirty="0"/>
+              <a:t>Sorting out merge conflicts and git issues</a:t>
+            </a:r>
+          </a:p>
+          <a:p>
+            <a:r>
+              <a:rPr lang="en-US" dirty="0"/>
+              <a:t>System architecture</a:t>
+            </a:r>
+          </a:p>
+          <a:p>
+            <a:r>
+              <a:rPr lang="en-US" dirty="0"/>
+              <a:t>Continuous integration and hosting</a:t>
+            </a:r>
+          </a:p>
+          <a:p>
+            <a:pPr lvl="1"/>
+            <a:r>
+              <a:rPr lang="en-US" dirty="0"/>
+              <a:t>Travis CI</a:t>
+            </a:r>
+          </a:p>
+          <a:p>
+            <a:pPr lvl="1"/>
+            <a:r>
+              <a:rPr lang="en-US" dirty="0"/>
+              <a:t>Heroku</a:t>
+            </a:r>
+          </a:p>
+          <a:p>
             <a:endParaRPr lang="en-ZA" dirty="0"/>
           </a:p>
         </p:txBody>
@@ -12734,7 +12749,7 @@
     </p:spTree>
     <p:extLst>
       <p:ext uri="{BB962C8B-B14F-4D97-AF65-F5344CB8AC3E}">
-        <p14:creationId xmlns:p14="http://schemas.microsoft.com/office/powerpoint/2010/main" val="1066123014"/>
+        <p14:creationId xmlns:p14="http://schemas.microsoft.com/office/powerpoint/2010/main" val="2146885898"/>
       </p:ext>
     </p:extLst>
   </p:cSld>
@@ -12763,7 +12778,13 @@
       </p:grpSpPr>
       <p:sp>
         <p:nvSpPr>
-          <p:cNvPr id="2" name="Title 1"/>
+          <p:cNvPr id="2" name="Title 1">
+            <a:extLst>
+              <a:ext uri="{FF2B5EF4-FFF2-40B4-BE49-F238E27FC236}">
+                <a16:creationId xmlns:a16="http://schemas.microsoft.com/office/drawing/2014/main" id="{2E3F7191-83CE-4AD8-B3B3-119F2A470D0D}"/>
+              </a:ext>
+            </a:extLst>
+          </p:cNvPr>
           <p:cNvSpPr>
             <a:spLocks noGrp="1"/>
           </p:cNvSpPr>
@@ -12777,15 +12798,22 @@
           <a:lstStyle/>
           <a:p>
             <a:r>
-              <a:rPr lang="en-ZA" dirty="0"/>
-              <a:t>GIT Structure</a:t>
-            </a:r>
+              <a:rPr lang="en-US" dirty="0"/>
+              <a:t>Matthew Evans</a:t>
+            </a:r>
+            <a:endParaRPr lang="en-ZA" dirty="0"/>
           </a:p>
         </p:txBody>
       </p:sp>
       <p:sp>
         <p:nvSpPr>
-          <p:cNvPr id="3" name="Content Placeholder 2"/>
+          <p:cNvPr id="3" name="Content Placeholder 2">
+            <a:extLst>
+              <a:ext uri="{FF2B5EF4-FFF2-40B4-BE49-F238E27FC236}">
+                <a16:creationId xmlns:a16="http://schemas.microsoft.com/office/drawing/2014/main" id="{72A46385-D154-42AA-8B63-3131A006835D}"/>
+              </a:ext>
+            </a:extLst>
+          </p:cNvPr>
           <p:cNvSpPr>
             <a:spLocks noGrp="1"/>
           </p:cNvSpPr>
@@ -12795,55 +12823,83 @@
         </p:nvSpPr>
         <p:spPr/>
         <p:txBody>
-          <a:bodyPr>
-            <a:normAutofit/>
-          </a:bodyPr>
+          <a:bodyPr/>
           <a:lstStyle/>
           <a:p>
-            <a:pPr marL="0" indent="0">
-              <a:buNone/>
-            </a:pPr>
+            <a:r>
+              <a:rPr lang="en-US" dirty="0"/>
+              <a:t>Database + ORM setup</a:t>
+            </a:r>
+          </a:p>
+          <a:p>
+            <a:pPr lvl="1"/>
+            <a:r>
+              <a:rPr lang="en-US" dirty="0" err="1"/>
+              <a:t>TypeORM</a:t>
+            </a:r>
+            <a:r>
+              <a:rPr lang="en-US" dirty="0"/>
+              <a:t> with Heroku Postgres/SQLite for local </a:t>
+            </a:r>
+            <a:r>
+              <a:rPr lang="en-US" dirty="0" err="1"/>
+              <a:t>develoment</a:t>
+            </a:r>
+            <a:endParaRPr lang="en-US" dirty="0"/>
+          </a:p>
+          <a:p>
             <a:r>
               <a:rPr lang="en-ZA" dirty="0"/>
-              <a:t>Utilised Git Flow:</a:t>
-            </a:r>
-          </a:p>
-          <a:p>
+              <a:t>Custom build environment setup</a:t>
+            </a:r>
+          </a:p>
+          <a:p>
+            <a:pPr lvl="1"/>
+            <a:r>
+              <a:rPr lang="en-ZA" dirty="0" err="1"/>
+              <a:t>Transpiling</a:t>
+            </a:r>
             <a:r>
               <a:rPr lang="en-ZA" dirty="0"/>
-              <a:t>Checkout development</a:t>
-            </a:r>
-          </a:p>
-          <a:p>
+              <a:t> Typescript</a:t>
+            </a:r>
+          </a:p>
+          <a:p>
+            <a:pPr lvl="1"/>
             <a:r>
               <a:rPr lang="en-ZA" dirty="0"/>
-              <a:t>Branch from development into our own branch</a:t>
-            </a:r>
-          </a:p>
-          <a:p>
+              <a:t>Environment setup</a:t>
+            </a:r>
+          </a:p>
+          <a:p>
+            <a:pPr lvl="1"/>
             <a:r>
               <a:rPr lang="en-ZA" dirty="0"/>
-              <a:t>Merge from own branch back into development</a:t>
-            </a:r>
-          </a:p>
-          <a:p>
+              <a:t>Testing setup (.</a:t>
+            </a:r>
+            <a:r>
+              <a:rPr lang="en-ZA" dirty="0" err="1"/>
+              <a:t>spec.ts</a:t>
+            </a:r>
             <a:r>
               <a:rPr lang="en-ZA" dirty="0"/>
-              <a:t>When development is up to standard…</a:t>
-            </a:r>
-          </a:p>
-          <a:p>
-            <a:r>
-              <a:rPr lang="en-ZA" dirty="0"/>
-              <a:t>Merge development with master</a:t>
-            </a:r>
+              <a:t>)</a:t>
+            </a:r>
+          </a:p>
+          <a:p>
+            <a:pPr lvl="1"/>
+            <a:endParaRPr lang="en-ZA" dirty="0"/>
+          </a:p>
+          <a:p>
+            <a:pPr lvl="1"/>
+            <a:endParaRPr lang="en-ZA" dirty="0"/>
           </a:p>
         </p:txBody>
       </p:sp>
     </p:spTree>
     <p:extLst>
       <p:ext uri="{BB962C8B-B14F-4D97-AF65-F5344CB8AC3E}">
-        <p14:creationId xmlns:p14="http://schemas.microsoft.com/office/powerpoint/2010/main" val="347774909"/>
+        <p14:creationId xmlns:p14="http://schemas.microsoft.com/office/powerpoint/2010/main" val="857446538"/>
       </p:ext>
     </p:extLst>
   </p:cSld>
@@ -12875,7 +12931,7 @@
           <p:cNvPr id="2" name="Title 1">
             <a:extLst>
               <a:ext uri="{FF2B5EF4-FFF2-40B4-BE49-F238E27FC236}">
-                <a16:creationId xmlns:a16="http://schemas.microsoft.com/office/drawing/2014/main" id="{18EB0C6A-6EAF-43B0-A65E-2A24E8EF52A3}"/>
+                <a16:creationId xmlns:a16="http://schemas.microsoft.com/office/drawing/2014/main" id="{D1B24DC7-2FB4-45FA-834E-4D94A58B7D38}"/>
               </a:ext>
             </a:extLst>
           </p:cNvPr>
@@ -12893,7 +12949,11 @@
           <a:p>
             <a:r>
               <a:rPr lang="en-US" dirty="0"/>
-              <a:t>Git Structure</a:t>
+              <a:t>Jarrod </a:t>
+            </a:r>
+            <a:r>
+              <a:rPr lang="en-US" dirty="0" err="1"/>
+              <a:t>Goschen</a:t>
             </a:r>
             <a:endParaRPr lang="en-ZA" dirty="0"/>
           </a:p>
@@ -12904,7 +12964,7 @@
           <p:cNvPr id="3" name="Content Placeholder 2">
             <a:extLst>
               <a:ext uri="{FF2B5EF4-FFF2-40B4-BE49-F238E27FC236}">
-                <a16:creationId xmlns:a16="http://schemas.microsoft.com/office/drawing/2014/main" id="{81507DF1-F101-41CA-9AA9-6E7333919574}"/>
+                <a16:creationId xmlns:a16="http://schemas.microsoft.com/office/drawing/2014/main" id="{EC67CB4B-6E57-43C4-80E6-A1C598ACF1DC}"/>
               </a:ext>
             </a:extLst>
           </p:cNvPr>
@@ -12920,44 +12980,14 @@
           <a:bodyPr/>
           <a:lstStyle/>
           <a:p>
-            <a:r>
-              <a:rPr lang="en-ZA" dirty="0"/>
-              <a:t>This pattern works well for us, because when we merge into master, it automatically deploys our server on Heroku</a:t>
-            </a:r>
-          </a:p>
-          <a:p>
-            <a:r>
-              <a:rPr lang="en-ZA" dirty="0"/>
-              <a:t>We used feature branching rather than person branching:</a:t>
-            </a:r>
-          </a:p>
-          <a:p>
-            <a:pPr lvl="1"/>
-            <a:r>
-              <a:rPr lang="en-ZA" dirty="0"/>
-              <a:t>Focus on tasks over people</a:t>
-            </a:r>
-          </a:p>
-          <a:p>
-            <a:pPr lvl="1"/>
-            <a:r>
-              <a:rPr lang="en-ZA" dirty="0"/>
-              <a:t>Collaborative development (you’re not intruding on other people’s work)</a:t>
-            </a:r>
-          </a:p>
-          <a:p>
-            <a:pPr lvl="1"/>
-            <a:r>
-              <a:rPr lang="en-ZA" dirty="0"/>
-              <a:t>If anything goes wrong, can easily go back to the feature branch where it was working</a:t>
-            </a:r>
+            <a:endParaRPr lang="en-ZA"/>
           </a:p>
         </p:txBody>
       </p:sp>
     </p:spTree>
     <p:extLst>
       <p:ext uri="{BB962C8B-B14F-4D97-AF65-F5344CB8AC3E}">
-        <p14:creationId xmlns:p14="http://schemas.microsoft.com/office/powerpoint/2010/main" val="2667958434"/>
+        <p14:creationId xmlns:p14="http://schemas.microsoft.com/office/powerpoint/2010/main" val="1283290924"/>
       </p:ext>
     </p:extLst>
   </p:cSld>
@@ -12989,7 +13019,7 @@
           <p:cNvPr id="2" name="Title 1">
             <a:extLst>
               <a:ext uri="{FF2B5EF4-FFF2-40B4-BE49-F238E27FC236}">
-                <a16:creationId xmlns:a16="http://schemas.microsoft.com/office/drawing/2014/main" id="{CC1617E5-A274-4CF7-A354-A44332598D84}"/>
+                <a16:creationId xmlns:a16="http://schemas.microsoft.com/office/drawing/2014/main" id="{FB5FFF3B-B357-48A5-81DD-B5A2DDB5920E}"/>
               </a:ext>
             </a:extLst>
           </p:cNvPr>
@@ -13007,7 +13037,7 @@
           <a:p>
             <a:r>
               <a:rPr lang="en-US" dirty="0"/>
-              <a:t>Technologies Used</a:t>
+              <a:t>Johan Nel</a:t>
             </a:r>
             <a:endParaRPr lang="en-ZA" dirty="0"/>
           </a:p>
@@ -13018,7 +13048,7 @@
           <p:cNvPr id="3" name="Content Placeholder 2">
             <a:extLst>
               <a:ext uri="{FF2B5EF4-FFF2-40B4-BE49-F238E27FC236}">
-                <a16:creationId xmlns:a16="http://schemas.microsoft.com/office/drawing/2014/main" id="{A41EB01A-DA95-4C0D-910E-9CC70FB487EA}"/>
+                <a16:creationId xmlns:a16="http://schemas.microsoft.com/office/drawing/2014/main" id="{C43F5128-4E91-42B9-BEE0-BDD71D3E2CC6}"/>
               </a:ext>
             </a:extLst>
           </p:cNvPr>
@@ -13031,66 +13061,17 @@
         </p:nvSpPr>
         <p:spPr/>
         <p:txBody>
-          <a:bodyPr>
-            <a:normAutofit fontScale="92500" lnSpcReduction="10000"/>
-          </a:bodyPr>
+          <a:bodyPr/>
           <a:lstStyle/>
           <a:p>
-            <a:r>
-              <a:rPr lang="en-US" dirty="0"/>
-              <a:t>GitHub</a:t>
-            </a:r>
-          </a:p>
-          <a:p>
-            <a:r>
-              <a:rPr lang="en-US" dirty="0"/>
-              <a:t>Nodejs (plus </a:t>
-            </a:r>
-            <a:r>
-              <a:rPr lang="en-US" dirty="0" err="1"/>
-              <a:t>npm</a:t>
-            </a:r>
-            <a:r>
-              <a:rPr lang="en-US" dirty="0"/>
-              <a:t> for package management)</a:t>
-            </a:r>
-          </a:p>
-          <a:p>
-            <a:r>
-              <a:rPr lang="en-US" dirty="0"/>
-              <a:t>Express.js</a:t>
-            </a:r>
-          </a:p>
-          <a:p>
-            <a:r>
-              <a:rPr lang="en-US" dirty="0"/>
-              <a:t>Typescript</a:t>
-            </a:r>
-          </a:p>
-          <a:p>
-            <a:r>
-              <a:rPr lang="en-US" dirty="0"/>
-              <a:t>SQLite</a:t>
-            </a:r>
-          </a:p>
-          <a:p>
-            <a:r>
-              <a:rPr lang="en-US" dirty="0"/>
-              <a:t>Heroku</a:t>
-            </a:r>
-          </a:p>
-          <a:p>
-            <a:r>
-              <a:rPr lang="en-US" dirty="0"/>
-              <a:t>Mocha and Chai</a:t>
-            </a:r>
+            <a:endParaRPr lang="en-ZA"/>
           </a:p>
         </p:txBody>
       </p:sp>
     </p:spTree>
     <p:extLst>
       <p:ext uri="{BB962C8B-B14F-4D97-AF65-F5344CB8AC3E}">
-        <p14:creationId xmlns:p14="http://schemas.microsoft.com/office/powerpoint/2010/main" val="3673168692"/>
+        <p14:creationId xmlns:p14="http://schemas.microsoft.com/office/powerpoint/2010/main" val="217040745"/>
       </p:ext>
     </p:extLst>
   </p:cSld>
@@ -13122,7 +13103,7 @@
           <p:cNvPr id="2" name="Title 1">
             <a:extLst>
               <a:ext uri="{FF2B5EF4-FFF2-40B4-BE49-F238E27FC236}">
-                <a16:creationId xmlns:a16="http://schemas.microsoft.com/office/drawing/2014/main" id="{4443A229-B7E5-424E-A0BA-36704D9559CF}"/>
+                <a16:creationId xmlns:a16="http://schemas.microsoft.com/office/drawing/2014/main" id="{878222C0-2DF4-496A-A835-45A3B6761DC7}"/>
               </a:ext>
             </a:extLst>
           </p:cNvPr>
@@ -13140,7 +13121,11 @@
           <a:p>
             <a:r>
               <a:rPr lang="en-US" dirty="0"/>
-              <a:t>Mock Functionality</a:t>
+              <a:t>Given </a:t>
+            </a:r>
+            <a:r>
+              <a:rPr lang="en-US" dirty="0" err="1"/>
+              <a:t>Rakgoale</a:t>
             </a:r>
             <a:endParaRPr lang="en-ZA" dirty="0"/>
           </a:p>
@@ -13151,7 +13136,7 @@
           <p:cNvPr id="3" name="Content Placeholder 2">
             <a:extLst>
               <a:ext uri="{FF2B5EF4-FFF2-40B4-BE49-F238E27FC236}">
-                <a16:creationId xmlns:a16="http://schemas.microsoft.com/office/drawing/2014/main" id="{6ADCEE9B-0E7E-428F-956C-B918BDA8B99C}"/>
+                <a16:creationId xmlns:a16="http://schemas.microsoft.com/office/drawing/2014/main" id="{E86DDB3D-40BC-4107-9399-CEBB34D1DB55}"/>
               </a:ext>
             </a:extLst>
           </p:cNvPr>
@@ -13167,61 +13152,14 @@
           <a:bodyPr/>
           <a:lstStyle/>
           <a:p>
-            <a:r>
-              <a:rPr lang="en-US" dirty="0"/>
-              <a:t>Used SQLite database</a:t>
-            </a:r>
-          </a:p>
-          <a:p>
-            <a:pPr lvl="1"/>
-            <a:r>
-              <a:rPr lang="en-US" dirty="0"/>
-              <a:t>Simple, fast implementation</a:t>
-            </a:r>
-          </a:p>
-          <a:p>
-            <a:pPr lvl="1"/>
-            <a:r>
-              <a:rPr lang="en-US" dirty="0"/>
-              <a:t>Don’t have to worry about authentication</a:t>
-            </a:r>
-          </a:p>
-          <a:p>
-            <a:pPr lvl="1"/>
-            <a:r>
-              <a:rPr lang="en-US" dirty="0"/>
-              <a:t>Not distributed</a:t>
-            </a:r>
-          </a:p>
-          <a:p>
-            <a:pPr lvl="1"/>
-            <a:r>
-              <a:rPr lang="en-US" dirty="0"/>
-              <a:t>No redundancy</a:t>
-            </a:r>
-          </a:p>
-          <a:p>
-            <a:pPr lvl="1"/>
-            <a:r>
-              <a:rPr lang="en-US" dirty="0"/>
-              <a:t>No backups</a:t>
-            </a:r>
             <a:endParaRPr lang="en-ZA" dirty="0"/>
-          </a:p>
-          <a:p>
-            <a:pPr lvl="1"/>
-            <a:r>
-              <a:rPr lang="en-ZA" dirty="0"/>
-              <a:t>Plan to move to a DDBMS in production</a:t>
-            </a:r>
-            <a:endParaRPr lang="en-US" dirty="0"/>
           </a:p>
         </p:txBody>
       </p:sp>
     </p:spTree>
     <p:extLst>
       <p:ext uri="{BB962C8B-B14F-4D97-AF65-F5344CB8AC3E}">
-        <p14:creationId xmlns:p14="http://schemas.microsoft.com/office/powerpoint/2010/main" val="2835187550"/>
+        <p14:creationId xmlns:p14="http://schemas.microsoft.com/office/powerpoint/2010/main" val="3989051781"/>
       </p:ext>
     </p:extLst>
   </p:cSld>
@@ -13250,7 +13188,13 @@
       </p:grpSpPr>
       <p:sp>
         <p:nvSpPr>
-          <p:cNvPr id="2" name="Title 1"/>
+          <p:cNvPr id="2" name="Title 1">
+            <a:extLst>
+              <a:ext uri="{FF2B5EF4-FFF2-40B4-BE49-F238E27FC236}">
+                <a16:creationId xmlns:a16="http://schemas.microsoft.com/office/drawing/2014/main" id="{DB002D76-779E-42AC-8103-5CA78FCA9529}"/>
+              </a:ext>
+            </a:extLst>
+          </p:cNvPr>
           <p:cNvSpPr>
             <a:spLocks noGrp="1"/>
           </p:cNvSpPr>
@@ -13264,15 +13208,22 @@
           <a:lstStyle/>
           <a:p>
             <a:r>
-              <a:rPr lang="en-ZA" dirty="0"/>
-              <a:t>Unit testing</a:t>
-            </a:r>
+              <a:rPr lang="en-US" dirty="0"/>
+              <a:t>Dewald van Hoven</a:t>
+            </a:r>
+            <a:endParaRPr lang="en-ZA" dirty="0"/>
           </a:p>
         </p:txBody>
       </p:sp>
       <p:sp>
         <p:nvSpPr>
-          <p:cNvPr id="3" name="Content Placeholder 2"/>
+          <p:cNvPr id="3" name="Content Placeholder 2">
+            <a:extLst>
+              <a:ext uri="{FF2B5EF4-FFF2-40B4-BE49-F238E27FC236}">
+                <a16:creationId xmlns:a16="http://schemas.microsoft.com/office/drawing/2014/main" id="{56D0F6FB-16D0-4F8C-9C3D-88D897B1F4B6}"/>
+              </a:ext>
+            </a:extLst>
+          </p:cNvPr>
           <p:cNvSpPr>
             <a:spLocks noGrp="1"/>
           </p:cNvSpPr>
@@ -13285,44 +13236,152 @@
           <a:bodyPr/>
           <a:lstStyle/>
           <a:p>
-            <a:pPr marL="0" indent="0">
-              <a:buNone/>
-            </a:pPr>
-            <a:r>
-              <a:rPr lang="en-ZA" dirty="0"/>
-              <a:t>Made use of:</a:t>
-            </a:r>
-          </a:p>
-          <a:p>
-            <a:r>
-              <a:rPr lang="en-ZA" dirty="0"/>
-              <a:t>Mocha</a:t>
-            </a:r>
-          </a:p>
-          <a:p>
-            <a:r>
-              <a:rPr lang="en-ZA" dirty="0"/>
-              <a:t>Chai</a:t>
-            </a:r>
-          </a:p>
-          <a:p>
             <a:endParaRPr lang="en-ZA" dirty="0"/>
-          </a:p>
-          <a:p>
-            <a:pPr marL="0" indent="0">
-              <a:buNone/>
-            </a:pPr>
-            <a:r>
-              <a:rPr lang="en-ZA" dirty="0"/>
-              <a:t>Tests API endpoints to ensure edge cases are working as desired.</a:t>
-            </a:r>
           </a:p>
         </p:txBody>
       </p:sp>
     </p:spTree>
     <p:extLst>
       <p:ext uri="{BB962C8B-B14F-4D97-AF65-F5344CB8AC3E}">
-        <p14:creationId xmlns:p14="http://schemas.microsoft.com/office/powerpoint/2010/main" val="3799279281"/>
+        <p14:creationId xmlns:p14="http://schemas.microsoft.com/office/powerpoint/2010/main" val="2087194097"/>
+      </p:ext>
+    </p:extLst>
+  </p:cSld>
+  <p:clrMapOvr>
+    <a:masterClrMapping/>
+  </p:clrMapOvr>
+</p:sld>
+</file>
+
+<file path=ppt/slides/slide9.xml><?xml version="1.0" encoding="utf-8"?>
+<p:sld xmlns:a="http://schemas.openxmlformats.org/drawingml/2006/main" xmlns:r="http://schemas.openxmlformats.org/officeDocument/2006/relationships" xmlns:p="http://schemas.openxmlformats.org/presentationml/2006/main">
+  <p:cSld>
+    <p:spTree>
+      <p:nvGrpSpPr>
+        <p:cNvPr id="1" name=""/>
+        <p:cNvGrpSpPr/>
+        <p:nvPr/>
+      </p:nvGrpSpPr>
+      <p:grpSpPr>
+        <a:xfrm>
+          <a:off x="0" y="0"/>
+          <a:ext cx="0" cy="0"/>
+          <a:chOff x="0" y="0"/>
+          <a:chExt cx="0" cy="0"/>
+        </a:xfrm>
+      </p:grpSpPr>
+      <p:sp>
+        <p:nvSpPr>
+          <p:cNvPr id="2" name="Title 1">
+            <a:extLst>
+              <a:ext uri="{FF2B5EF4-FFF2-40B4-BE49-F238E27FC236}">
+                <a16:creationId xmlns:a16="http://schemas.microsoft.com/office/drawing/2014/main" id="{DB0A529F-5A33-48B3-86C6-EBB25FF53F1E}"/>
+              </a:ext>
+            </a:extLst>
+          </p:cNvPr>
+          <p:cNvSpPr>
+            <a:spLocks noGrp="1"/>
+          </p:cNvSpPr>
+          <p:nvPr>
+            <p:ph type="title"/>
+          </p:nvPr>
+        </p:nvSpPr>
+        <p:spPr/>
+        <p:txBody>
+          <a:bodyPr/>
+          <a:lstStyle/>
+          <a:p>
+            <a:r>
+              <a:rPr lang="en-US" dirty="0"/>
+              <a:t>“Any other fancy stuff”</a:t>
+            </a:r>
+            <a:endParaRPr lang="en-ZA" dirty="0"/>
+          </a:p>
+        </p:txBody>
+      </p:sp>
+      <p:sp>
+        <p:nvSpPr>
+          <p:cNvPr id="3" name="Content Placeholder 2">
+            <a:extLst>
+              <a:ext uri="{FF2B5EF4-FFF2-40B4-BE49-F238E27FC236}">
+                <a16:creationId xmlns:a16="http://schemas.microsoft.com/office/drawing/2014/main" id="{80BB8A29-DD73-4E53-8FC5-F0CF16209C2D}"/>
+              </a:ext>
+            </a:extLst>
+          </p:cNvPr>
+          <p:cNvSpPr>
+            <a:spLocks noGrp="1"/>
+          </p:cNvSpPr>
+          <p:nvPr>
+            <p:ph idx="1"/>
+          </p:nvPr>
+        </p:nvSpPr>
+        <p:spPr/>
+        <p:txBody>
+          <a:bodyPr/>
+          <a:lstStyle/>
+          <a:p>
+            <a:r>
+              <a:rPr lang="en-US" dirty="0"/>
+              <a:t>Heroku</a:t>
+            </a:r>
+          </a:p>
+          <a:p>
+            <a:pPr lvl="1"/>
+            <a:r>
+              <a:rPr lang="en-US" dirty="0"/>
+              <a:t>Continuous deployment</a:t>
+            </a:r>
+          </a:p>
+          <a:p>
+            <a:pPr lvl="1"/>
+            <a:r>
+              <a:rPr lang="en-US" dirty="0"/>
+              <a:t>Staging server</a:t>
+            </a:r>
+          </a:p>
+          <a:p>
+            <a:r>
+              <a:rPr lang="en-US" dirty="0"/>
+              <a:t>Custom build environment</a:t>
+            </a:r>
+          </a:p>
+          <a:p>
+            <a:pPr lvl="1"/>
+            <a:r>
+              <a:rPr lang="en-US" dirty="0"/>
+              <a:t>.env file for local development database</a:t>
+            </a:r>
+            <a:endParaRPr lang="en-ZA" dirty="0"/>
+          </a:p>
+          <a:p>
+            <a:r>
+              <a:rPr lang="en-ZA" dirty="0"/>
+              <a:t>Travis CI integration for unit testing on PR</a:t>
+            </a:r>
+          </a:p>
+          <a:p>
+            <a:r>
+              <a:rPr lang="en-ZA" dirty="0"/>
+              <a:t>Slack </a:t>
+            </a:r>
+            <a:r>
+              <a:rPr lang="en-ZA" dirty="0" err="1"/>
+              <a:t>Github</a:t>
+            </a:r>
+            <a:r>
+              <a:rPr lang="en-ZA" dirty="0"/>
+              <a:t> integration for updates</a:t>
+            </a:r>
+          </a:p>
+          <a:p>
+            <a:endParaRPr lang="en-US" dirty="0"/>
+          </a:p>
+        </p:txBody>
+      </p:sp>
+    </p:spTree>
+    <p:extLst>
+      <p:ext uri="{BB962C8B-B14F-4D97-AF65-F5344CB8AC3E}">
+        <p14:creationId xmlns:p14="http://schemas.microsoft.com/office/powerpoint/2010/main" val="3129451473"/>
       </p:ext>
     </p:extLst>
   </p:cSld>

--- a/Ocean - NFC Slide Show.pptx
+++ b/Ocean - NFC Slide Show.pptx
@@ -170,7 +170,7 @@
           <a:noFill/>
           <a:extLst>
             <a:ext uri="{909E8E84-426E-40dd-AFC4-6F175D3DCCD1}">
-              <a14:hiddenFill xmlns="" xmlns:a14="http://schemas.microsoft.com/office/drawing/2010/main">
+              <a14:hiddenFill xmlns:a14="http://schemas.microsoft.com/office/drawing/2010/main" xmlns="">
                 <a:solidFill>
                   <a:srgbClr val="FFFFFF"/>
                 </a:solidFill>
@@ -230,7 +230,7 @@
             </a:ln>
             <a:extLst>
               <a:ext uri="{91240B29-F687-4f45-9708-019B960494DF}">
-                <a14:hiddenLine xmlns="" xmlns:a14="http://schemas.microsoft.com/office/drawing/2010/main" w="9525">
+                <a14:hiddenLine xmlns:a14="http://schemas.microsoft.com/office/drawing/2010/main" xmlns="" w="9525">
                   <a:solidFill>
                     <a:srgbClr val="000000"/>
                   </a:solidFill>
@@ -320,7 +320,7 @@
             </a:ln>
             <a:extLst>
               <a:ext uri="{91240B29-F687-4f45-9708-019B960494DF}">
-                <a14:hiddenLine xmlns="" xmlns:a14="http://schemas.microsoft.com/office/drawing/2010/main" w="9525">
+                <a14:hiddenLine xmlns:a14="http://schemas.microsoft.com/office/drawing/2010/main" xmlns="" w="9525">
                   <a:solidFill>
                     <a:srgbClr val="000000"/>
                   </a:solidFill>
@@ -410,7 +410,7 @@
             </a:ln>
             <a:extLst>
               <a:ext uri="{91240B29-F687-4f45-9708-019B960494DF}">
-                <a14:hiddenLine xmlns="" xmlns:a14="http://schemas.microsoft.com/office/drawing/2010/main" w="9525">
+                <a14:hiddenLine xmlns:a14="http://schemas.microsoft.com/office/drawing/2010/main" xmlns="" w="9525">
                   <a:solidFill>
                     <a:srgbClr val="000000"/>
                   </a:solidFill>
@@ -444,7 +444,7 @@
             </a:ln>
             <a:extLst>
               <a:ext uri="{91240B29-F687-4f45-9708-019B960494DF}">
-                <a14:hiddenLine xmlns="" xmlns:a14="http://schemas.microsoft.com/office/drawing/2010/main" w="9525">
+                <a14:hiddenLine xmlns:a14="http://schemas.microsoft.com/office/drawing/2010/main" xmlns="" w="9525">
                   <a:solidFill>
                     <a:srgbClr val="000000"/>
                   </a:solidFill>
@@ -534,7 +534,7 @@
             </a:ln>
             <a:extLst>
               <a:ext uri="{91240B29-F687-4f45-9708-019B960494DF}">
-                <a14:hiddenLine xmlns="" xmlns:a14="http://schemas.microsoft.com/office/drawing/2010/main" w="9525">
+                <a14:hiddenLine xmlns:a14="http://schemas.microsoft.com/office/drawing/2010/main" xmlns="" w="9525">
                   <a:solidFill>
                     <a:srgbClr val="000000"/>
                   </a:solidFill>
@@ -596,7 +596,7 @@
             </a:ln>
             <a:extLst>
               <a:ext uri="{91240B29-F687-4f45-9708-019B960494DF}">
-                <a14:hiddenLine xmlns="" xmlns:a14="http://schemas.microsoft.com/office/drawing/2010/main" w="9525">
+                <a14:hiddenLine xmlns:a14="http://schemas.microsoft.com/office/drawing/2010/main" xmlns="" w="9525">
                   <a:solidFill>
                     <a:srgbClr val="000000"/>
                   </a:solidFill>
@@ -658,7 +658,7 @@
             </a:ln>
             <a:extLst>
               <a:ext uri="{91240B29-F687-4f45-9708-019B960494DF}">
-                <a14:hiddenLine xmlns="" xmlns:a14="http://schemas.microsoft.com/office/drawing/2010/main" w="9525">
+                <a14:hiddenLine xmlns:a14="http://schemas.microsoft.com/office/drawing/2010/main" xmlns="" w="9525">
                   <a:solidFill>
                     <a:srgbClr val="000000"/>
                   </a:solidFill>
@@ -748,7 +748,7 @@
             </a:ln>
             <a:extLst>
               <a:ext uri="{91240B29-F687-4f45-9708-019B960494DF}">
-                <a14:hiddenLine xmlns="" xmlns:a14="http://schemas.microsoft.com/office/drawing/2010/main" w="9525">
+                <a14:hiddenLine xmlns:a14="http://schemas.microsoft.com/office/drawing/2010/main" xmlns="" w="9525">
                   <a:solidFill>
                     <a:srgbClr val="000000"/>
                   </a:solidFill>
@@ -810,7 +810,7 @@
             </a:ln>
             <a:extLst>
               <a:ext uri="{91240B29-F687-4f45-9708-019B960494DF}">
-                <a14:hiddenLine xmlns="" xmlns:a14="http://schemas.microsoft.com/office/drawing/2010/main" w="9525">
+                <a14:hiddenLine xmlns:a14="http://schemas.microsoft.com/office/drawing/2010/main" xmlns="" w="9525">
                   <a:solidFill>
                     <a:srgbClr val="000000"/>
                   </a:solidFill>
@@ -872,7 +872,7 @@
             </a:ln>
             <a:extLst>
               <a:ext uri="{91240B29-F687-4f45-9708-019B960494DF}">
-                <a14:hiddenLine xmlns="" xmlns:a14="http://schemas.microsoft.com/office/drawing/2010/main" w="9525">
+                <a14:hiddenLine xmlns:a14="http://schemas.microsoft.com/office/drawing/2010/main" xmlns="" w="9525">
                   <a:solidFill>
                     <a:srgbClr val="000000"/>
                   </a:solidFill>
@@ -962,7 +962,7 @@
             </a:ln>
             <a:extLst>
               <a:ext uri="{91240B29-F687-4f45-9708-019B960494DF}">
-                <a14:hiddenLine xmlns="" xmlns:a14="http://schemas.microsoft.com/office/drawing/2010/main" w="9525">
+                <a14:hiddenLine xmlns:a14="http://schemas.microsoft.com/office/drawing/2010/main" xmlns="" w="9525">
                   <a:solidFill>
                     <a:srgbClr val="000000"/>
                   </a:solidFill>
@@ -1052,7 +1052,7 @@
             </a:ln>
             <a:extLst>
               <a:ext uri="{91240B29-F687-4f45-9708-019B960494DF}">
-                <a14:hiddenLine xmlns="" xmlns:a14="http://schemas.microsoft.com/office/drawing/2010/main" w="9525">
+                <a14:hiddenLine xmlns:a14="http://schemas.microsoft.com/office/drawing/2010/main" xmlns="" w="9525">
                   <a:solidFill>
                     <a:srgbClr val="000000"/>
                   </a:solidFill>
@@ -1114,7 +1114,7 @@
             </a:ln>
             <a:extLst>
               <a:ext uri="{91240B29-F687-4f45-9708-019B960494DF}">
-                <a14:hiddenLine xmlns="" xmlns:a14="http://schemas.microsoft.com/office/drawing/2010/main" w="9525">
+                <a14:hiddenLine xmlns:a14="http://schemas.microsoft.com/office/drawing/2010/main" xmlns="" w="9525">
                   <a:solidFill>
                     <a:srgbClr val="000000"/>
                   </a:solidFill>
@@ -1224,7 +1224,7 @@
             </a:ln>
             <a:extLst>
               <a:ext uri="{91240B29-F687-4f45-9708-019B960494DF}">
-                <a14:hiddenLine xmlns="" xmlns:a14="http://schemas.microsoft.com/office/drawing/2010/main" w="9525">
+                <a14:hiddenLine xmlns:a14="http://schemas.microsoft.com/office/drawing/2010/main" xmlns="" w="9525">
                   <a:solidFill>
                     <a:srgbClr val="000000"/>
                   </a:solidFill>
@@ -1286,7 +1286,7 @@
             </a:ln>
             <a:extLst>
               <a:ext uri="{91240B29-F687-4f45-9708-019B960494DF}">
-                <a14:hiddenLine xmlns="" xmlns:a14="http://schemas.microsoft.com/office/drawing/2010/main" w="9525">
+                <a14:hiddenLine xmlns:a14="http://schemas.microsoft.com/office/drawing/2010/main" xmlns="" w="9525">
                   <a:solidFill>
                     <a:srgbClr val="000000"/>
                   </a:solidFill>
@@ -1376,7 +1376,7 @@
             </a:ln>
             <a:extLst>
               <a:ext uri="{91240B29-F687-4f45-9708-019B960494DF}">
-                <a14:hiddenLine xmlns="" xmlns:a14="http://schemas.microsoft.com/office/drawing/2010/main" w="9525">
+                <a14:hiddenLine xmlns:a14="http://schemas.microsoft.com/office/drawing/2010/main" xmlns="" w="9525">
                   <a:solidFill>
                     <a:srgbClr val="000000"/>
                   </a:solidFill>
@@ -1466,7 +1466,7 @@
             </a:ln>
             <a:extLst>
               <a:ext uri="{91240B29-F687-4f45-9708-019B960494DF}">
-                <a14:hiddenLine xmlns="" xmlns:a14="http://schemas.microsoft.com/office/drawing/2010/main" w="9525">
+                <a14:hiddenLine xmlns:a14="http://schemas.microsoft.com/office/drawing/2010/main" xmlns="" w="9525">
                   <a:solidFill>
                     <a:srgbClr val="000000"/>
                   </a:solidFill>
@@ -1528,7 +1528,7 @@
             </a:ln>
             <a:extLst>
               <a:ext uri="{91240B29-F687-4f45-9708-019B960494DF}">
-                <a14:hiddenLine xmlns="" xmlns:a14="http://schemas.microsoft.com/office/drawing/2010/main" w="9525">
+                <a14:hiddenLine xmlns:a14="http://schemas.microsoft.com/office/drawing/2010/main" xmlns="" w="9525">
                   <a:solidFill>
                     <a:srgbClr val="000000"/>
                   </a:solidFill>
@@ -1618,7 +1618,7 @@
             </a:ln>
             <a:extLst>
               <a:ext uri="{91240B29-F687-4f45-9708-019B960494DF}">
-                <a14:hiddenLine xmlns="" xmlns:a14="http://schemas.microsoft.com/office/drawing/2010/main" w="9525">
+                <a14:hiddenLine xmlns:a14="http://schemas.microsoft.com/office/drawing/2010/main" xmlns="" w="9525">
                   <a:solidFill>
                     <a:srgbClr val="000000"/>
                   </a:solidFill>
@@ -1708,7 +1708,7 @@
             </a:ln>
             <a:extLst>
               <a:ext uri="{91240B29-F687-4f45-9708-019B960494DF}">
-                <a14:hiddenLine xmlns="" xmlns:a14="http://schemas.microsoft.com/office/drawing/2010/main" w="9525">
+                <a14:hiddenLine xmlns:a14="http://schemas.microsoft.com/office/drawing/2010/main" xmlns="" w="9525">
                   <a:solidFill>
                     <a:srgbClr val="000000"/>
                   </a:solidFill>
@@ -1764,7 +1764,7 @@
             </a:ln>
             <a:extLst>
               <a:ext uri="{91240B29-F687-4f45-9708-019B960494DF}">
-                <a14:hiddenLine xmlns="" xmlns:a14="http://schemas.microsoft.com/office/drawing/2010/main" w="9525">
+                <a14:hiddenLine xmlns:a14="http://schemas.microsoft.com/office/drawing/2010/main" xmlns="" w="9525">
                   <a:solidFill>
                     <a:srgbClr val="000000"/>
                   </a:solidFill>
@@ -1854,7 +1854,7 @@
             </a:ln>
             <a:extLst>
               <a:ext uri="{91240B29-F687-4f45-9708-019B960494DF}">
-                <a14:hiddenLine xmlns="" xmlns:a14="http://schemas.microsoft.com/office/drawing/2010/main" w="9525">
+                <a14:hiddenLine xmlns:a14="http://schemas.microsoft.com/office/drawing/2010/main" xmlns="" w="9525">
                   <a:solidFill>
                     <a:srgbClr val="000000"/>
                   </a:solidFill>
@@ -1910,7 +1910,7 @@
             </a:ln>
             <a:extLst>
               <a:ext uri="{91240B29-F687-4f45-9708-019B960494DF}">
-                <a14:hiddenLine xmlns="" xmlns:a14="http://schemas.microsoft.com/office/drawing/2010/main" w="9525">
+                <a14:hiddenLine xmlns:a14="http://schemas.microsoft.com/office/drawing/2010/main" xmlns="" w="9525">
                   <a:solidFill>
                     <a:srgbClr val="000000"/>
                   </a:solidFill>
@@ -2000,7 +2000,7 @@
             </a:ln>
             <a:extLst>
               <a:ext uri="{91240B29-F687-4f45-9708-019B960494DF}">
-                <a14:hiddenLine xmlns="" xmlns:a14="http://schemas.microsoft.com/office/drawing/2010/main" w="9525">
+                <a14:hiddenLine xmlns:a14="http://schemas.microsoft.com/office/drawing/2010/main" xmlns="" w="9525">
                   <a:solidFill>
                     <a:srgbClr val="000000"/>
                   </a:solidFill>
@@ -2068,7 +2068,7 @@
             </a:ln>
             <a:extLst>
               <a:ext uri="{91240B29-F687-4f45-9708-019B960494DF}">
-                <a14:hiddenLine xmlns="" xmlns:a14="http://schemas.microsoft.com/office/drawing/2010/main" w="9525">
+                <a14:hiddenLine xmlns:a14="http://schemas.microsoft.com/office/drawing/2010/main" xmlns="" w="9525">
                   <a:solidFill>
                     <a:srgbClr val="000000"/>
                   </a:solidFill>
@@ -2158,7 +2158,7 @@
             </a:ln>
             <a:extLst>
               <a:ext uri="{91240B29-F687-4f45-9708-019B960494DF}">
-                <a14:hiddenLine xmlns="" xmlns:a14="http://schemas.microsoft.com/office/drawing/2010/main" w="9525">
+                <a14:hiddenLine xmlns:a14="http://schemas.microsoft.com/office/drawing/2010/main" xmlns="" w="9525">
                   <a:solidFill>
                     <a:srgbClr val="000000"/>
                   </a:solidFill>
@@ -2226,7 +2226,7 @@
             </a:ln>
             <a:extLst>
               <a:ext uri="{91240B29-F687-4f45-9708-019B960494DF}">
-                <a14:hiddenLine xmlns="" xmlns:a14="http://schemas.microsoft.com/office/drawing/2010/main" w="9525">
+                <a14:hiddenLine xmlns:a14="http://schemas.microsoft.com/office/drawing/2010/main" xmlns="" w="9525">
                   <a:solidFill>
                     <a:srgbClr val="000000"/>
                   </a:solidFill>
@@ -2316,7 +2316,7 @@
             </a:ln>
             <a:extLst>
               <a:ext uri="{91240B29-F687-4f45-9708-019B960494DF}">
-                <a14:hiddenLine xmlns="" xmlns:a14="http://schemas.microsoft.com/office/drawing/2010/main" w="9525">
+                <a14:hiddenLine xmlns:a14="http://schemas.microsoft.com/office/drawing/2010/main" xmlns="" w="9525">
                   <a:solidFill>
                     <a:srgbClr val="000000"/>
                   </a:solidFill>
@@ -2350,7 +2350,7 @@
             </a:ln>
             <a:extLst>
               <a:ext uri="{91240B29-F687-4f45-9708-019B960494DF}">
-                <a14:hiddenLine xmlns="" xmlns:a14="http://schemas.microsoft.com/office/drawing/2010/main" w="9525">
+                <a14:hiddenLine xmlns:a14="http://schemas.microsoft.com/office/drawing/2010/main" xmlns="" w="9525">
                   <a:solidFill>
                     <a:srgbClr val="000000"/>
                   </a:solidFill>
@@ -2440,7 +2440,7 @@
             </a:ln>
             <a:extLst>
               <a:ext uri="{91240B29-F687-4f45-9708-019B960494DF}">
-                <a14:hiddenLine xmlns="" xmlns:a14="http://schemas.microsoft.com/office/drawing/2010/main" w="9525">
+                <a14:hiddenLine xmlns:a14="http://schemas.microsoft.com/office/drawing/2010/main" xmlns="" w="9525">
                   <a:solidFill>
                     <a:srgbClr val="000000"/>
                   </a:solidFill>
@@ -2502,7 +2502,7 @@
             </a:ln>
             <a:extLst>
               <a:ext uri="{91240B29-F687-4f45-9708-019B960494DF}">
-                <a14:hiddenLine xmlns="" xmlns:a14="http://schemas.microsoft.com/office/drawing/2010/main" w="9525">
+                <a14:hiddenLine xmlns:a14="http://schemas.microsoft.com/office/drawing/2010/main" xmlns="" w="9525">
                   <a:solidFill>
                     <a:srgbClr val="000000"/>
                   </a:solidFill>
@@ -2564,7 +2564,7 @@
             </a:ln>
             <a:extLst>
               <a:ext uri="{91240B29-F687-4f45-9708-019B960494DF}">
-                <a14:hiddenLine xmlns="" xmlns:a14="http://schemas.microsoft.com/office/drawing/2010/main" w="9525">
+                <a14:hiddenLine xmlns:a14="http://schemas.microsoft.com/office/drawing/2010/main" xmlns="" w="9525">
                   <a:solidFill>
                     <a:srgbClr val="000000"/>
                   </a:solidFill>
@@ -2654,7 +2654,7 @@
             </a:ln>
             <a:extLst>
               <a:ext uri="{91240B29-F687-4f45-9708-019B960494DF}">
-                <a14:hiddenLine xmlns="" xmlns:a14="http://schemas.microsoft.com/office/drawing/2010/main" w="9525">
+                <a14:hiddenLine xmlns:a14="http://schemas.microsoft.com/office/drawing/2010/main" xmlns="" w="9525">
                   <a:solidFill>
                     <a:srgbClr val="000000"/>
                   </a:solidFill>
@@ -2722,7 +2722,7 @@
             </a:ln>
             <a:extLst>
               <a:ext uri="{91240B29-F687-4f45-9708-019B960494DF}">
-                <a14:hiddenLine xmlns="" xmlns:a14="http://schemas.microsoft.com/office/drawing/2010/main" w="9525">
+                <a14:hiddenLine xmlns:a14="http://schemas.microsoft.com/office/drawing/2010/main" xmlns="" w="9525">
                   <a:solidFill>
                     <a:srgbClr val="000000"/>
                   </a:solidFill>
@@ -2784,7 +2784,7 @@
             </a:ln>
             <a:extLst>
               <a:ext uri="{91240B29-F687-4f45-9708-019B960494DF}">
-                <a14:hiddenLine xmlns="" xmlns:a14="http://schemas.microsoft.com/office/drawing/2010/main" w="9525">
+                <a14:hiddenLine xmlns:a14="http://schemas.microsoft.com/office/drawing/2010/main" xmlns="" w="9525">
                   <a:solidFill>
                     <a:srgbClr val="000000"/>
                   </a:solidFill>
@@ -2874,7 +2874,7 @@
             </a:ln>
             <a:extLst>
               <a:ext uri="{91240B29-F687-4f45-9708-019B960494DF}">
-                <a14:hiddenLine xmlns="" xmlns:a14="http://schemas.microsoft.com/office/drawing/2010/main" w="9525">
+                <a14:hiddenLine xmlns:a14="http://schemas.microsoft.com/office/drawing/2010/main" xmlns="" w="9525">
                   <a:solidFill>
                     <a:srgbClr val="000000"/>
                   </a:solidFill>
@@ -2936,7 +2936,7 @@
             </a:ln>
             <a:extLst>
               <a:ext uri="{91240B29-F687-4f45-9708-019B960494DF}">
-                <a14:hiddenLine xmlns="" xmlns:a14="http://schemas.microsoft.com/office/drawing/2010/main" w="9525">
+                <a14:hiddenLine xmlns:a14="http://schemas.microsoft.com/office/drawing/2010/main" xmlns="" w="9525">
                   <a:solidFill>
                     <a:srgbClr val="000000"/>
                   </a:solidFill>
@@ -3026,7 +3026,7 @@
             </a:ln>
             <a:extLst>
               <a:ext uri="{91240B29-F687-4f45-9708-019B960494DF}">
-                <a14:hiddenLine xmlns="" xmlns:a14="http://schemas.microsoft.com/office/drawing/2010/main" w="9525">
+                <a14:hiddenLine xmlns:a14="http://schemas.microsoft.com/office/drawing/2010/main" xmlns="" w="9525">
                   <a:solidFill>
                     <a:srgbClr val="000000"/>
                   </a:solidFill>
@@ -3088,7 +3088,7 @@
             </a:ln>
             <a:extLst>
               <a:ext uri="{91240B29-F687-4f45-9708-019B960494DF}">
-                <a14:hiddenLine xmlns="" xmlns:a14="http://schemas.microsoft.com/office/drawing/2010/main" w="9525">
+                <a14:hiddenLine xmlns:a14="http://schemas.microsoft.com/office/drawing/2010/main" xmlns="" w="9525">
                   <a:solidFill>
                     <a:srgbClr val="000000"/>
                   </a:solidFill>
@@ -3178,7 +3178,7 @@
             </a:ln>
             <a:extLst>
               <a:ext uri="{91240B29-F687-4f45-9708-019B960494DF}">
-                <a14:hiddenLine xmlns="" xmlns:a14="http://schemas.microsoft.com/office/drawing/2010/main" w="9525">
+                <a14:hiddenLine xmlns:a14="http://schemas.microsoft.com/office/drawing/2010/main" xmlns="" w="9525">
                   <a:solidFill>
                     <a:srgbClr val="000000"/>
                   </a:solidFill>
@@ -3212,7 +3212,7 @@
             </a:ln>
             <a:extLst>
               <a:ext uri="{91240B29-F687-4f45-9708-019B960494DF}">
-                <a14:hiddenLine xmlns="" xmlns:a14="http://schemas.microsoft.com/office/drawing/2010/main" w="9525">
+                <a14:hiddenLine xmlns:a14="http://schemas.microsoft.com/office/drawing/2010/main" xmlns="" w="9525">
                   <a:solidFill>
                     <a:srgbClr val="000000"/>
                   </a:solidFill>
@@ -3277,7 +3277,7 @@
             </a:ln>
             <a:extLst>
               <a:ext uri="{91240B29-F687-4f45-9708-019B960494DF}">
-                <a14:hiddenLine xmlns="" xmlns:a14="http://schemas.microsoft.com/office/drawing/2010/main" w="9525">
+                <a14:hiddenLine xmlns:a14="http://schemas.microsoft.com/office/drawing/2010/main" xmlns="" w="9525">
                   <a:solidFill>
                     <a:srgbClr val="000000"/>
                   </a:solidFill>
@@ -3367,7 +3367,7 @@
             </a:ln>
             <a:extLst>
               <a:ext uri="{91240B29-F687-4f45-9708-019B960494DF}">
-                <a14:hiddenLine xmlns="" xmlns:a14="http://schemas.microsoft.com/office/drawing/2010/main" w="9525">
+                <a14:hiddenLine xmlns:a14="http://schemas.microsoft.com/office/drawing/2010/main" xmlns="" w="9525">
                   <a:solidFill>
                     <a:srgbClr val="000000"/>
                   </a:solidFill>
@@ -3429,7 +3429,7 @@
             </a:ln>
             <a:extLst>
               <a:ext uri="{91240B29-F687-4f45-9708-019B960494DF}">
-                <a14:hiddenLine xmlns="" xmlns:a14="http://schemas.microsoft.com/office/drawing/2010/main" w="9525">
+                <a14:hiddenLine xmlns:a14="http://schemas.microsoft.com/office/drawing/2010/main" xmlns="" w="9525">
                   <a:solidFill>
                     <a:srgbClr val="000000"/>
                   </a:solidFill>
@@ -3519,7 +3519,7 @@
             </a:ln>
             <a:extLst>
               <a:ext uri="{91240B29-F687-4f45-9708-019B960494DF}">
-                <a14:hiddenLine xmlns="" xmlns:a14="http://schemas.microsoft.com/office/drawing/2010/main" w="9525">
+                <a14:hiddenLine xmlns:a14="http://schemas.microsoft.com/office/drawing/2010/main" xmlns="" w="9525">
                   <a:solidFill>
                     <a:srgbClr val="000000"/>
                   </a:solidFill>
@@ -3609,7 +3609,7 @@
             </a:ln>
             <a:extLst>
               <a:ext uri="{91240B29-F687-4f45-9708-019B960494DF}">
-                <a14:hiddenLine xmlns="" xmlns:a14="http://schemas.microsoft.com/office/drawing/2010/main" w="9525">
+                <a14:hiddenLine xmlns:a14="http://schemas.microsoft.com/office/drawing/2010/main" xmlns="" w="9525">
                   <a:solidFill>
                     <a:srgbClr val="000000"/>
                   </a:solidFill>
@@ -3674,7 +3674,7 @@
             </a:ln>
             <a:extLst>
               <a:ext uri="{91240B29-F687-4f45-9708-019B960494DF}">
-                <a14:hiddenLine xmlns="" xmlns:a14="http://schemas.microsoft.com/office/drawing/2010/main" w="9525">
+                <a14:hiddenLine xmlns:a14="http://schemas.microsoft.com/office/drawing/2010/main" xmlns="" w="9525">
                   <a:solidFill>
                     <a:srgbClr val="000000"/>
                   </a:solidFill>
@@ -3736,7 +3736,7 @@
             </a:ln>
             <a:extLst>
               <a:ext uri="{91240B29-F687-4f45-9708-019B960494DF}">
-                <a14:hiddenLine xmlns="" xmlns:a14="http://schemas.microsoft.com/office/drawing/2010/main" w="9525">
+                <a14:hiddenLine xmlns:a14="http://schemas.microsoft.com/office/drawing/2010/main" xmlns="" w="9525">
                   <a:solidFill>
                     <a:srgbClr val="000000"/>
                   </a:solidFill>
@@ -3826,7 +3826,7 @@
             </a:ln>
             <a:extLst>
               <a:ext uri="{91240B29-F687-4f45-9708-019B960494DF}">
-                <a14:hiddenLine xmlns="" xmlns:a14="http://schemas.microsoft.com/office/drawing/2010/main" w="9525">
+                <a14:hiddenLine xmlns:a14="http://schemas.microsoft.com/office/drawing/2010/main" xmlns="" w="9525">
                   <a:solidFill>
                     <a:srgbClr val="000000"/>
                   </a:solidFill>
@@ -3916,7 +3916,7 @@
             </a:ln>
             <a:extLst>
               <a:ext uri="{91240B29-F687-4f45-9708-019B960494DF}">
-                <a14:hiddenLine xmlns="" xmlns:a14="http://schemas.microsoft.com/office/drawing/2010/main" w="9525">
+                <a14:hiddenLine xmlns:a14="http://schemas.microsoft.com/office/drawing/2010/main" xmlns="" w="9525">
                   <a:solidFill>
                     <a:srgbClr val="000000"/>
                   </a:solidFill>
@@ -3978,7 +3978,7 @@
             </a:ln>
             <a:extLst>
               <a:ext uri="{91240B29-F687-4f45-9708-019B960494DF}">
-                <a14:hiddenLine xmlns="" xmlns:a14="http://schemas.microsoft.com/office/drawing/2010/main" w="9525">
+                <a14:hiddenLine xmlns:a14="http://schemas.microsoft.com/office/drawing/2010/main" xmlns="" w="9525">
                   <a:solidFill>
                     <a:srgbClr val="000000"/>
                   </a:solidFill>
@@ -4098,7 +4098,7 @@
             </a:ln>
             <a:extLst>
               <a:ext uri="{91240B29-F687-4f45-9708-019B960494DF}">
-                <a14:hiddenLine xmlns="" xmlns:a14="http://schemas.microsoft.com/office/drawing/2010/main" w="9525">
+                <a14:hiddenLine xmlns:a14="http://schemas.microsoft.com/office/drawing/2010/main" xmlns="" w="9525">
                   <a:solidFill>
                     <a:srgbClr val="000000"/>
                   </a:solidFill>
@@ -4166,7 +4166,7 @@
             </a:ln>
             <a:extLst>
               <a:ext uri="{91240B29-F687-4f45-9708-019B960494DF}">
-                <a14:hiddenLine xmlns="" xmlns:a14="http://schemas.microsoft.com/office/drawing/2010/main" w="9525">
+                <a14:hiddenLine xmlns:a14="http://schemas.microsoft.com/office/drawing/2010/main" xmlns="" w="9525">
                   <a:solidFill>
                     <a:srgbClr val="000000"/>
                   </a:solidFill>
@@ -4256,7 +4256,7 @@
             </a:ln>
             <a:extLst>
               <a:ext uri="{91240B29-F687-4f45-9708-019B960494DF}">
-                <a14:hiddenLine xmlns="" xmlns:a14="http://schemas.microsoft.com/office/drawing/2010/main" w="9525">
+                <a14:hiddenLine xmlns:a14="http://schemas.microsoft.com/office/drawing/2010/main" xmlns="" w="9525">
                   <a:solidFill>
                     <a:srgbClr val="000000"/>
                   </a:solidFill>
@@ -9063,7 +9063,7 @@
           <a:noFill/>
           <a:extLst>
             <a:ext uri="{909E8E84-426E-40dd-AFC4-6F175D3DCCD1}">
-              <a14:hiddenFill xmlns="" xmlns:a14="http://schemas.microsoft.com/office/drawing/2010/main">
+              <a14:hiddenFill xmlns:a14="http://schemas.microsoft.com/office/drawing/2010/main" xmlns="">
                 <a:solidFill>
                   <a:srgbClr val="FFFFFF"/>
                 </a:solidFill>
@@ -9137,7 +9137,7 @@
               </a:ln>
               <a:extLst>
                 <a:ext uri="{91240B29-F687-4f45-9708-019B960494DF}">
-                  <a14:hiddenLine xmlns="" xmlns:a14="http://schemas.microsoft.com/office/drawing/2010/main" w="9525">
+                  <a14:hiddenLine xmlns:a14="http://schemas.microsoft.com/office/drawing/2010/main" xmlns="" w="9525">
                     <a:solidFill>
                       <a:srgbClr val="000000"/>
                     </a:solidFill>
@@ -9227,7 +9227,7 @@
               </a:ln>
               <a:extLst>
                 <a:ext uri="{91240B29-F687-4f45-9708-019B960494DF}">
-                  <a14:hiddenLine xmlns="" xmlns:a14="http://schemas.microsoft.com/office/drawing/2010/main" w="9525">
+                  <a14:hiddenLine xmlns:a14="http://schemas.microsoft.com/office/drawing/2010/main" xmlns="" w="9525">
                     <a:solidFill>
                       <a:srgbClr val="000000"/>
                     </a:solidFill>
@@ -9317,7 +9317,7 @@
               </a:ln>
               <a:extLst>
                 <a:ext uri="{91240B29-F687-4f45-9708-019B960494DF}">
-                  <a14:hiddenLine xmlns="" xmlns:a14="http://schemas.microsoft.com/office/drawing/2010/main" w="9525">
+                  <a14:hiddenLine xmlns:a14="http://schemas.microsoft.com/office/drawing/2010/main" xmlns="" w="9525">
                     <a:solidFill>
                       <a:srgbClr val="000000"/>
                     </a:solidFill>
@@ -9379,7 +9379,7 @@
               </a:ln>
               <a:extLst>
                 <a:ext uri="{91240B29-F687-4f45-9708-019B960494DF}">
-                  <a14:hiddenLine xmlns="" xmlns:a14="http://schemas.microsoft.com/office/drawing/2010/main" w="9525">
+                  <a14:hiddenLine xmlns:a14="http://schemas.microsoft.com/office/drawing/2010/main" xmlns="" w="9525">
                     <a:solidFill>
                       <a:srgbClr val="000000"/>
                     </a:solidFill>
@@ -9469,7 +9469,7 @@
               </a:ln>
               <a:extLst>
                 <a:ext uri="{91240B29-F687-4f45-9708-019B960494DF}">
-                  <a14:hiddenLine xmlns="" xmlns:a14="http://schemas.microsoft.com/office/drawing/2010/main" w="9525">
+                  <a14:hiddenLine xmlns:a14="http://schemas.microsoft.com/office/drawing/2010/main" xmlns="" w="9525">
                     <a:solidFill>
                       <a:srgbClr val="000000"/>
                     </a:solidFill>
@@ -9531,7 +9531,7 @@
               </a:ln>
               <a:extLst>
                 <a:ext uri="{91240B29-F687-4f45-9708-019B960494DF}">
-                  <a14:hiddenLine xmlns="" xmlns:a14="http://schemas.microsoft.com/office/drawing/2010/main" w="9525">
+                  <a14:hiddenLine xmlns:a14="http://schemas.microsoft.com/office/drawing/2010/main" xmlns="" w="9525">
                     <a:solidFill>
                       <a:srgbClr val="000000"/>
                     </a:solidFill>
@@ -9593,7 +9593,7 @@
               </a:ln>
               <a:extLst>
                 <a:ext uri="{91240B29-F687-4f45-9708-019B960494DF}">
-                  <a14:hiddenLine xmlns="" xmlns:a14="http://schemas.microsoft.com/office/drawing/2010/main" w="9525">
+                  <a14:hiddenLine xmlns:a14="http://schemas.microsoft.com/office/drawing/2010/main" xmlns="" w="9525">
                     <a:solidFill>
                       <a:srgbClr val="000000"/>
                     </a:solidFill>
@@ -9683,7 +9683,7 @@
               </a:ln>
               <a:extLst>
                 <a:ext uri="{91240B29-F687-4f45-9708-019B960494DF}">
-                  <a14:hiddenLine xmlns="" xmlns:a14="http://schemas.microsoft.com/office/drawing/2010/main" w="9525">
+                  <a14:hiddenLine xmlns:a14="http://schemas.microsoft.com/office/drawing/2010/main" xmlns="" w="9525">
                     <a:solidFill>
                       <a:srgbClr val="000000"/>
                     </a:solidFill>
@@ -9773,7 +9773,7 @@
               </a:ln>
               <a:extLst>
                 <a:ext uri="{91240B29-F687-4f45-9708-019B960494DF}">
-                  <a14:hiddenLine xmlns="" xmlns:a14="http://schemas.microsoft.com/office/drawing/2010/main" w="9525">
+                  <a14:hiddenLine xmlns:a14="http://schemas.microsoft.com/office/drawing/2010/main" xmlns="" w="9525">
                     <a:solidFill>
                       <a:srgbClr val="000000"/>
                     </a:solidFill>
@@ -9835,7 +9835,7 @@
               </a:ln>
               <a:extLst>
                 <a:ext uri="{91240B29-F687-4f45-9708-019B960494DF}">
-                  <a14:hiddenLine xmlns="" xmlns:a14="http://schemas.microsoft.com/office/drawing/2010/main" w="9525">
+                  <a14:hiddenLine xmlns:a14="http://schemas.microsoft.com/office/drawing/2010/main" xmlns="" w="9525">
                     <a:solidFill>
                       <a:srgbClr val="000000"/>
                     </a:solidFill>
@@ -9945,7 +9945,7 @@
               </a:ln>
               <a:extLst>
                 <a:ext uri="{91240B29-F687-4f45-9708-019B960494DF}">
-                  <a14:hiddenLine xmlns="" xmlns:a14="http://schemas.microsoft.com/office/drawing/2010/main" w="9525">
+                  <a14:hiddenLine xmlns:a14="http://schemas.microsoft.com/office/drawing/2010/main" xmlns="" w="9525">
                     <a:solidFill>
                       <a:srgbClr val="000000"/>
                     </a:solidFill>
@@ -10029,7 +10029,7 @@
               </a:ln>
               <a:extLst>
                 <a:ext uri="{91240B29-F687-4f45-9708-019B960494DF}">
-                  <a14:hiddenLine xmlns="" xmlns:a14="http://schemas.microsoft.com/office/drawing/2010/main" w="9525">
+                  <a14:hiddenLine xmlns:a14="http://schemas.microsoft.com/office/drawing/2010/main" xmlns="" w="9525">
                     <a:solidFill>
                       <a:srgbClr val="000000"/>
                     </a:solidFill>
@@ -10091,7 +10091,7 @@
               </a:ln>
               <a:extLst>
                 <a:ext uri="{91240B29-F687-4f45-9708-019B960494DF}">
-                  <a14:hiddenLine xmlns="" xmlns:a14="http://schemas.microsoft.com/office/drawing/2010/main" w="9525">
+                  <a14:hiddenLine xmlns:a14="http://schemas.microsoft.com/office/drawing/2010/main" xmlns="" w="9525">
                     <a:solidFill>
                       <a:srgbClr val="000000"/>
                     </a:solidFill>
@@ -10153,7 +10153,7 @@
               </a:ln>
               <a:extLst>
                 <a:ext uri="{91240B29-F687-4f45-9708-019B960494DF}">
-                  <a14:hiddenLine xmlns="" xmlns:a14="http://schemas.microsoft.com/office/drawing/2010/main" w="9525">
+                  <a14:hiddenLine xmlns:a14="http://schemas.microsoft.com/office/drawing/2010/main" xmlns="" w="9525">
                     <a:solidFill>
                       <a:srgbClr val="000000"/>
                     </a:solidFill>
@@ -10243,7 +10243,7 @@
               </a:ln>
               <a:extLst>
                 <a:ext uri="{91240B29-F687-4f45-9708-019B960494DF}">
-                  <a14:hiddenLine xmlns="" xmlns:a14="http://schemas.microsoft.com/office/drawing/2010/main" w="9525">
+                  <a14:hiddenLine xmlns:a14="http://schemas.microsoft.com/office/drawing/2010/main" xmlns="" w="9525">
                     <a:solidFill>
                       <a:srgbClr val="000000"/>
                     </a:solidFill>
@@ -10277,7 +10277,7 @@
               </a:ln>
               <a:extLst>
                 <a:ext uri="{91240B29-F687-4f45-9708-019B960494DF}">
-                  <a14:hiddenLine xmlns="" xmlns:a14="http://schemas.microsoft.com/office/drawing/2010/main" w="9525">
+                  <a14:hiddenLine xmlns:a14="http://schemas.microsoft.com/office/drawing/2010/main" xmlns="" w="9525">
                     <a:solidFill>
                       <a:srgbClr val="000000"/>
                     </a:solidFill>
@@ -10342,7 +10342,7 @@
               </a:ln>
               <a:extLst>
                 <a:ext uri="{91240B29-F687-4f45-9708-019B960494DF}">
-                  <a14:hiddenLine xmlns="" xmlns:a14="http://schemas.microsoft.com/office/drawing/2010/main" w="9525">
+                  <a14:hiddenLine xmlns:a14="http://schemas.microsoft.com/office/drawing/2010/main" xmlns="" w="9525">
                     <a:solidFill>
                       <a:srgbClr val="000000"/>
                     </a:solidFill>
@@ -10432,7 +10432,7 @@
               </a:ln>
               <a:extLst>
                 <a:ext uri="{91240B29-F687-4f45-9708-019B960494DF}">
-                  <a14:hiddenLine xmlns="" xmlns:a14="http://schemas.microsoft.com/office/drawing/2010/main" w="9525">
+                  <a14:hiddenLine xmlns:a14="http://schemas.microsoft.com/office/drawing/2010/main" xmlns="" w="9525">
                     <a:solidFill>
                       <a:srgbClr val="000000"/>
                     </a:solidFill>
@@ -10494,7 +10494,7 @@
               </a:ln>
               <a:extLst>
                 <a:ext uri="{91240B29-F687-4f45-9708-019B960494DF}">
-                  <a14:hiddenLine xmlns="" xmlns:a14="http://schemas.microsoft.com/office/drawing/2010/main" w="9525">
+                  <a14:hiddenLine xmlns:a14="http://schemas.microsoft.com/office/drawing/2010/main" xmlns="" w="9525">
                     <a:solidFill>
                       <a:srgbClr val="000000"/>
                     </a:solidFill>
@@ -10584,7 +10584,7 @@
               </a:ln>
               <a:extLst>
                 <a:ext uri="{91240B29-F687-4f45-9708-019B960494DF}">
-                  <a14:hiddenLine xmlns="" xmlns:a14="http://schemas.microsoft.com/office/drawing/2010/main" w="9525">
+                  <a14:hiddenLine xmlns:a14="http://schemas.microsoft.com/office/drawing/2010/main" xmlns="" w="9525">
                     <a:solidFill>
                       <a:srgbClr val="000000"/>
                     </a:solidFill>
@@ -10649,7 +10649,7 @@
               </a:ln>
               <a:extLst>
                 <a:ext uri="{91240B29-F687-4f45-9708-019B960494DF}">
-                  <a14:hiddenLine xmlns="" xmlns:a14="http://schemas.microsoft.com/office/drawing/2010/main" w="9525">
+                  <a14:hiddenLine xmlns:a14="http://schemas.microsoft.com/office/drawing/2010/main" xmlns="" w="9525">
                     <a:solidFill>
                       <a:srgbClr val="000000"/>
                     </a:solidFill>
@@ -10711,7 +10711,7 @@
               </a:ln>
               <a:extLst>
                 <a:ext uri="{91240B29-F687-4f45-9708-019B960494DF}">
-                  <a14:hiddenLine xmlns="" xmlns:a14="http://schemas.microsoft.com/office/drawing/2010/main" w="9525">
+                  <a14:hiddenLine xmlns:a14="http://schemas.microsoft.com/office/drawing/2010/main" xmlns="" w="9525">
                     <a:solidFill>
                       <a:srgbClr val="000000"/>
                     </a:solidFill>
@@ -10801,7 +10801,7 @@
               </a:ln>
               <a:extLst>
                 <a:ext uri="{91240B29-F687-4f45-9708-019B960494DF}">
-                  <a14:hiddenLine xmlns="" xmlns:a14="http://schemas.microsoft.com/office/drawing/2010/main" w="9525">
+                  <a14:hiddenLine xmlns:a14="http://schemas.microsoft.com/office/drawing/2010/main" xmlns="" w="9525">
                     <a:solidFill>
                       <a:srgbClr val="000000"/>
                     </a:solidFill>
@@ -10891,7 +10891,7 @@
               </a:ln>
               <a:extLst>
                 <a:ext uri="{91240B29-F687-4f45-9708-019B960494DF}">
-                  <a14:hiddenLine xmlns="" xmlns:a14="http://schemas.microsoft.com/office/drawing/2010/main" w="9525">
+                  <a14:hiddenLine xmlns:a14="http://schemas.microsoft.com/office/drawing/2010/main" xmlns="" w="9525">
                     <a:solidFill>
                       <a:srgbClr val="000000"/>
                     </a:solidFill>
@@ -10956,7 +10956,7 @@
               </a:ln>
               <a:extLst>
                 <a:ext uri="{91240B29-F687-4f45-9708-019B960494DF}">
-                  <a14:hiddenLine xmlns="" xmlns:a14="http://schemas.microsoft.com/office/drawing/2010/main" w="9525">
+                  <a14:hiddenLine xmlns:a14="http://schemas.microsoft.com/office/drawing/2010/main" xmlns="" w="9525">
                     <a:solidFill>
                       <a:srgbClr val="000000"/>
                     </a:solidFill>
@@ -11076,7 +11076,7 @@
               </a:ln>
               <a:extLst>
                 <a:ext uri="{91240B29-F687-4f45-9708-019B960494DF}">
-                  <a14:hiddenLine xmlns="" xmlns:a14="http://schemas.microsoft.com/office/drawing/2010/main" w="9525">
+                  <a14:hiddenLine xmlns:a14="http://schemas.microsoft.com/office/drawing/2010/main" xmlns="" w="9525">
                     <a:solidFill>
                       <a:srgbClr val="000000"/>
                     </a:solidFill>
@@ -11174,7 +11174,7 @@
               </a:ln>
               <a:extLst>
                 <a:ext uri="{91240B29-F687-4f45-9708-019B960494DF}">
-                  <a14:hiddenLine xmlns="" xmlns:a14="http://schemas.microsoft.com/office/drawing/2010/main" w="9525">
+                  <a14:hiddenLine xmlns:a14="http://schemas.microsoft.com/office/drawing/2010/main" xmlns="" w="9525">
                     <a:solidFill>
                       <a:srgbClr val="000000"/>
                     </a:solidFill>
@@ -11289,7 +11289,7 @@
               </a:ln>
               <a:extLst>
                 <a:ext uri="{91240B29-F687-4f45-9708-019B960494DF}">
-                  <a14:hiddenLine xmlns="" xmlns:a14="http://schemas.microsoft.com/office/drawing/2010/main" w="9525">
+                  <a14:hiddenLine xmlns:a14="http://schemas.microsoft.com/office/drawing/2010/main" xmlns="" w="9525">
                     <a:solidFill>
                       <a:srgbClr val="000000"/>
                     </a:solidFill>
@@ -11379,7 +11379,7 @@
               </a:ln>
               <a:extLst>
                 <a:ext uri="{91240B29-F687-4f45-9708-019B960494DF}">
-                  <a14:hiddenLine xmlns="" xmlns:a14="http://schemas.microsoft.com/office/drawing/2010/main" w="9525">
+                  <a14:hiddenLine xmlns:a14="http://schemas.microsoft.com/office/drawing/2010/main" xmlns="" w="9525">
                     <a:solidFill>
                       <a:srgbClr val="000000"/>
                     </a:solidFill>
@@ -11444,7 +11444,7 @@
               </a:ln>
               <a:extLst>
                 <a:ext uri="{91240B29-F687-4f45-9708-019B960494DF}">
-                  <a14:hiddenLine xmlns="" xmlns:a14="http://schemas.microsoft.com/office/drawing/2010/main" w="9525">
+                  <a14:hiddenLine xmlns:a14="http://schemas.microsoft.com/office/drawing/2010/main" xmlns="" w="9525">
                     <a:solidFill>
                       <a:srgbClr val="000000"/>
                     </a:solidFill>
@@ -11534,7 +11534,7 @@
               </a:ln>
               <a:extLst>
                 <a:ext uri="{91240B29-F687-4f45-9708-019B960494DF}">
-                  <a14:hiddenLine xmlns="" xmlns:a14="http://schemas.microsoft.com/office/drawing/2010/main" w="9525">
+                  <a14:hiddenLine xmlns:a14="http://schemas.microsoft.com/office/drawing/2010/main" xmlns="" w="9525">
                     <a:solidFill>
                       <a:srgbClr val="000000"/>
                     </a:solidFill>
@@ -11602,7 +11602,7 @@
               </a:ln>
               <a:extLst>
                 <a:ext uri="{91240B29-F687-4f45-9708-019B960494DF}">
-                  <a14:hiddenLine xmlns="" xmlns:a14="http://schemas.microsoft.com/office/drawing/2010/main" w="9525">
+                  <a14:hiddenLine xmlns:a14="http://schemas.microsoft.com/office/drawing/2010/main" xmlns="" w="9525">
                     <a:solidFill>
                       <a:srgbClr val="000000"/>
                     </a:solidFill>
@@ -11692,7 +11692,7 @@
               </a:ln>
               <a:extLst>
                 <a:ext uri="{91240B29-F687-4f45-9708-019B960494DF}">
-                  <a14:hiddenLine xmlns="" xmlns:a14="http://schemas.microsoft.com/office/drawing/2010/main" w="9525">
+                  <a14:hiddenLine xmlns:a14="http://schemas.microsoft.com/office/drawing/2010/main" xmlns="" w="9525">
                     <a:solidFill>
                       <a:srgbClr val="000000"/>
                     </a:solidFill>
@@ -11760,7 +11760,7 @@
               </a:ln>
               <a:extLst>
                 <a:ext uri="{91240B29-F687-4f45-9708-019B960494DF}">
-                  <a14:hiddenLine xmlns="" xmlns:a14="http://schemas.microsoft.com/office/drawing/2010/main" w="9525">
+                  <a14:hiddenLine xmlns:a14="http://schemas.microsoft.com/office/drawing/2010/main" xmlns="" w="9525">
                     <a:solidFill>
                       <a:srgbClr val="000000"/>
                     </a:solidFill>
@@ -11850,7 +11850,7 @@
               </a:ln>
               <a:extLst>
                 <a:ext uri="{91240B29-F687-4f45-9708-019B960494DF}">
-                  <a14:hiddenLine xmlns="" xmlns:a14="http://schemas.microsoft.com/office/drawing/2010/main" w="9525">
+                  <a14:hiddenLine xmlns:a14="http://schemas.microsoft.com/office/drawing/2010/main" xmlns="" w="9525">
                     <a:solidFill>
                       <a:srgbClr val="000000"/>
                     </a:solidFill>
@@ -11884,7 +11884,7 @@
               </a:ln>
               <a:extLst>
                 <a:ext uri="{91240B29-F687-4f45-9708-019B960494DF}">
-                  <a14:hiddenLine xmlns="" xmlns:a14="http://schemas.microsoft.com/office/drawing/2010/main" w="9525">
+                  <a14:hiddenLine xmlns:a14="http://schemas.microsoft.com/office/drawing/2010/main" xmlns="" w="9525">
                     <a:solidFill>
                       <a:srgbClr val="000000"/>
                     </a:solidFill>
@@ -12685,7 +12685,7 @@
         <p:spPr/>
         <p:txBody>
           <a:bodyPr>
-            <a:normAutofit fontScale="92500" lnSpcReduction="10000"/>
+            <a:normAutofit/>
           </a:bodyPr>
           <a:lstStyle/>
           <a:p>
@@ -12718,31 +12718,22 @@
           <a:p>
             <a:r>
               <a:rPr lang="en-US" dirty="0"/>
-              <a:t>System architecture</a:t>
-            </a:r>
-          </a:p>
-          <a:p>
+              <a:t>System architecture and tools</a:t>
+            </a:r>
+          </a:p>
+          <a:p>
+            <a:pPr lvl="1"/>
             <a:r>
               <a:rPr lang="en-US" dirty="0"/>
-              <a:t>Continuous integration and hosting</a:t>
+              <a:t>Custom Express routes</a:t>
             </a:r>
           </a:p>
           <a:p>
             <a:pPr lvl="1"/>
             <a:r>
               <a:rPr lang="en-US" dirty="0"/>
-              <a:t>Travis CI</a:t>
-            </a:r>
-          </a:p>
-          <a:p>
-            <a:pPr lvl="1"/>
-            <a:r>
-              <a:rPr lang="en-US" dirty="0"/>
-              <a:t>Heroku</a:t>
-            </a:r>
-          </a:p>
-          <a:p>
-            <a:endParaRPr lang="en-ZA" dirty="0"/>
+              <a:t>Custom integration test suites</a:t>
+            </a:r>
           </a:p>
         </p:txBody>
       </p:sp>
@@ -12823,8 +12814,30 @@
         </p:nvSpPr>
         <p:spPr/>
         <p:txBody>
-          <a:bodyPr/>
+          <a:bodyPr>
+            <a:normAutofit fontScale="92500" lnSpcReduction="20000"/>
+          </a:bodyPr>
           <a:lstStyle/>
+          <a:p>
+            <a:r>
+              <a:rPr lang="en-US" dirty="0"/>
+              <a:t>Continuous integration and hosting</a:t>
+            </a:r>
+          </a:p>
+          <a:p>
+            <a:pPr lvl="1"/>
+            <a:r>
+              <a:rPr lang="en-US" dirty="0"/>
+              <a:t>Travis CI</a:t>
+            </a:r>
+          </a:p>
+          <a:p>
+            <a:pPr lvl="1"/>
+            <a:r>
+              <a:rPr lang="en-US" dirty="0"/>
+              <a:t>Heroku</a:t>
+            </a:r>
+          </a:p>
           <a:p>
             <a:r>
               <a:rPr lang="en-US" dirty="0"/>
@@ -13317,7 +13330,9 @@
         </p:nvSpPr>
         <p:spPr/>
         <p:txBody>
-          <a:bodyPr/>
+          <a:bodyPr>
+            <a:normAutofit/>
+          </a:bodyPr>
           <a:lstStyle/>
           <a:p>
             <a:r>
@@ -13361,7 +13376,7 @@
           </a:p>
           <a:p>
             <a:r>
-              <a:rPr lang="en-ZA" dirty="0"/>
+              <a:rPr lang="en-ZA"/>
               <a:t>Slack </a:t>
             </a:r>
             <a:r>
